--- a/folded_gilbert/試作/20240115/集積回路設計ミーティング.pptx
+++ b/folded_gilbert/試作/20240115/集積回路設計ミーティング.pptx
@@ -5,11 +5,17 @@
     <p:sldMasterId id="2147483648" r:id="rId1"/>
   </p:sldMasterIdLst>
   <p:notesMasterIdLst>
-    <p:notesMasterId r:id="rId4"/>
+    <p:notesMasterId r:id="rId10"/>
   </p:notesMasterIdLst>
   <p:sldIdLst>
     <p:sldId id="256" r:id="rId2"/>
     <p:sldId id="257" r:id="rId3"/>
+    <p:sldId id="259" r:id="rId4"/>
+    <p:sldId id="258" r:id="rId5"/>
+    <p:sldId id="262" r:id="rId6"/>
+    <p:sldId id="260" r:id="rId7"/>
+    <p:sldId id="261" r:id="rId8"/>
+    <p:sldId id="263" r:id="rId9"/>
   </p:sldIdLst>
   <p:sldSz cx="12192000" cy="6858000"/>
   <p:notesSz cx="6858000" cy="9144000"/>
@@ -685,9 +691,9 @@
           <a:bodyPr/>
           <a:lstStyle/>
           <a:p>
-            <a:fld id="{FEB85F8A-DDB5-432B-B8BF-86E12CA3E1B5}" type="datetime1">
+            <a:fld id="{5DBA8A93-FA73-4332-B8FB-4F1FF962B507}" type="datetime1">
               <a:rPr kumimoji="1" lang="ja-JP" altLang="en-US" smtClean="0"/>
-              <a:t>2024/1/14</a:t>
+              <a:t>2024/1/15</a:t>
             </a:fld>
             <a:endParaRPr kumimoji="1" lang="ja-JP" altLang="en-US"/>
           </a:p>
@@ -780,8 +786,8 @@
         </p:nvSpPr>
         <p:spPr>
           <a:xfrm>
-            <a:off x="2295936" y="3769527"/>
-            <a:ext cx="7600128" cy="86153"/>
+            <a:off x="2053741" y="3778370"/>
+            <a:ext cx="8084517" cy="51758"/>
           </a:xfrm>
           <a:prstGeom prst="rect">
             <a:avLst/>
@@ -1001,9 +1007,9 @@
           <a:bodyPr/>
           <a:lstStyle/>
           <a:p>
-            <a:fld id="{21AF51CA-8154-4160-8313-688B08CD61D6}" type="datetime1">
+            <a:fld id="{2E220EC2-304D-4112-848A-D1A2BA9F92F1}" type="datetime1">
               <a:rPr kumimoji="1" lang="ja-JP" altLang="en-US" smtClean="0"/>
-              <a:t>2024/1/14</a:t>
+              <a:t>2024/1/15</a:t>
             </a:fld>
             <a:endParaRPr kumimoji="1" lang="ja-JP" altLang="en-US"/>
           </a:p>
@@ -1260,9 +1266,9 @@
           <a:bodyPr/>
           <a:lstStyle/>
           <a:p>
-            <a:fld id="{D5D22A7C-5C5E-4AEF-9904-8AC373CD06D1}" type="datetime1">
+            <a:fld id="{B647B10E-DCB7-4195-8316-80A6EA6D1CF9}" type="datetime1">
               <a:rPr kumimoji="1" lang="ja-JP" altLang="en-US" smtClean="0"/>
-              <a:t>2024/1/14</a:t>
+              <a:t>2024/1/15</a:t>
             </a:fld>
             <a:endParaRPr kumimoji="1" lang="ja-JP" altLang="en-US"/>
           </a:p>
@@ -1514,9 +1520,9 @@
           <a:bodyPr/>
           <a:lstStyle/>
           <a:p>
-            <a:fld id="{7D14AB70-9A31-428D-80CA-6C2A71BE81C0}" type="datetime1">
+            <a:fld id="{71B4EA28-29A1-456E-8DF0-E6570BD2595C}" type="datetime1">
               <a:rPr kumimoji="1" lang="ja-JP" altLang="en-US" smtClean="0"/>
-              <a:t>2024/1/14</a:t>
+              <a:t>2024/1/15</a:t>
             </a:fld>
             <a:endParaRPr kumimoji="1" lang="ja-JP" altLang="en-US"/>
           </a:p>
@@ -1886,9 +1892,9 @@
           <a:bodyPr/>
           <a:lstStyle/>
           <a:p>
-            <a:fld id="{617D3280-2E51-4BDE-B06A-470263465AE0}" type="datetime1">
+            <a:fld id="{AA330389-898D-4AA5-B43D-E4DC815E0E61}" type="datetime1">
               <a:rPr kumimoji="1" lang="ja-JP" altLang="en-US" smtClean="0"/>
-              <a:t>2024/1/14</a:t>
+              <a:t>2024/1/15</a:t>
             </a:fld>
             <a:endParaRPr kumimoji="1" lang="ja-JP" altLang="en-US"/>
           </a:p>
@@ -2234,9 +2240,9 @@
           <a:bodyPr/>
           <a:lstStyle/>
           <a:p>
-            <a:fld id="{534E7D8B-15CC-4ADD-A96D-E53EE0773D10}" type="datetime1">
+            <a:fld id="{65555328-6E2D-4AF0-A787-D98D315B250A}" type="datetime1">
               <a:rPr kumimoji="1" lang="ja-JP" altLang="en-US" smtClean="0"/>
-              <a:t>2024/1/14</a:t>
+              <a:t>2024/1/15</a:t>
             </a:fld>
             <a:endParaRPr kumimoji="1" lang="ja-JP" altLang="en-US"/>
           </a:p>
@@ -2729,9 +2735,9 @@
           <a:bodyPr/>
           <a:lstStyle/>
           <a:p>
-            <a:fld id="{0A7E0AD5-8B2C-4807-9A34-44B53ED8C9E2}" type="datetime1">
+            <a:fld id="{D0C12B1B-E540-4E74-898B-6D85F54C2989}" type="datetime1">
               <a:rPr kumimoji="1" lang="ja-JP" altLang="en-US" smtClean="0"/>
-              <a:t>2024/1/14</a:t>
+              <a:t>2024/1/15</a:t>
             </a:fld>
             <a:endParaRPr kumimoji="1" lang="ja-JP" altLang="en-US"/>
           </a:p>
@@ -2894,9 +2900,9 @@
           <a:bodyPr/>
           <a:lstStyle/>
           <a:p>
-            <a:fld id="{EEA6A375-72BC-45FC-83AA-00EA8839FC12}" type="datetime1">
+            <a:fld id="{8A33F9E7-EB83-4C77-8FC6-29C51AC1DB08}" type="datetime1">
               <a:rPr kumimoji="1" lang="ja-JP" altLang="en-US" smtClean="0"/>
-              <a:t>2024/1/14</a:t>
+              <a:t>2024/1/15</a:t>
             </a:fld>
             <a:endParaRPr kumimoji="1" lang="ja-JP" altLang="en-US"/>
           </a:p>
@@ -2977,10 +2983,10 @@
       </p:sp>
       <p:sp>
         <p:nvSpPr>
-          <p:cNvPr id="7" name="正方形/長方形 6">
-            <a:extLst>
-              <a:ext uri="{FF2B5EF4-FFF2-40B4-BE49-F238E27FC236}">
-                <a16:creationId xmlns:a16="http://schemas.microsoft.com/office/drawing/2014/main" id="{65775918-56D8-DBA7-8326-DBFDE79F556A}"/>
+          <p:cNvPr id="4" name="正方形/長方形 3">
+            <a:extLst>
+              <a:ext uri="{FF2B5EF4-FFF2-40B4-BE49-F238E27FC236}">
+                <a16:creationId xmlns:a16="http://schemas.microsoft.com/office/drawing/2014/main" id="{FF714CFC-BC59-F772-B35E-02FC128F60C3}"/>
               </a:ext>
             </a:extLst>
           </p:cNvPr>
@@ -2988,8 +2994,8 @@
           <p:nvPr userDrawn="1"/>
         </p:nvSpPr>
         <p:spPr>
-          <a:xfrm flipV="1">
-            <a:off x="370853" y="995435"/>
+          <a:xfrm>
+            <a:off x="370853" y="996525"/>
             <a:ext cx="11450293" cy="69707"/>
           </a:xfrm>
           <a:prstGeom prst="rect">
@@ -3074,10 +3080,112 @@
       </p:grpSpPr>
       <p:sp>
         <p:nvSpPr>
-          <p:cNvPr id="7" name="正方形/長方形 6">
-            <a:extLst>
-              <a:ext uri="{FF2B5EF4-FFF2-40B4-BE49-F238E27FC236}">
-                <a16:creationId xmlns:a16="http://schemas.microsoft.com/office/drawing/2014/main" id="{D8D2B037-368F-C2E2-D701-34F5913535D3}"/>
+          <p:cNvPr id="2" name="日付プレースホルダー 1">
+            <a:extLst>
+              <a:ext uri="{FF2B5EF4-FFF2-40B4-BE49-F238E27FC236}">
+                <a16:creationId xmlns:a16="http://schemas.microsoft.com/office/drawing/2014/main" id="{753F81F7-DC83-6A6E-F56A-8F7193837657}"/>
+              </a:ext>
+            </a:extLst>
+          </p:cNvPr>
+          <p:cNvSpPr>
+            <a:spLocks noGrp="1"/>
+          </p:cNvSpPr>
+          <p:nvPr>
+            <p:ph type="dt" sz="half" idx="10"/>
+          </p:nvPr>
+        </p:nvSpPr>
+        <p:spPr/>
+        <p:txBody>
+          <a:bodyPr/>
+          <a:lstStyle/>
+          <a:p>
+            <a:fld id="{1F132F43-EAF3-456F-9D65-CA4721580CE0}" type="datetime1">
+              <a:rPr kumimoji="1" lang="ja-JP" altLang="en-US" smtClean="0"/>
+              <a:t>2024/1/15</a:t>
+            </a:fld>
+            <a:endParaRPr kumimoji="1" lang="ja-JP" altLang="en-US"/>
+          </a:p>
+        </p:txBody>
+      </p:sp>
+      <p:sp>
+        <p:nvSpPr>
+          <p:cNvPr id="4" name="スライド番号プレースホルダー 3">
+            <a:extLst>
+              <a:ext uri="{FF2B5EF4-FFF2-40B4-BE49-F238E27FC236}">
+                <a16:creationId xmlns:a16="http://schemas.microsoft.com/office/drawing/2014/main" id="{8CF00389-77E0-70A8-55AD-D80B539EF1F9}"/>
+              </a:ext>
+            </a:extLst>
+          </p:cNvPr>
+          <p:cNvSpPr>
+            <a:spLocks noGrp="1"/>
+          </p:cNvSpPr>
+          <p:nvPr>
+            <p:ph type="sldNum" sz="quarter" idx="12"/>
+          </p:nvPr>
+        </p:nvSpPr>
+        <p:spPr/>
+        <p:txBody>
+          <a:bodyPr/>
+          <a:lstStyle/>
+          <a:p>
+            <a:fld id="{6294761A-CFE9-4878-87A7-90ECABD59CE5}" type="slidenum">
+              <a:rPr kumimoji="1" lang="ja-JP" altLang="en-US" smtClean="0"/>
+              <a:t>‹#›</a:t>
+            </a:fld>
+            <a:endParaRPr kumimoji="1" lang="ja-JP" altLang="en-US"/>
+          </a:p>
+        </p:txBody>
+      </p:sp>
+      <p:sp>
+        <p:nvSpPr>
+          <p:cNvPr id="5" name="フッター プレースホルダー 4">
+            <a:extLst>
+              <a:ext uri="{FF2B5EF4-FFF2-40B4-BE49-F238E27FC236}">
+                <a16:creationId xmlns:a16="http://schemas.microsoft.com/office/drawing/2014/main" id="{51A25CC5-173F-AD18-A5FF-2089A2CB7676}"/>
+              </a:ext>
+            </a:extLst>
+          </p:cNvPr>
+          <p:cNvSpPr>
+            <a:spLocks noGrp="1"/>
+          </p:cNvSpPr>
+          <p:nvPr>
+            <p:ph type="ftr" sz="quarter" idx="3"/>
+          </p:nvPr>
+        </p:nvSpPr>
+        <p:spPr>
+          <a:xfrm>
+            <a:off x="3586432" y="6572796"/>
+            <a:ext cx="5019136" cy="365125"/>
+          </a:xfrm>
+          <a:prstGeom prst="rect">
+            <a:avLst/>
+          </a:prstGeom>
+        </p:spPr>
+        <p:txBody>
+          <a:bodyPr vert="horz" lIns="91440" tIns="45720" rIns="91440" bIns="45720" rtlCol="0" anchor="ctr"/>
+          <a:lstStyle>
+            <a:lvl1pPr algn="ctr">
+              <a:defRPr sz="1200">
+                <a:solidFill>
+                  <a:schemeClr val="bg1"/>
+                </a:solidFill>
+              </a:defRPr>
+            </a:lvl1pPr>
+          </a:lstStyle>
+          <a:p>
+            <a:r>
+              <a:rPr lang="en-US" altLang="ja-JP" dirty="0"/>
+              <a:t>Wave Signal Processing Circuit Laboratory,  Meiji University</a:t>
+            </a:r>
+          </a:p>
+        </p:txBody>
+      </p:sp>
+      <p:sp>
+        <p:nvSpPr>
+          <p:cNvPr id="3" name="正方形/長方形 2">
+            <a:extLst>
+              <a:ext uri="{FF2B5EF4-FFF2-40B4-BE49-F238E27FC236}">
+                <a16:creationId xmlns:a16="http://schemas.microsoft.com/office/drawing/2014/main" id="{39BD6C6A-AEDC-18A3-554B-588D177E3A32}"/>
               </a:ext>
             </a:extLst>
           </p:cNvPr>
@@ -3085,8 +3193,8 @@
           <p:nvPr userDrawn="1"/>
         </p:nvSpPr>
         <p:spPr>
-          <a:xfrm flipV="1">
-            <a:off x="370853" y="995435"/>
+          <a:xfrm>
+            <a:off x="370853" y="996525"/>
             <a:ext cx="11450293" cy="69707"/>
           </a:xfrm>
           <a:prstGeom prst="rect">
@@ -3139,108 +3247,6 @@
           </a:p>
         </p:txBody>
       </p:sp>
-      <p:sp>
-        <p:nvSpPr>
-          <p:cNvPr id="2" name="日付プレースホルダー 1">
-            <a:extLst>
-              <a:ext uri="{FF2B5EF4-FFF2-40B4-BE49-F238E27FC236}">
-                <a16:creationId xmlns:a16="http://schemas.microsoft.com/office/drawing/2014/main" id="{753F81F7-DC83-6A6E-F56A-8F7193837657}"/>
-              </a:ext>
-            </a:extLst>
-          </p:cNvPr>
-          <p:cNvSpPr>
-            <a:spLocks noGrp="1"/>
-          </p:cNvSpPr>
-          <p:nvPr>
-            <p:ph type="dt" sz="half" idx="10"/>
-          </p:nvPr>
-        </p:nvSpPr>
-        <p:spPr/>
-        <p:txBody>
-          <a:bodyPr/>
-          <a:lstStyle/>
-          <a:p>
-            <a:fld id="{2E745049-197C-41A0-8DB6-4F32FD03AE57}" type="datetime1">
-              <a:rPr kumimoji="1" lang="ja-JP" altLang="en-US" smtClean="0"/>
-              <a:t>2024/1/14</a:t>
-            </a:fld>
-            <a:endParaRPr kumimoji="1" lang="ja-JP" altLang="en-US"/>
-          </a:p>
-        </p:txBody>
-      </p:sp>
-      <p:sp>
-        <p:nvSpPr>
-          <p:cNvPr id="4" name="スライド番号プレースホルダー 3">
-            <a:extLst>
-              <a:ext uri="{FF2B5EF4-FFF2-40B4-BE49-F238E27FC236}">
-                <a16:creationId xmlns:a16="http://schemas.microsoft.com/office/drawing/2014/main" id="{8CF00389-77E0-70A8-55AD-D80B539EF1F9}"/>
-              </a:ext>
-            </a:extLst>
-          </p:cNvPr>
-          <p:cNvSpPr>
-            <a:spLocks noGrp="1"/>
-          </p:cNvSpPr>
-          <p:nvPr>
-            <p:ph type="sldNum" sz="quarter" idx="12"/>
-          </p:nvPr>
-        </p:nvSpPr>
-        <p:spPr/>
-        <p:txBody>
-          <a:bodyPr/>
-          <a:lstStyle/>
-          <a:p>
-            <a:fld id="{6294761A-CFE9-4878-87A7-90ECABD59CE5}" type="slidenum">
-              <a:rPr kumimoji="1" lang="ja-JP" altLang="en-US" smtClean="0"/>
-              <a:t>‹#›</a:t>
-            </a:fld>
-            <a:endParaRPr kumimoji="1" lang="ja-JP" altLang="en-US"/>
-          </a:p>
-        </p:txBody>
-      </p:sp>
-      <p:sp>
-        <p:nvSpPr>
-          <p:cNvPr id="5" name="フッター プレースホルダー 4">
-            <a:extLst>
-              <a:ext uri="{FF2B5EF4-FFF2-40B4-BE49-F238E27FC236}">
-                <a16:creationId xmlns:a16="http://schemas.microsoft.com/office/drawing/2014/main" id="{51A25CC5-173F-AD18-A5FF-2089A2CB7676}"/>
-              </a:ext>
-            </a:extLst>
-          </p:cNvPr>
-          <p:cNvSpPr>
-            <a:spLocks noGrp="1"/>
-          </p:cNvSpPr>
-          <p:nvPr>
-            <p:ph type="ftr" sz="quarter" idx="3"/>
-          </p:nvPr>
-        </p:nvSpPr>
-        <p:spPr>
-          <a:xfrm>
-            <a:off x="3586432" y="6572796"/>
-            <a:ext cx="5019136" cy="365125"/>
-          </a:xfrm>
-          <a:prstGeom prst="rect">
-            <a:avLst/>
-          </a:prstGeom>
-        </p:spPr>
-        <p:txBody>
-          <a:bodyPr vert="horz" lIns="91440" tIns="45720" rIns="91440" bIns="45720" rtlCol="0" anchor="ctr"/>
-          <a:lstStyle>
-            <a:lvl1pPr algn="ctr">
-              <a:defRPr sz="1200">
-                <a:solidFill>
-                  <a:schemeClr val="bg1"/>
-                </a:solidFill>
-              </a:defRPr>
-            </a:lvl1pPr>
-          </a:lstStyle>
-          <a:p>
-            <a:r>
-              <a:rPr lang="en-US" altLang="ja-JP" dirty="0"/>
-              <a:t>Wave Signal Processing Circuit Laboratory,  Meiji University</a:t>
-            </a:r>
-          </a:p>
-        </p:txBody>
-      </p:sp>
     </p:spTree>
     <p:extLst>
       <p:ext uri="{BB962C8B-B14F-4D97-AF65-F5344CB8AC3E}">
@@ -3522,9 +3528,9 @@
           <a:bodyPr/>
           <a:lstStyle/>
           <a:p>
-            <a:fld id="{C680A16C-E6A7-4756-A3F4-14C1642851C1}" type="datetime1">
+            <a:fld id="{3615066D-D3F3-4865-81EF-A28852A7D7FF}" type="datetime1">
               <a:rPr kumimoji="1" lang="ja-JP" altLang="en-US" smtClean="0"/>
-              <a:t>2024/1/14</a:t>
+              <a:t>2024/1/15</a:t>
             </a:fld>
             <a:endParaRPr kumimoji="1" lang="ja-JP" altLang="en-US"/>
           </a:p>
@@ -3832,9 +3838,9 @@
           <a:bodyPr/>
           <a:lstStyle/>
           <a:p>
-            <a:fld id="{A56F6540-D1D8-4517-9227-190B63944A94}" type="datetime1">
+            <a:fld id="{BBD7FBDA-374E-4320-A0B6-23F489CF3B76}" type="datetime1">
               <a:rPr kumimoji="1" lang="ja-JP" altLang="en-US" smtClean="0"/>
-              <a:t>2024/1/14</a:t>
+              <a:t>2024/1/15</a:t>
             </a:fld>
             <a:endParaRPr kumimoji="1" lang="ja-JP" altLang="en-US"/>
           </a:p>
@@ -4182,9 +4188,9 @@
             </a:lvl1pPr>
           </a:lstStyle>
           <a:p>
-            <a:fld id="{0FF07873-ABA9-44AB-A9BF-3A41F38C3D70}" type="datetime1">
+            <a:fld id="{59CD5C93-217A-49D4-B40E-A471EF03F87C}" type="datetime1">
               <a:rPr lang="ja-JP" altLang="en-US" smtClean="0"/>
-              <a:t>2024/1/14</a:t>
+              <a:t>2024/1/15</a:t>
             </a:fld>
             <a:endParaRPr lang="ja-JP" altLang="en-US" dirty="0"/>
           </a:p>
@@ -4727,14 +4733,37 @@
           <a:lstStyle/>
           <a:p>
             <a:r>
-              <a:rPr lang="en-US" altLang="ja-JP" dirty="0"/>
-              <a:t>2024/1/15</a:t>
-            </a:r>
-            <a:r>
-              <a:rPr lang="ja-JP" altLang="en-US" dirty="0"/>
+              <a:rPr kumimoji="1" lang="en-US" altLang="ja-JP" dirty="0"/>
+              <a:t>2024</a:t>
+            </a:r>
+            <a:r>
+              <a:rPr kumimoji="1" lang="ja-JP" altLang="en-US" dirty="0"/>
+              <a:t>年</a:t>
+            </a:r>
+            <a:r>
+              <a:rPr kumimoji="1" lang="en-US" altLang="ja-JP" dirty="0"/>
+              <a:t>1</a:t>
+            </a:r>
+            <a:r>
+              <a:rPr kumimoji="1" lang="ja-JP" altLang="en-US" dirty="0"/>
+              <a:t>月</a:t>
+            </a:r>
+            <a:r>
+              <a:rPr kumimoji="1" lang="en-US" altLang="ja-JP" dirty="0"/>
+              <a:t>15</a:t>
+            </a:r>
+            <a:r>
+              <a:rPr kumimoji="1" lang="ja-JP" altLang="en-US" dirty="0"/>
+              <a:t>日　</a:t>
+            </a:r>
+            <a:r>
+              <a:rPr kumimoji="1" lang="en-US" altLang="ja-JP" dirty="0"/>
+              <a:t>B4</a:t>
+            </a:r>
+            <a:r>
+              <a:rPr kumimoji="1" lang="ja-JP" altLang="en-US" dirty="0"/>
               <a:t>　小島光</a:t>
             </a:r>
-            <a:endParaRPr kumimoji="1" lang="ja-JP" altLang="en-US" dirty="0"/>
           </a:p>
         </p:txBody>
       </p:sp>
@@ -4772,7 +4801,7 @@
           <p:cNvPr id="5" name="日付プレースホルダー 4">
             <a:extLst>
               <a:ext uri="{FF2B5EF4-FFF2-40B4-BE49-F238E27FC236}">
-                <a16:creationId xmlns:a16="http://schemas.microsoft.com/office/drawing/2014/main" id="{7038F6D0-9F7D-B2B8-04D8-8EA33E3D58F0}"/>
+                <a16:creationId xmlns:a16="http://schemas.microsoft.com/office/drawing/2014/main" id="{87D08CE2-AFE3-4151-A74B-D4A2E4AA513A}"/>
               </a:ext>
             </a:extLst>
           </p:cNvPr>
@@ -4788,9 +4817,9 @@
           <a:bodyPr/>
           <a:lstStyle/>
           <a:p>
-            <a:fld id="{AB2DCCF9-1D86-4D8B-BD00-9792060EEB29}" type="datetime1">
+            <a:fld id="{6D518038-385A-45EC-B17C-CEABA47C1660}" type="datetime1">
               <a:rPr kumimoji="1" lang="ja-JP" altLang="en-US" smtClean="0"/>
-              <a:t>2024/1/14</a:t>
+              <a:t>2024/1/15</a:t>
             </a:fld>
             <a:endParaRPr kumimoji="1" lang="ja-JP" altLang="en-US"/>
           </a:p>
@@ -4801,7 +4830,7 @@
           <p:cNvPr id="6" name="スライド番号プレースホルダー 5">
             <a:extLst>
               <a:ext uri="{FF2B5EF4-FFF2-40B4-BE49-F238E27FC236}">
-                <a16:creationId xmlns:a16="http://schemas.microsoft.com/office/drawing/2014/main" id="{02EBD586-7541-183E-1E68-21A7F330F8C8}"/>
+                <a16:creationId xmlns:a16="http://schemas.microsoft.com/office/drawing/2014/main" id="{CBEBB2CA-7404-C2F8-7BEB-82F42DE200D0}"/>
               </a:ext>
             </a:extLst>
           </p:cNvPr>
@@ -4860,7 +4889,7 @@
           <p:cNvPr id="2" name="タイトル 1">
             <a:extLst>
               <a:ext uri="{FF2B5EF4-FFF2-40B4-BE49-F238E27FC236}">
-                <a16:creationId xmlns:a16="http://schemas.microsoft.com/office/drawing/2014/main" id="{A59A22B8-9CDB-1A05-E188-5D3B31B85120}"/>
+                <a16:creationId xmlns:a16="http://schemas.microsoft.com/office/drawing/2014/main" id="{93600507-CA44-B922-9366-76F6B662E9BA}"/>
               </a:ext>
             </a:extLst>
           </p:cNvPr>
@@ -4876,24 +4905,27 @@
           <a:bodyPr/>
           <a:lstStyle/>
           <a:p>
-            <a:endParaRPr kumimoji="1" lang="ja-JP" altLang="en-US"/>
-          </a:p>
-        </p:txBody>
-      </p:sp>
-      <p:sp>
-        <p:nvSpPr>
-          <p:cNvPr id="3" name="日付プレースホルダー 2">
-            <a:extLst>
-              <a:ext uri="{FF2B5EF4-FFF2-40B4-BE49-F238E27FC236}">
-                <a16:creationId xmlns:a16="http://schemas.microsoft.com/office/drawing/2014/main" id="{C4C51253-5142-5810-964A-27FD08139567}"/>
-              </a:ext>
-            </a:extLst>
-          </p:cNvPr>
-          <p:cNvSpPr>
-            <a:spLocks noGrp="1"/>
-          </p:cNvSpPr>
-          <p:nvPr>
-            <p:ph type="dt" sz="half" idx="10"/>
+            <a:r>
+              <a:rPr kumimoji="1" lang="ja-JP" altLang="en-US" dirty="0"/>
+              <a:t>目次</a:t>
+            </a:r>
+          </a:p>
+        </p:txBody>
+      </p:sp>
+      <p:sp>
+        <p:nvSpPr>
+          <p:cNvPr id="3" name="フッター プレースホルダー 2">
+            <a:extLst>
+              <a:ext uri="{FF2B5EF4-FFF2-40B4-BE49-F238E27FC236}">
+                <a16:creationId xmlns:a16="http://schemas.microsoft.com/office/drawing/2014/main" id="{CC54202E-C99C-E88E-DFD9-7DF5E284034B}"/>
+              </a:ext>
+            </a:extLst>
+          </p:cNvPr>
+          <p:cNvSpPr>
+            <a:spLocks noGrp="1"/>
+          </p:cNvSpPr>
+          <p:nvPr>
+            <p:ph type="ftr" sz="quarter" idx="3"/>
           </p:nvPr>
         </p:nvSpPr>
         <p:spPr/>
@@ -4901,9 +4933,138 @@
           <a:bodyPr/>
           <a:lstStyle/>
           <a:p>
-            <a:fld id="{EEA6A375-72BC-45FC-83AA-00EA8839FC12}" type="datetime1">
+            <a:r>
+              <a:rPr lang="en-US" altLang="ja-JP"/>
+              <a:t>Wave Signal Processing Circuit Laboratory,  Meiji University</a:t>
+            </a:r>
+            <a:endParaRPr lang="en-US" altLang="ja-JP" dirty="0"/>
+          </a:p>
+        </p:txBody>
+      </p:sp>
+      <p:sp>
+        <p:nvSpPr>
+          <p:cNvPr id="4" name="テキスト ボックス 3">
+            <a:extLst>
+              <a:ext uri="{FF2B5EF4-FFF2-40B4-BE49-F238E27FC236}">
+                <a16:creationId xmlns:a16="http://schemas.microsoft.com/office/drawing/2014/main" id="{E0AA59FB-48C1-DCDE-B943-8033B6CD1D63}"/>
+              </a:ext>
+            </a:extLst>
+          </p:cNvPr>
+          <p:cNvSpPr txBox="1"/>
+          <p:nvPr/>
+        </p:nvSpPr>
+        <p:spPr>
+          <a:xfrm>
+            <a:off x="2571416" y="2225964"/>
+            <a:ext cx="6114473" cy="3539430"/>
+          </a:xfrm>
+          <a:prstGeom prst="rect">
+            <a:avLst/>
+          </a:prstGeom>
+          <a:noFill/>
+        </p:spPr>
+        <p:txBody>
+          <a:bodyPr wrap="square" rtlCol="0">
+            <a:spAutoFit/>
+          </a:bodyPr>
+          <a:lstStyle/>
+          <a:p>
+            <a:pPr marL="342900" indent="-342900" algn="l">
+              <a:buFont typeface="Arial" panose="020B0604020202020204" pitchFamily="34" charset="0"/>
+              <a:buChar char="•"/>
+            </a:pPr>
+            <a:r>
+              <a:rPr kumimoji="1" lang="en-US" altLang="ja-JP" sz="3200" dirty="0"/>
+              <a:t>Deep-</a:t>
+            </a:r>
+            <a:r>
+              <a:rPr kumimoji="1" lang="en-US" altLang="ja-JP" sz="3200" dirty="0" err="1"/>
+              <a:t>NWell</a:t>
+            </a:r>
+            <a:r>
+              <a:rPr kumimoji="1" lang="en-US" altLang="ja-JP" sz="3200" dirty="0"/>
+              <a:t> TEG</a:t>
+            </a:r>
+          </a:p>
+          <a:p>
+            <a:pPr marL="342900" indent="-342900" algn="l">
+              <a:buFont typeface="Arial" panose="020B0604020202020204" pitchFamily="34" charset="0"/>
+              <a:buChar char="•"/>
+            </a:pPr>
+            <a:endParaRPr lang="en-US" altLang="ja-JP" sz="3200" dirty="0"/>
+          </a:p>
+          <a:p>
+            <a:pPr marL="342900" indent="-342900" algn="l">
+              <a:buFont typeface="Arial" panose="020B0604020202020204" pitchFamily="34" charset="0"/>
+              <a:buChar char="•"/>
+            </a:pPr>
+            <a:r>
+              <a:rPr kumimoji="1" lang="ja-JP" altLang="en-US" sz="3200" dirty="0"/>
+              <a:t>乗算器の変更点</a:t>
+            </a:r>
+            <a:endParaRPr kumimoji="1" lang="en-US" altLang="ja-JP" sz="3200" dirty="0"/>
+          </a:p>
+          <a:p>
+            <a:pPr marL="342900" indent="-342900" algn="l">
+              <a:buFont typeface="Arial" panose="020B0604020202020204" pitchFamily="34" charset="0"/>
+              <a:buChar char="•"/>
+            </a:pPr>
+            <a:endParaRPr lang="en-US" altLang="ja-JP" sz="3200" dirty="0"/>
+          </a:p>
+          <a:p>
+            <a:pPr marL="342900" indent="-342900" algn="l">
+              <a:buFont typeface="Arial" panose="020B0604020202020204" pitchFamily="34" charset="0"/>
+              <a:buChar char="•"/>
+            </a:pPr>
+            <a:r>
+              <a:rPr kumimoji="1" lang="ja-JP" altLang="en-US" sz="3200" dirty="0"/>
+              <a:t>乗算器のパッド配置</a:t>
+            </a:r>
+            <a:endParaRPr kumimoji="1" lang="en-US" altLang="ja-JP" sz="3200" dirty="0"/>
+          </a:p>
+          <a:p>
+            <a:pPr marL="342900" indent="-342900" algn="l">
+              <a:buFont typeface="Arial" panose="020B0604020202020204" pitchFamily="34" charset="0"/>
+              <a:buChar char="•"/>
+            </a:pPr>
+            <a:endParaRPr lang="en-US" altLang="ja-JP" sz="3200" dirty="0"/>
+          </a:p>
+          <a:p>
+            <a:pPr marL="342900" indent="-342900" algn="l">
+              <a:buFont typeface="Arial" panose="020B0604020202020204" pitchFamily="34" charset="0"/>
+              <a:buChar char="•"/>
+            </a:pPr>
+            <a:r>
+              <a:rPr kumimoji="1" lang="ja-JP" altLang="en-US" sz="3200" dirty="0"/>
+              <a:t>フロアプラン</a:t>
+            </a:r>
+          </a:p>
+        </p:txBody>
+      </p:sp>
+      <p:sp>
+        <p:nvSpPr>
+          <p:cNvPr id="5" name="日付プレースホルダー 4">
+            <a:extLst>
+              <a:ext uri="{FF2B5EF4-FFF2-40B4-BE49-F238E27FC236}">
+                <a16:creationId xmlns:a16="http://schemas.microsoft.com/office/drawing/2014/main" id="{21EDC3C0-C6C4-D227-3302-EC83FAB1D3D5}"/>
+              </a:ext>
+            </a:extLst>
+          </p:cNvPr>
+          <p:cNvSpPr>
+            <a:spLocks noGrp="1"/>
+          </p:cNvSpPr>
+          <p:nvPr>
+            <p:ph type="dt" sz="half" idx="10"/>
+          </p:nvPr>
+        </p:nvSpPr>
+        <p:spPr/>
+        <p:txBody>
+          <a:bodyPr/>
+          <a:lstStyle/>
+          <a:p>
+            <a:fld id="{EDE1C2FD-D400-41A9-80C5-F1FC0B6B62E0}" type="datetime1">
               <a:rPr kumimoji="1" lang="ja-JP" altLang="en-US" smtClean="0"/>
-              <a:t>2024/1/14</a:t>
+              <a:t>2024/1/15</a:t>
             </a:fld>
             <a:endParaRPr kumimoji="1" lang="ja-JP" altLang="en-US"/>
           </a:p>
@@ -4911,10 +5072,10 @@
       </p:sp>
       <p:sp>
         <p:nvSpPr>
-          <p:cNvPr id="4" name="スライド番号プレースホルダー 3">
-            <a:extLst>
-              <a:ext uri="{FF2B5EF4-FFF2-40B4-BE49-F238E27FC236}">
-                <a16:creationId xmlns:a16="http://schemas.microsoft.com/office/drawing/2014/main" id="{5EB0C746-BF95-3865-C119-674C3233C88F}"/>
+          <p:cNvPr id="6" name="スライド番号プレースホルダー 5">
+            <a:extLst>
+              <a:ext uri="{FF2B5EF4-FFF2-40B4-BE49-F238E27FC236}">
+                <a16:creationId xmlns:a16="http://schemas.microsoft.com/office/drawing/2014/main" id="{7B1DE3E0-0938-9DAF-7A02-D0FC02629A33}"/>
               </a:ext>
             </a:extLst>
           </p:cNvPr>
@@ -4938,39 +5099,4251 @@
           </a:p>
         </p:txBody>
       </p:sp>
-      <p:sp>
-        <p:nvSpPr>
-          <p:cNvPr id="5" name="フッター プレースホルダー 4">
-            <a:extLst>
-              <a:ext uri="{FF2B5EF4-FFF2-40B4-BE49-F238E27FC236}">
-                <a16:creationId xmlns:a16="http://schemas.microsoft.com/office/drawing/2014/main" id="{A2A5DC57-A2F5-F06E-3E23-DF0A364A8763}"/>
-              </a:ext>
-            </a:extLst>
-          </p:cNvPr>
-          <p:cNvSpPr>
-            <a:spLocks noGrp="1"/>
-          </p:cNvSpPr>
-          <p:nvPr>
-            <p:ph type="ftr" sz="quarter" idx="3"/>
-          </p:nvPr>
-        </p:nvSpPr>
-        <p:spPr/>
-        <p:txBody>
-          <a:bodyPr/>
-          <a:lstStyle/>
-          <a:p>
-            <a:r>
-              <a:rPr lang="en-US" altLang="ja-JP"/>
-              <a:t>Wave Signal Processing Circuit Laboratory,  Meiji University</a:t>
-            </a:r>
-            <a:endParaRPr lang="en-US" altLang="ja-JP" dirty="0"/>
-          </a:p>
-        </p:txBody>
-      </p:sp>
     </p:spTree>
     <p:extLst>
       <p:ext uri="{BB962C8B-B14F-4D97-AF65-F5344CB8AC3E}">
-        <p14:creationId xmlns:p14="http://schemas.microsoft.com/office/powerpoint/2010/main" val="2511727773"/>
+        <p14:creationId xmlns:p14="http://schemas.microsoft.com/office/powerpoint/2010/main" val="3740966178"/>
+      </p:ext>
+    </p:extLst>
+  </p:cSld>
+  <p:clrMapOvr>
+    <a:masterClrMapping/>
+  </p:clrMapOvr>
+</p:sld>
+</file>
+
+<file path=ppt/slides/slide3.xml><?xml version="1.0" encoding="utf-8"?>
+<p:sld xmlns:a="http://schemas.openxmlformats.org/drawingml/2006/main" xmlns:r="http://schemas.openxmlformats.org/officeDocument/2006/relationships" xmlns:p="http://schemas.openxmlformats.org/presentationml/2006/main">
+  <p:cSld>
+    <p:spTree>
+      <p:nvGrpSpPr>
+        <p:cNvPr id="1" name=""/>
+        <p:cNvGrpSpPr/>
+        <p:nvPr/>
+      </p:nvGrpSpPr>
+      <p:grpSpPr>
+        <a:xfrm>
+          <a:off x="0" y="0"/>
+          <a:ext cx="0" cy="0"/>
+          <a:chOff x="0" y="0"/>
+          <a:chExt cx="0" cy="0"/>
+        </a:xfrm>
+      </p:grpSpPr>
+      <p:sp>
+        <p:nvSpPr>
+          <p:cNvPr id="2" name="タイトル 1">
+            <a:extLst>
+              <a:ext uri="{FF2B5EF4-FFF2-40B4-BE49-F238E27FC236}">
+                <a16:creationId xmlns:a16="http://schemas.microsoft.com/office/drawing/2014/main" id="{3D3F37B5-E546-C6F5-56FA-0B5EA85768FF}"/>
+              </a:ext>
+            </a:extLst>
+          </p:cNvPr>
+          <p:cNvSpPr>
+            <a:spLocks noGrp="1"/>
+          </p:cNvSpPr>
+          <p:nvPr>
+            <p:ph type="title"/>
+          </p:nvPr>
+        </p:nvSpPr>
+        <p:spPr/>
+        <p:txBody>
+          <a:bodyPr/>
+          <a:lstStyle/>
+          <a:p>
+            <a:r>
+              <a:rPr kumimoji="1" lang="en-US" altLang="ja-JP" dirty="0"/>
+              <a:t>Deep-</a:t>
+            </a:r>
+            <a:r>
+              <a:rPr kumimoji="1" lang="en-US" altLang="ja-JP" dirty="0" err="1"/>
+              <a:t>NWell</a:t>
+            </a:r>
+            <a:r>
+              <a:rPr kumimoji="1" lang="en-US" altLang="ja-JP" dirty="0"/>
+              <a:t> TEG</a:t>
+            </a:r>
+            <a:endParaRPr kumimoji="1" lang="ja-JP" altLang="en-US" dirty="0"/>
+          </a:p>
+        </p:txBody>
+      </p:sp>
+      <p:sp>
+        <p:nvSpPr>
+          <p:cNvPr id="3" name="フッター プレースホルダー 2">
+            <a:extLst>
+              <a:ext uri="{FF2B5EF4-FFF2-40B4-BE49-F238E27FC236}">
+                <a16:creationId xmlns:a16="http://schemas.microsoft.com/office/drawing/2014/main" id="{9AEEC04E-27B1-92A8-4CF4-DC3410745E9D}"/>
+              </a:ext>
+            </a:extLst>
+          </p:cNvPr>
+          <p:cNvSpPr>
+            <a:spLocks noGrp="1"/>
+          </p:cNvSpPr>
+          <p:nvPr>
+            <p:ph type="ftr" sz="quarter" idx="3"/>
+          </p:nvPr>
+        </p:nvSpPr>
+        <p:spPr/>
+        <p:txBody>
+          <a:bodyPr/>
+          <a:lstStyle/>
+          <a:p>
+            <a:r>
+              <a:rPr lang="en-US" altLang="ja-JP"/>
+              <a:t>Wave Signal Processing Circuit Laboratory,  Meiji University</a:t>
+            </a:r>
+            <a:endParaRPr lang="en-US" altLang="ja-JP" dirty="0"/>
+          </a:p>
+        </p:txBody>
+      </p:sp>
+      <p:pic>
+        <p:nvPicPr>
+          <p:cNvPr id="5" name="図 4" descr="夜に光っている数々の星&#10;&#10;自動的に生成された説明">
+            <a:extLst>
+              <a:ext uri="{FF2B5EF4-FFF2-40B4-BE49-F238E27FC236}">
+                <a16:creationId xmlns:a16="http://schemas.microsoft.com/office/drawing/2014/main" id="{538A9DF3-783F-5924-283A-786027608C98}"/>
+              </a:ext>
+            </a:extLst>
+          </p:cNvPr>
+          <p:cNvPicPr>
+            <a:picLocks noChangeAspect="1"/>
+          </p:cNvPicPr>
+          <p:nvPr/>
+        </p:nvPicPr>
+        <p:blipFill rotWithShape="1">
+          <a:blip r:embed="rId2">
+            <a:extLst>
+              <a:ext uri="{28A0092B-C50C-407E-A947-70E740481C1C}">
+                <a14:useLocalDpi xmlns:a14="http://schemas.microsoft.com/office/drawing/2010/main" val="0"/>
+              </a:ext>
+            </a:extLst>
+          </a:blip>
+          <a:srcRect l="29732"/>
+          <a:stretch/>
+        </p:blipFill>
+        <p:spPr>
+          <a:xfrm>
+            <a:off x="650339" y="1320355"/>
+            <a:ext cx="4895272" cy="3680306"/>
+          </a:xfrm>
+          <a:prstGeom prst="rect">
+            <a:avLst/>
+          </a:prstGeom>
+        </p:spPr>
+      </p:pic>
+      <p:sp>
+        <p:nvSpPr>
+          <p:cNvPr id="6" name="楕円 5">
+            <a:extLst>
+              <a:ext uri="{FF2B5EF4-FFF2-40B4-BE49-F238E27FC236}">
+                <a16:creationId xmlns:a16="http://schemas.microsoft.com/office/drawing/2014/main" id="{DD368B6F-9172-1714-1907-995302E1E5D0}"/>
+              </a:ext>
+            </a:extLst>
+          </p:cNvPr>
+          <p:cNvSpPr/>
+          <p:nvPr/>
+        </p:nvSpPr>
+        <p:spPr>
+          <a:xfrm>
+            <a:off x="1891558" y="2382982"/>
+            <a:ext cx="2883641" cy="1302328"/>
+          </a:xfrm>
+          <a:prstGeom prst="ellipse">
+            <a:avLst/>
+          </a:prstGeom>
+          <a:noFill/>
+          <a:ln w="28575">
+            <a:solidFill>
+              <a:srgbClr val="FF0000"/>
+            </a:solidFill>
+          </a:ln>
+        </p:spPr>
+        <p:style>
+          <a:lnRef idx="2">
+            <a:schemeClr val="accent1">
+              <a:shade val="15000"/>
+            </a:schemeClr>
+          </a:lnRef>
+          <a:fillRef idx="1">
+            <a:schemeClr val="accent1"/>
+          </a:fillRef>
+          <a:effectRef idx="0">
+            <a:schemeClr val="accent1"/>
+          </a:effectRef>
+          <a:fontRef idx="minor">
+            <a:schemeClr val="lt1"/>
+          </a:fontRef>
+        </p:style>
+        <p:txBody>
+          <a:bodyPr rtlCol="0" anchor="ctr"/>
+          <a:lstStyle/>
+          <a:p>
+            <a:pPr algn="ctr"/>
+            <a:endParaRPr kumimoji="1" lang="ja-JP" altLang="en-US" dirty="0"/>
+          </a:p>
+        </p:txBody>
+      </p:sp>
+      <mc:AlternateContent xmlns:mc="http://schemas.openxmlformats.org/markup-compatibility/2006">
+        <mc:Choice xmlns:a14="http://schemas.microsoft.com/office/drawing/2010/main" Requires="a14">
+          <p:sp>
+            <p:nvSpPr>
+              <p:cNvPr id="7" name="テキスト ボックス 6">
+                <a:extLst>
+                  <a:ext uri="{FF2B5EF4-FFF2-40B4-BE49-F238E27FC236}">
+                    <a16:creationId xmlns:a16="http://schemas.microsoft.com/office/drawing/2014/main" id="{CE8AE0BD-A256-918E-4D2E-74990C748484}"/>
+                  </a:ext>
+                </a:extLst>
+              </p:cNvPr>
+              <p:cNvSpPr txBox="1"/>
+              <p:nvPr/>
+            </p:nvSpPr>
+            <p:spPr>
+              <a:xfrm>
+                <a:off x="120073" y="5647789"/>
+                <a:ext cx="5809672" cy="830997"/>
+              </a:xfrm>
+              <a:prstGeom prst="rect">
+                <a:avLst/>
+              </a:prstGeom>
+              <a:noFill/>
+            </p:spPr>
+            <p:txBody>
+              <a:bodyPr wrap="square" rtlCol="0">
+                <a:spAutoFit/>
+              </a:bodyPr>
+              <a:lstStyle/>
+              <a:p>
+                <a:pPr algn="l"/>
+                <a:r>
+                  <a:rPr kumimoji="1" lang="ja-JP" altLang="en-US" sz="2400" dirty="0"/>
+                  <a:t>赤い楕円の</a:t>
+                </a:r>
+                <a:r>
+                  <a:rPr kumimoji="1" lang="en-US" altLang="ja-JP" sz="2400" dirty="0"/>
+                  <a:t>MOS</a:t>
+                </a:r>
+                <a:r>
+                  <a:rPr kumimoji="1" lang="ja-JP" altLang="en-US" sz="2400" dirty="0"/>
+                  <a:t>を</a:t>
+                </a:r>
+                <a:r>
+                  <a:rPr kumimoji="1" lang="en-US" altLang="ja-JP" sz="2400" dirty="0"/>
+                  <a:t>TEG</a:t>
+                </a:r>
+                <a:r>
+                  <a:rPr kumimoji="1" lang="ja-JP" altLang="en-US" sz="2400" dirty="0"/>
+                  <a:t>に用いる。</a:t>
+                </a:r>
+                <a:endParaRPr kumimoji="1" lang="en-US" altLang="ja-JP" sz="2400" dirty="0"/>
+              </a:p>
+              <a:p>
+                <a:pPr algn="l"/>
+                <a:r>
+                  <a:rPr lang="ja-JP" altLang="en-US" sz="2400" dirty="0"/>
+                  <a:t>サイズは</a:t>
+                </a:r>
+                <a:r>
+                  <a:rPr lang="en-US" altLang="ja-JP" sz="2400" dirty="0"/>
+                  <a:t>L/W/M = </a:t>
+                </a:r>
+                <a14:m>
+                  <m:oMath xmlns:m="http://schemas.openxmlformats.org/officeDocument/2006/math">
+                    <m:r>
+                      <a:rPr lang="en-US" altLang="ja-JP" sz="2400" i="1" dirty="0" smtClean="0">
+                        <a:latin typeface="Cambria Math" panose="02040503050406030204" pitchFamily="18" charset="0"/>
+                      </a:rPr>
+                      <m:t>0.18</m:t>
+                    </m:r>
+                  </m:oMath>
+                </a14:m>
+                <a:r>
+                  <a:rPr lang="en-US" altLang="ja-JP" sz="2400" dirty="0"/>
+                  <a:t> </a:t>
+                </a:r>
+                <a14:m>
+                  <m:oMath xmlns:m="http://schemas.openxmlformats.org/officeDocument/2006/math">
+                    <m:r>
+                      <m:rPr>
+                        <m:sty m:val="p"/>
+                      </m:rPr>
+                      <a:rPr lang="en-US" altLang="ja-JP" sz="2400" b="0" i="0" smtClean="0">
+                        <a:latin typeface="Cambria Math" panose="02040503050406030204" pitchFamily="18" charset="0"/>
+                      </a:rPr>
+                      <m:t>μm</m:t>
+                    </m:r>
+                  </m:oMath>
+                </a14:m>
+                <a:r>
+                  <a:rPr lang="en-US" altLang="ja-JP" sz="2400" dirty="0"/>
+                  <a:t>/</a:t>
+                </a:r>
+                <a14:m>
+                  <m:oMath xmlns:m="http://schemas.openxmlformats.org/officeDocument/2006/math">
+                    <m:r>
+                      <a:rPr lang="en-US" altLang="ja-JP" sz="2400" i="1" dirty="0" smtClean="0">
+                        <a:latin typeface="Cambria Math" panose="02040503050406030204" pitchFamily="18" charset="0"/>
+                      </a:rPr>
+                      <m:t>4.22</m:t>
+                    </m:r>
+                  </m:oMath>
+                </a14:m>
+                <a:r>
+                  <a:rPr lang="en-US" altLang="ja-JP" sz="2400" dirty="0"/>
+                  <a:t> </a:t>
+                </a:r>
+                <a14:m>
+                  <m:oMath xmlns:m="http://schemas.openxmlformats.org/officeDocument/2006/math">
+                    <m:r>
+                      <m:rPr>
+                        <m:sty m:val="p"/>
+                      </m:rPr>
+                      <a:rPr lang="en-US" altLang="ja-JP" sz="2400" b="0" i="0" smtClean="0">
+                        <a:latin typeface="Cambria Math" panose="02040503050406030204" pitchFamily="18" charset="0"/>
+                      </a:rPr>
+                      <m:t>μm</m:t>
+                    </m:r>
+                  </m:oMath>
+                </a14:m>
+                <a:r>
+                  <a:rPr lang="en-US" altLang="ja-JP" sz="2400" dirty="0"/>
+                  <a:t>/</a:t>
+                </a:r>
+                <a14:m>
+                  <m:oMath xmlns:m="http://schemas.openxmlformats.org/officeDocument/2006/math">
+                    <m:r>
+                      <a:rPr lang="en-US" altLang="ja-JP" sz="2400" i="1" dirty="0" smtClean="0">
+                        <a:latin typeface="Cambria Math" panose="02040503050406030204" pitchFamily="18" charset="0"/>
+                      </a:rPr>
+                      <m:t>8</m:t>
+                    </m:r>
+                  </m:oMath>
+                </a14:m>
+                <a:endParaRPr kumimoji="1" lang="ja-JP" altLang="en-US" sz="2400" dirty="0"/>
+              </a:p>
+            </p:txBody>
+          </p:sp>
+        </mc:Choice>
+        <mc:Fallback>
+          <p:sp>
+            <p:nvSpPr>
+              <p:cNvPr id="7" name="テキスト ボックス 6">
+                <a:extLst>
+                  <a:ext uri="{FF2B5EF4-FFF2-40B4-BE49-F238E27FC236}">
+                    <a16:creationId xmlns:a16="http://schemas.microsoft.com/office/drawing/2014/main" id="{CE8AE0BD-A256-918E-4D2E-74990C748484}"/>
+                  </a:ext>
+                </a:extLst>
+              </p:cNvPr>
+              <p:cNvSpPr txBox="1">
+                <a:spLocks noRot="1" noChangeAspect="1" noMove="1" noResize="1" noEditPoints="1" noAdjustHandles="1" noChangeArrowheads="1" noChangeShapeType="1" noTextEdit="1"/>
+              </p:cNvSpPr>
+              <p:nvPr/>
+            </p:nvSpPr>
+            <p:spPr>
+              <a:xfrm>
+                <a:off x="120073" y="5647789"/>
+                <a:ext cx="5809672" cy="830997"/>
+              </a:xfrm>
+              <a:prstGeom prst="rect">
+                <a:avLst/>
+              </a:prstGeom>
+              <a:blipFill>
+                <a:blip r:embed="rId3"/>
+                <a:stretch>
+                  <a:fillRect l="-1679" t="-5839" b="-15328"/>
+                </a:stretch>
+              </a:blipFill>
+            </p:spPr>
+            <p:txBody>
+              <a:bodyPr/>
+              <a:lstStyle/>
+              <a:p>
+                <a:r>
+                  <a:rPr lang="ja-JP" altLang="en-US">
+                    <a:noFill/>
+                  </a:rPr>
+                  <a:t> </a:t>
+                </a:r>
+              </a:p>
+            </p:txBody>
+          </p:sp>
+        </mc:Fallback>
+      </mc:AlternateContent>
+      <p:pic>
+        <p:nvPicPr>
+          <p:cNvPr id="9" name="図 8" descr="ゲームの画面&#10;&#10;低い精度で自動的に生成された説明">
+            <a:extLst>
+              <a:ext uri="{FF2B5EF4-FFF2-40B4-BE49-F238E27FC236}">
+                <a16:creationId xmlns:a16="http://schemas.microsoft.com/office/drawing/2014/main" id="{E6583E05-6EA0-13F6-6EA3-9BE53ED4FF85}"/>
+              </a:ext>
+            </a:extLst>
+          </p:cNvPr>
+          <p:cNvPicPr>
+            <a:picLocks noChangeAspect="1"/>
+          </p:cNvPicPr>
+          <p:nvPr/>
+        </p:nvPicPr>
+        <p:blipFill>
+          <a:blip r:embed="rId4">
+            <a:extLst>
+              <a:ext uri="{28A0092B-C50C-407E-A947-70E740481C1C}">
+                <a14:useLocalDpi xmlns:a14="http://schemas.microsoft.com/office/drawing/2010/main" val="0"/>
+              </a:ext>
+            </a:extLst>
+          </a:blip>
+          <a:stretch>
+            <a:fillRect/>
+          </a:stretch>
+        </p:blipFill>
+        <p:spPr>
+          <a:xfrm>
+            <a:off x="5083681" y="3160508"/>
+            <a:ext cx="6868173" cy="2813762"/>
+          </a:xfrm>
+          <a:prstGeom prst="rect">
+            <a:avLst/>
+          </a:prstGeom>
+        </p:spPr>
+      </p:pic>
+      <p:sp>
+        <p:nvSpPr>
+          <p:cNvPr id="10" name="テキスト ボックス 9">
+            <a:extLst>
+              <a:ext uri="{FF2B5EF4-FFF2-40B4-BE49-F238E27FC236}">
+                <a16:creationId xmlns:a16="http://schemas.microsoft.com/office/drawing/2014/main" id="{71D49CAC-1214-BC62-EEBF-CFDCF6FA69A1}"/>
+              </a:ext>
+            </a:extLst>
+          </p:cNvPr>
+          <p:cNvSpPr txBox="1"/>
+          <p:nvPr/>
+        </p:nvSpPr>
+        <p:spPr>
+          <a:xfrm>
+            <a:off x="5868827" y="2203149"/>
+            <a:ext cx="5297880" cy="830997"/>
+          </a:xfrm>
+          <a:prstGeom prst="rect">
+            <a:avLst/>
+          </a:prstGeom>
+          <a:noFill/>
+        </p:spPr>
+        <p:txBody>
+          <a:bodyPr wrap="square" rtlCol="0">
+            <a:spAutoFit/>
+          </a:bodyPr>
+          <a:lstStyle/>
+          <a:p>
+            <a:pPr algn="l"/>
+            <a:r>
+              <a:rPr lang="ja-JP" altLang="en-US" sz="2400" dirty="0"/>
+              <a:t>⇐二重</a:t>
+            </a:r>
+            <a:r>
+              <a:rPr lang="en-US" altLang="ja-JP" sz="2400" dirty="0"/>
+              <a:t>P-</a:t>
+            </a:r>
+            <a:r>
+              <a:rPr lang="en-US" altLang="ja-JP" sz="2400" dirty="0" err="1"/>
+              <a:t>guardring</a:t>
+            </a:r>
+            <a:r>
+              <a:rPr lang="ja-JP" altLang="en-US" sz="2400" dirty="0"/>
+              <a:t>の</a:t>
+            </a:r>
+            <a:r>
+              <a:rPr lang="en-US" altLang="ja-JP" sz="2400" dirty="0"/>
+              <a:t>NMOS</a:t>
+            </a:r>
+          </a:p>
+          <a:p>
+            <a:pPr algn="r"/>
+            <a:r>
+              <a:rPr kumimoji="1" lang="en-US" altLang="ja-JP" sz="2400" dirty="0"/>
+              <a:t>Deep-</a:t>
+            </a:r>
+            <a:r>
+              <a:rPr kumimoji="1" lang="en-US" altLang="ja-JP" sz="2400" dirty="0" err="1"/>
+              <a:t>NWell</a:t>
+            </a:r>
+            <a:r>
+              <a:rPr kumimoji="1" lang="ja-JP" altLang="en-US" sz="2400" dirty="0"/>
+              <a:t>の</a:t>
+            </a:r>
+            <a:r>
+              <a:rPr kumimoji="1" lang="en-US" altLang="ja-JP" sz="2400" dirty="0"/>
+              <a:t>NMOS</a:t>
+            </a:r>
+            <a:r>
+              <a:rPr kumimoji="1" lang="ja-JP" altLang="en-US" sz="2400" dirty="0"/>
+              <a:t>⇒</a:t>
+            </a:r>
+          </a:p>
+        </p:txBody>
+      </p:sp>
+      <p:sp>
+        <p:nvSpPr>
+          <p:cNvPr id="11" name="日付プレースホルダー 10">
+            <a:extLst>
+              <a:ext uri="{FF2B5EF4-FFF2-40B4-BE49-F238E27FC236}">
+                <a16:creationId xmlns:a16="http://schemas.microsoft.com/office/drawing/2014/main" id="{9C0BA80D-BA43-FEDF-F3BC-0B5AE9C40556}"/>
+              </a:ext>
+            </a:extLst>
+          </p:cNvPr>
+          <p:cNvSpPr>
+            <a:spLocks noGrp="1"/>
+          </p:cNvSpPr>
+          <p:nvPr>
+            <p:ph type="dt" sz="half" idx="10"/>
+          </p:nvPr>
+        </p:nvSpPr>
+        <p:spPr/>
+        <p:txBody>
+          <a:bodyPr/>
+          <a:lstStyle/>
+          <a:p>
+            <a:fld id="{02A9B4D1-AD60-4FF0-AB8A-53D4585FAA4A}" type="datetime1">
+              <a:rPr kumimoji="1" lang="ja-JP" altLang="en-US" smtClean="0"/>
+              <a:t>2024/1/15</a:t>
+            </a:fld>
+            <a:endParaRPr kumimoji="1" lang="ja-JP" altLang="en-US"/>
+          </a:p>
+        </p:txBody>
+      </p:sp>
+      <p:sp>
+        <p:nvSpPr>
+          <p:cNvPr id="12" name="スライド番号プレースホルダー 11">
+            <a:extLst>
+              <a:ext uri="{FF2B5EF4-FFF2-40B4-BE49-F238E27FC236}">
+                <a16:creationId xmlns:a16="http://schemas.microsoft.com/office/drawing/2014/main" id="{09657D37-6091-C3BC-F7D8-E6EE2D61D23E}"/>
+              </a:ext>
+            </a:extLst>
+          </p:cNvPr>
+          <p:cNvSpPr>
+            <a:spLocks noGrp="1"/>
+          </p:cNvSpPr>
+          <p:nvPr>
+            <p:ph type="sldNum" sz="quarter" idx="12"/>
+          </p:nvPr>
+        </p:nvSpPr>
+        <p:spPr/>
+        <p:txBody>
+          <a:bodyPr/>
+          <a:lstStyle/>
+          <a:p>
+            <a:fld id="{6294761A-CFE9-4878-87A7-90ECABD59CE5}" type="slidenum">
+              <a:rPr kumimoji="1" lang="ja-JP" altLang="en-US" smtClean="0"/>
+              <a:t>3</a:t>
+            </a:fld>
+            <a:endParaRPr kumimoji="1" lang="ja-JP" altLang="en-US"/>
+          </a:p>
+        </p:txBody>
+      </p:sp>
+    </p:spTree>
+    <p:extLst>
+      <p:ext uri="{BB962C8B-B14F-4D97-AF65-F5344CB8AC3E}">
+        <p14:creationId xmlns:p14="http://schemas.microsoft.com/office/powerpoint/2010/main" val="1859150805"/>
+      </p:ext>
+    </p:extLst>
+  </p:cSld>
+  <p:clrMapOvr>
+    <a:masterClrMapping/>
+  </p:clrMapOvr>
+</p:sld>
+</file>
+
+<file path=ppt/slides/slide4.xml><?xml version="1.0" encoding="utf-8"?>
+<p:sld xmlns:a="http://schemas.openxmlformats.org/drawingml/2006/main" xmlns:r="http://schemas.openxmlformats.org/officeDocument/2006/relationships" xmlns:p="http://schemas.openxmlformats.org/presentationml/2006/main">
+  <p:cSld>
+    <p:spTree>
+      <p:nvGrpSpPr>
+        <p:cNvPr id="1" name=""/>
+        <p:cNvGrpSpPr/>
+        <p:nvPr/>
+      </p:nvGrpSpPr>
+      <p:grpSpPr>
+        <a:xfrm>
+          <a:off x="0" y="0"/>
+          <a:ext cx="0" cy="0"/>
+          <a:chOff x="0" y="0"/>
+          <a:chExt cx="0" cy="0"/>
+        </a:xfrm>
+      </p:grpSpPr>
+      <p:sp>
+        <p:nvSpPr>
+          <p:cNvPr id="2" name="タイトル 1">
+            <a:extLst>
+              <a:ext uri="{FF2B5EF4-FFF2-40B4-BE49-F238E27FC236}">
+                <a16:creationId xmlns:a16="http://schemas.microsoft.com/office/drawing/2014/main" id="{EB4C45F0-0551-32D3-162C-833D52C65036}"/>
+              </a:ext>
+            </a:extLst>
+          </p:cNvPr>
+          <p:cNvSpPr>
+            <a:spLocks noGrp="1"/>
+          </p:cNvSpPr>
+          <p:nvPr>
+            <p:ph type="title"/>
+          </p:nvPr>
+        </p:nvSpPr>
+        <p:spPr/>
+        <p:txBody>
+          <a:bodyPr/>
+          <a:lstStyle/>
+          <a:p>
+            <a:r>
+              <a:rPr kumimoji="1" lang="en-US" altLang="ja-JP" dirty="0"/>
+              <a:t>Deep-</a:t>
+            </a:r>
+            <a:r>
+              <a:rPr kumimoji="1" lang="en-US" altLang="ja-JP" dirty="0" err="1"/>
+              <a:t>NWell</a:t>
+            </a:r>
+            <a:r>
+              <a:rPr kumimoji="1" lang="en-US" altLang="ja-JP" dirty="0"/>
+              <a:t> TEG</a:t>
+            </a:r>
+            <a:endParaRPr kumimoji="1" lang="ja-JP" altLang="en-US" dirty="0"/>
+          </a:p>
+        </p:txBody>
+      </p:sp>
+      <p:sp>
+        <p:nvSpPr>
+          <p:cNvPr id="3" name="フッター プレースホルダー 2">
+            <a:extLst>
+              <a:ext uri="{FF2B5EF4-FFF2-40B4-BE49-F238E27FC236}">
+                <a16:creationId xmlns:a16="http://schemas.microsoft.com/office/drawing/2014/main" id="{A1B3165D-88CF-4397-06CC-0C3B4793557A}"/>
+              </a:ext>
+            </a:extLst>
+          </p:cNvPr>
+          <p:cNvSpPr>
+            <a:spLocks noGrp="1"/>
+          </p:cNvSpPr>
+          <p:nvPr>
+            <p:ph type="ftr" sz="quarter" idx="3"/>
+          </p:nvPr>
+        </p:nvSpPr>
+        <p:spPr/>
+        <p:txBody>
+          <a:bodyPr/>
+          <a:lstStyle/>
+          <a:p>
+            <a:r>
+              <a:rPr lang="en-US" altLang="ja-JP"/>
+              <a:t>Wave Signal Processing Circuit Laboratory,  Meiji University</a:t>
+            </a:r>
+            <a:endParaRPr lang="en-US" altLang="ja-JP" dirty="0"/>
+          </a:p>
+        </p:txBody>
+      </p:sp>
+      <p:pic>
+        <p:nvPicPr>
+          <p:cNvPr id="13" name="図 12" descr="バスケットボールのロゴ&#10;&#10;中程度の精度で自動的に生成された説明">
+            <a:extLst>
+              <a:ext uri="{FF2B5EF4-FFF2-40B4-BE49-F238E27FC236}">
+                <a16:creationId xmlns:a16="http://schemas.microsoft.com/office/drawing/2014/main" id="{A844F0A5-7712-1170-8F6D-CE3A46FE5544}"/>
+              </a:ext>
+            </a:extLst>
+          </p:cNvPr>
+          <p:cNvPicPr>
+            <a:picLocks noChangeAspect="1"/>
+          </p:cNvPicPr>
+          <p:nvPr/>
+        </p:nvPicPr>
+        <p:blipFill>
+          <a:blip r:embed="rId2">
+            <a:extLst>
+              <a:ext uri="{28A0092B-C50C-407E-A947-70E740481C1C}">
+                <a14:useLocalDpi xmlns:a14="http://schemas.microsoft.com/office/drawing/2010/main" val="0"/>
+              </a:ext>
+            </a:extLst>
+          </a:blip>
+          <a:stretch>
+            <a:fillRect/>
+          </a:stretch>
+        </p:blipFill>
+        <p:spPr>
+          <a:xfrm>
+            <a:off x="4599594" y="2111088"/>
+            <a:ext cx="7229266" cy="3346054"/>
+          </a:xfrm>
+          <a:prstGeom prst="rect">
+            <a:avLst/>
+          </a:prstGeom>
+        </p:spPr>
+      </p:pic>
+      <p:sp>
+        <p:nvSpPr>
+          <p:cNvPr id="14" name="正方形/長方形 13">
+            <a:extLst>
+              <a:ext uri="{FF2B5EF4-FFF2-40B4-BE49-F238E27FC236}">
+                <a16:creationId xmlns:a16="http://schemas.microsoft.com/office/drawing/2014/main" id="{83EB0155-75F1-9557-354E-19A505D1E851}"/>
+              </a:ext>
+            </a:extLst>
+          </p:cNvPr>
+          <p:cNvSpPr>
+            <a:spLocks noChangeAspect="1"/>
+          </p:cNvSpPr>
+          <p:nvPr/>
+        </p:nvSpPr>
+        <p:spPr>
+          <a:xfrm>
+            <a:off x="1094566" y="1522515"/>
+            <a:ext cx="1440000" cy="1440000"/>
+          </a:xfrm>
+          <a:prstGeom prst="rect">
+            <a:avLst/>
+          </a:prstGeom>
+          <a:solidFill>
+            <a:schemeClr val="bg1"/>
+          </a:solidFill>
+          <a:ln>
+            <a:solidFill>
+              <a:schemeClr val="tx1"/>
+            </a:solidFill>
+          </a:ln>
+        </p:spPr>
+        <p:style>
+          <a:lnRef idx="2">
+            <a:schemeClr val="accent1">
+              <a:shade val="15000"/>
+            </a:schemeClr>
+          </a:lnRef>
+          <a:fillRef idx="1">
+            <a:schemeClr val="accent1"/>
+          </a:fillRef>
+          <a:effectRef idx="0">
+            <a:schemeClr val="accent1"/>
+          </a:effectRef>
+          <a:fontRef idx="minor">
+            <a:schemeClr val="lt1"/>
+          </a:fontRef>
+        </p:style>
+        <p:txBody>
+          <a:bodyPr rtlCol="0" anchor="ctr"/>
+          <a:lstStyle/>
+          <a:p>
+            <a:pPr algn="ctr"/>
+            <a:r>
+              <a:rPr kumimoji="1" lang="en-US" altLang="ja-JP" sz="3600" dirty="0">
+                <a:solidFill>
+                  <a:schemeClr val="tx1"/>
+                </a:solidFill>
+                <a:latin typeface="Times New Roman" panose="02020603050405020304" pitchFamily="18" charset="0"/>
+                <a:cs typeface="Times New Roman" panose="02020603050405020304" pitchFamily="18" charset="0"/>
+              </a:rPr>
+              <a:t>PAD</a:t>
+            </a:r>
+            <a:endParaRPr kumimoji="1" lang="ja-JP" altLang="en-US" sz="3600" dirty="0">
+              <a:solidFill>
+                <a:schemeClr val="tx1"/>
+              </a:solidFill>
+              <a:latin typeface="Times New Roman" panose="02020603050405020304" pitchFamily="18" charset="0"/>
+              <a:cs typeface="Times New Roman" panose="02020603050405020304" pitchFamily="18" charset="0"/>
+            </a:endParaRPr>
+          </a:p>
+        </p:txBody>
+      </p:sp>
+      <p:cxnSp>
+        <p:nvCxnSpPr>
+          <p:cNvPr id="16" name="直線矢印コネクタ 15">
+            <a:extLst>
+              <a:ext uri="{FF2B5EF4-FFF2-40B4-BE49-F238E27FC236}">
+                <a16:creationId xmlns:a16="http://schemas.microsoft.com/office/drawing/2014/main" id="{9227483A-E0C5-E013-1388-8E8DB501C7D2}"/>
+              </a:ext>
+            </a:extLst>
+          </p:cNvPr>
+          <p:cNvCxnSpPr/>
+          <p:nvPr/>
+        </p:nvCxnSpPr>
+        <p:spPr>
+          <a:xfrm>
+            <a:off x="1094566" y="3269673"/>
+            <a:ext cx="1440000" cy="0"/>
+          </a:xfrm>
+          <a:prstGeom prst="straightConnector1">
+            <a:avLst/>
+          </a:prstGeom>
+          <a:ln w="22225">
+            <a:solidFill>
+              <a:schemeClr val="tx1"/>
+            </a:solidFill>
+            <a:headEnd type="triangle"/>
+            <a:tailEnd type="triangle"/>
+          </a:ln>
+        </p:spPr>
+        <p:style>
+          <a:lnRef idx="1">
+            <a:schemeClr val="accent1"/>
+          </a:lnRef>
+          <a:fillRef idx="0">
+            <a:schemeClr val="accent1"/>
+          </a:fillRef>
+          <a:effectRef idx="0">
+            <a:schemeClr val="accent1"/>
+          </a:effectRef>
+          <a:fontRef idx="minor">
+            <a:schemeClr val="tx1"/>
+          </a:fontRef>
+        </p:style>
+      </p:cxnSp>
+      <p:cxnSp>
+        <p:nvCxnSpPr>
+          <p:cNvPr id="17" name="直線矢印コネクタ 16">
+            <a:extLst>
+              <a:ext uri="{FF2B5EF4-FFF2-40B4-BE49-F238E27FC236}">
+                <a16:creationId xmlns:a16="http://schemas.microsoft.com/office/drawing/2014/main" id="{CDF6B0DB-F340-3618-8455-C45EF77F6D57}"/>
+              </a:ext>
+            </a:extLst>
+          </p:cNvPr>
+          <p:cNvCxnSpPr>
+            <a:cxnSpLocks/>
+          </p:cNvCxnSpPr>
+          <p:nvPr/>
+        </p:nvCxnSpPr>
+        <p:spPr>
+          <a:xfrm rot="5400000">
+            <a:off x="2201414" y="2242515"/>
+            <a:ext cx="1440000" cy="0"/>
+          </a:xfrm>
+          <a:prstGeom prst="straightConnector1">
+            <a:avLst/>
+          </a:prstGeom>
+          <a:ln w="22225">
+            <a:solidFill>
+              <a:schemeClr val="tx1"/>
+            </a:solidFill>
+            <a:headEnd type="triangle"/>
+            <a:tailEnd type="triangle"/>
+          </a:ln>
+        </p:spPr>
+        <p:style>
+          <a:lnRef idx="1">
+            <a:schemeClr val="accent1"/>
+          </a:lnRef>
+          <a:fillRef idx="0">
+            <a:schemeClr val="accent1"/>
+          </a:fillRef>
+          <a:effectRef idx="0">
+            <a:schemeClr val="accent1"/>
+          </a:effectRef>
+          <a:fontRef idx="minor">
+            <a:schemeClr val="tx1"/>
+          </a:fontRef>
+        </p:style>
+      </p:cxnSp>
+      <mc:AlternateContent xmlns:mc="http://schemas.openxmlformats.org/markup-compatibility/2006">
+        <mc:Choice xmlns:a14="http://schemas.microsoft.com/office/drawing/2010/main" Requires="a14">
+          <p:sp>
+            <p:nvSpPr>
+              <p:cNvPr id="18" name="テキスト ボックス 17">
+                <a:extLst>
+                  <a:ext uri="{FF2B5EF4-FFF2-40B4-BE49-F238E27FC236}">
+                    <a16:creationId xmlns:a16="http://schemas.microsoft.com/office/drawing/2014/main" id="{D1B51513-4252-BC33-38D0-2BA4DEE1966C}"/>
+                  </a:ext>
+                </a:extLst>
+              </p:cNvPr>
+              <p:cNvSpPr txBox="1"/>
+              <p:nvPr/>
+            </p:nvSpPr>
+            <p:spPr>
+              <a:xfrm>
+                <a:off x="1373558" y="3244334"/>
+                <a:ext cx="882016" cy="369332"/>
+              </a:xfrm>
+              <a:prstGeom prst="rect">
+                <a:avLst/>
+              </a:prstGeom>
+              <a:noFill/>
+            </p:spPr>
+            <p:txBody>
+              <a:bodyPr wrap="square" rtlCol="0">
+                <a:spAutoFit/>
+              </a:bodyPr>
+              <a:lstStyle/>
+              <a:p>
+                <a:r>
+                  <a:rPr kumimoji="1" lang="en-US" altLang="ja-JP" dirty="0">
+                    <a:latin typeface="Times New Roman" panose="02020603050405020304" pitchFamily="18" charset="0"/>
+                    <a:cs typeface="Times New Roman" panose="02020603050405020304" pitchFamily="18" charset="0"/>
+                  </a:rPr>
+                  <a:t>56 </a:t>
+                </a:r>
+                <a14:m>
+                  <m:oMath xmlns:m="http://schemas.openxmlformats.org/officeDocument/2006/math">
+                    <m:r>
+                      <m:rPr>
+                        <m:sty m:val="p"/>
+                      </m:rPr>
+                      <a:rPr kumimoji="1" lang="en-US" altLang="ja-JP" b="0" i="0" smtClean="0">
+                        <a:latin typeface="Cambria Math" panose="02040503050406030204" pitchFamily="18" charset="0"/>
+                      </a:rPr>
+                      <m:t>μm</m:t>
+                    </m:r>
+                  </m:oMath>
+                </a14:m>
+                <a:endParaRPr kumimoji="1" lang="ja-JP" altLang="en-US" dirty="0">
+                  <a:latin typeface="Times New Roman" panose="02020603050405020304" pitchFamily="18" charset="0"/>
+                  <a:cs typeface="Times New Roman" panose="02020603050405020304" pitchFamily="18" charset="0"/>
+                </a:endParaRPr>
+              </a:p>
+            </p:txBody>
+          </p:sp>
+        </mc:Choice>
+        <mc:Fallback>
+          <p:sp>
+            <p:nvSpPr>
+              <p:cNvPr id="18" name="テキスト ボックス 17">
+                <a:extLst>
+                  <a:ext uri="{FF2B5EF4-FFF2-40B4-BE49-F238E27FC236}">
+                    <a16:creationId xmlns:a16="http://schemas.microsoft.com/office/drawing/2014/main" id="{D1B51513-4252-BC33-38D0-2BA4DEE1966C}"/>
+                  </a:ext>
+                </a:extLst>
+              </p:cNvPr>
+              <p:cNvSpPr txBox="1">
+                <a:spLocks noRot="1" noChangeAspect="1" noMove="1" noResize="1" noEditPoints="1" noAdjustHandles="1" noChangeArrowheads="1" noChangeShapeType="1" noTextEdit="1"/>
+              </p:cNvSpPr>
+              <p:nvPr/>
+            </p:nvSpPr>
+            <p:spPr>
+              <a:xfrm>
+                <a:off x="1373558" y="3244334"/>
+                <a:ext cx="882016" cy="369332"/>
+              </a:xfrm>
+              <a:prstGeom prst="rect">
+                <a:avLst/>
+              </a:prstGeom>
+              <a:blipFill>
+                <a:blip r:embed="rId3"/>
+                <a:stretch>
+                  <a:fillRect l="-5517" t="-8197" b="-24590"/>
+                </a:stretch>
+              </a:blipFill>
+            </p:spPr>
+            <p:txBody>
+              <a:bodyPr/>
+              <a:lstStyle/>
+              <a:p>
+                <a:r>
+                  <a:rPr lang="ja-JP" altLang="en-US">
+                    <a:noFill/>
+                  </a:rPr>
+                  <a:t> </a:t>
+                </a:r>
+              </a:p>
+            </p:txBody>
+          </p:sp>
+        </mc:Fallback>
+      </mc:AlternateContent>
+      <mc:AlternateContent xmlns:mc="http://schemas.openxmlformats.org/markup-compatibility/2006">
+        <mc:Choice xmlns:a14="http://schemas.microsoft.com/office/drawing/2010/main" Requires="a14">
+          <p:sp>
+            <p:nvSpPr>
+              <p:cNvPr id="19" name="テキスト ボックス 18">
+                <a:extLst>
+                  <a:ext uri="{FF2B5EF4-FFF2-40B4-BE49-F238E27FC236}">
+                    <a16:creationId xmlns:a16="http://schemas.microsoft.com/office/drawing/2014/main" id="{B7D9C200-B89D-4E10-2970-A7875FEEB4B5}"/>
+                  </a:ext>
+                </a:extLst>
+              </p:cNvPr>
+              <p:cNvSpPr txBox="1"/>
+              <p:nvPr/>
+            </p:nvSpPr>
+            <p:spPr>
+              <a:xfrm>
+                <a:off x="2878489" y="2057849"/>
+                <a:ext cx="882016" cy="369332"/>
+              </a:xfrm>
+              <a:prstGeom prst="rect">
+                <a:avLst/>
+              </a:prstGeom>
+              <a:noFill/>
+            </p:spPr>
+            <p:txBody>
+              <a:bodyPr wrap="square" rtlCol="0">
+                <a:spAutoFit/>
+              </a:bodyPr>
+              <a:lstStyle/>
+              <a:p>
+                <a:r>
+                  <a:rPr kumimoji="1" lang="en-US" altLang="ja-JP" dirty="0">
+                    <a:latin typeface="Times New Roman" panose="02020603050405020304" pitchFamily="18" charset="0"/>
+                    <a:cs typeface="Times New Roman" panose="02020603050405020304" pitchFamily="18" charset="0"/>
+                  </a:rPr>
+                  <a:t>56 </a:t>
+                </a:r>
+                <a14:m>
+                  <m:oMath xmlns:m="http://schemas.openxmlformats.org/officeDocument/2006/math">
+                    <m:r>
+                      <m:rPr>
+                        <m:sty m:val="p"/>
+                      </m:rPr>
+                      <a:rPr kumimoji="1" lang="en-US" altLang="ja-JP" b="0" i="0" smtClean="0">
+                        <a:latin typeface="Cambria Math" panose="02040503050406030204" pitchFamily="18" charset="0"/>
+                      </a:rPr>
+                      <m:t>μm</m:t>
+                    </m:r>
+                  </m:oMath>
+                </a14:m>
+                <a:endParaRPr kumimoji="1" lang="ja-JP" altLang="en-US" dirty="0">
+                  <a:latin typeface="Times New Roman" panose="02020603050405020304" pitchFamily="18" charset="0"/>
+                  <a:cs typeface="Times New Roman" panose="02020603050405020304" pitchFamily="18" charset="0"/>
+                </a:endParaRPr>
+              </a:p>
+            </p:txBody>
+          </p:sp>
+        </mc:Choice>
+        <mc:Fallback>
+          <p:sp>
+            <p:nvSpPr>
+              <p:cNvPr id="19" name="テキスト ボックス 18">
+                <a:extLst>
+                  <a:ext uri="{FF2B5EF4-FFF2-40B4-BE49-F238E27FC236}">
+                    <a16:creationId xmlns:a16="http://schemas.microsoft.com/office/drawing/2014/main" id="{B7D9C200-B89D-4E10-2970-A7875FEEB4B5}"/>
+                  </a:ext>
+                </a:extLst>
+              </p:cNvPr>
+              <p:cNvSpPr txBox="1">
+                <a:spLocks noRot="1" noChangeAspect="1" noMove="1" noResize="1" noEditPoints="1" noAdjustHandles="1" noChangeArrowheads="1" noChangeShapeType="1" noTextEdit="1"/>
+              </p:cNvSpPr>
+              <p:nvPr/>
+            </p:nvSpPr>
+            <p:spPr>
+              <a:xfrm>
+                <a:off x="2878489" y="2057849"/>
+                <a:ext cx="882016" cy="369332"/>
+              </a:xfrm>
+              <a:prstGeom prst="rect">
+                <a:avLst/>
+              </a:prstGeom>
+              <a:blipFill>
+                <a:blip r:embed="rId4"/>
+                <a:stretch>
+                  <a:fillRect l="-5517" t="-10000" b="-26667"/>
+                </a:stretch>
+              </a:blipFill>
+            </p:spPr>
+            <p:txBody>
+              <a:bodyPr/>
+              <a:lstStyle/>
+              <a:p>
+                <a:r>
+                  <a:rPr lang="ja-JP" altLang="en-US">
+                    <a:noFill/>
+                  </a:rPr>
+                  <a:t> </a:t>
+                </a:r>
+              </a:p>
+            </p:txBody>
+          </p:sp>
+        </mc:Fallback>
+      </mc:AlternateContent>
+      <p:sp>
+        <p:nvSpPr>
+          <p:cNvPr id="20" name="テキスト ボックス 19">
+            <a:extLst>
+              <a:ext uri="{FF2B5EF4-FFF2-40B4-BE49-F238E27FC236}">
+                <a16:creationId xmlns:a16="http://schemas.microsoft.com/office/drawing/2014/main" id="{08F3BAC2-C492-63EB-8D13-B9862BA8DA21}"/>
+              </a:ext>
+            </a:extLst>
+          </p:cNvPr>
+          <p:cNvSpPr txBox="1"/>
+          <p:nvPr/>
+        </p:nvSpPr>
+        <p:spPr>
+          <a:xfrm>
+            <a:off x="557444" y="4024929"/>
+            <a:ext cx="3396259" cy="1938992"/>
+          </a:xfrm>
+          <a:prstGeom prst="rect">
+            <a:avLst/>
+          </a:prstGeom>
+          <a:noFill/>
+        </p:spPr>
+        <p:txBody>
+          <a:bodyPr wrap="square" rtlCol="0">
+            <a:spAutoFit/>
+          </a:bodyPr>
+          <a:lstStyle/>
+          <a:p>
+            <a:r>
+              <a:rPr lang="ja-JP" altLang="en-US" sz="2400" dirty="0"/>
+              <a:t>ボンディングパッドは位置関係的に使いにくいので針測定。</a:t>
+            </a:r>
+            <a:endParaRPr lang="en-US" altLang="ja-JP" sz="2400" dirty="0"/>
+          </a:p>
+          <a:p>
+            <a:r>
+              <a:rPr lang="ja-JP" altLang="en-US" sz="2400" dirty="0"/>
+              <a:t>南北に</a:t>
+            </a:r>
+            <a:r>
+              <a:rPr lang="en-US" altLang="ja-JP" sz="2400" dirty="0"/>
+              <a:t>DC4</a:t>
+            </a:r>
+            <a:r>
+              <a:rPr lang="ja-JP" altLang="en-US" sz="2400" dirty="0"/>
+              <a:t>本針で測定予定。</a:t>
+            </a:r>
+            <a:endParaRPr lang="en-US" altLang="ja-JP" sz="2400" dirty="0"/>
+          </a:p>
+        </p:txBody>
+      </p:sp>
+      <p:sp>
+        <p:nvSpPr>
+          <p:cNvPr id="21" name="日付プレースホルダー 20">
+            <a:extLst>
+              <a:ext uri="{FF2B5EF4-FFF2-40B4-BE49-F238E27FC236}">
+                <a16:creationId xmlns:a16="http://schemas.microsoft.com/office/drawing/2014/main" id="{9D4190DA-F014-49B5-0B95-85CCBE5D489F}"/>
+              </a:ext>
+            </a:extLst>
+          </p:cNvPr>
+          <p:cNvSpPr>
+            <a:spLocks noGrp="1"/>
+          </p:cNvSpPr>
+          <p:nvPr>
+            <p:ph type="dt" sz="half" idx="10"/>
+          </p:nvPr>
+        </p:nvSpPr>
+        <p:spPr/>
+        <p:txBody>
+          <a:bodyPr/>
+          <a:lstStyle/>
+          <a:p>
+            <a:fld id="{5A93533B-53FA-4EE1-93F2-2F18B90828E3}" type="datetime1">
+              <a:rPr kumimoji="1" lang="ja-JP" altLang="en-US" smtClean="0"/>
+              <a:t>2024/1/15</a:t>
+            </a:fld>
+            <a:endParaRPr kumimoji="1" lang="ja-JP" altLang="en-US"/>
+          </a:p>
+        </p:txBody>
+      </p:sp>
+      <p:sp>
+        <p:nvSpPr>
+          <p:cNvPr id="22" name="スライド番号プレースホルダー 21">
+            <a:extLst>
+              <a:ext uri="{FF2B5EF4-FFF2-40B4-BE49-F238E27FC236}">
+                <a16:creationId xmlns:a16="http://schemas.microsoft.com/office/drawing/2014/main" id="{F53F227C-A3F2-11EA-41B6-7FEF121CD0CE}"/>
+              </a:ext>
+            </a:extLst>
+          </p:cNvPr>
+          <p:cNvSpPr>
+            <a:spLocks noGrp="1"/>
+          </p:cNvSpPr>
+          <p:nvPr>
+            <p:ph type="sldNum" sz="quarter" idx="12"/>
+          </p:nvPr>
+        </p:nvSpPr>
+        <p:spPr/>
+        <p:txBody>
+          <a:bodyPr/>
+          <a:lstStyle/>
+          <a:p>
+            <a:fld id="{6294761A-CFE9-4878-87A7-90ECABD59CE5}" type="slidenum">
+              <a:rPr kumimoji="1" lang="ja-JP" altLang="en-US" smtClean="0"/>
+              <a:t>4</a:t>
+            </a:fld>
+            <a:endParaRPr kumimoji="1" lang="ja-JP" altLang="en-US"/>
+          </a:p>
+        </p:txBody>
+      </p:sp>
+      <p:cxnSp>
+        <p:nvCxnSpPr>
+          <p:cNvPr id="23" name="直線矢印コネクタ 22">
+            <a:extLst>
+              <a:ext uri="{FF2B5EF4-FFF2-40B4-BE49-F238E27FC236}">
+                <a16:creationId xmlns:a16="http://schemas.microsoft.com/office/drawing/2014/main" id="{2DED6714-F6A6-F609-4078-DB0912FA4C1F}"/>
+              </a:ext>
+            </a:extLst>
+          </p:cNvPr>
+          <p:cNvCxnSpPr>
+            <a:cxnSpLocks/>
+          </p:cNvCxnSpPr>
+          <p:nvPr/>
+        </p:nvCxnSpPr>
+        <p:spPr>
+          <a:xfrm>
+            <a:off x="6460893" y="3777673"/>
+            <a:ext cx="1140634" cy="0"/>
+          </a:xfrm>
+          <a:prstGeom prst="straightConnector1">
+            <a:avLst/>
+          </a:prstGeom>
+          <a:ln w="22225">
+            <a:solidFill>
+              <a:schemeClr val="tx1"/>
+            </a:solidFill>
+            <a:headEnd type="triangle"/>
+            <a:tailEnd type="triangle"/>
+          </a:ln>
+        </p:spPr>
+        <p:style>
+          <a:lnRef idx="1">
+            <a:schemeClr val="accent1"/>
+          </a:lnRef>
+          <a:fillRef idx="0">
+            <a:schemeClr val="accent1"/>
+          </a:fillRef>
+          <a:effectRef idx="0">
+            <a:schemeClr val="accent1"/>
+          </a:effectRef>
+          <a:fontRef idx="minor">
+            <a:schemeClr val="tx1"/>
+          </a:fontRef>
+        </p:style>
+      </p:cxnSp>
+      <mc:AlternateContent xmlns:mc="http://schemas.openxmlformats.org/markup-compatibility/2006">
+        <mc:Choice xmlns:a14="http://schemas.microsoft.com/office/drawing/2010/main" Requires="a14">
+          <p:sp>
+            <p:nvSpPr>
+              <p:cNvPr id="25" name="テキスト ボックス 24">
+                <a:extLst>
+                  <a:ext uri="{FF2B5EF4-FFF2-40B4-BE49-F238E27FC236}">
+                    <a16:creationId xmlns:a16="http://schemas.microsoft.com/office/drawing/2014/main" id="{7200C3EA-1040-76BF-1DE0-97D34A4D41ED}"/>
+                  </a:ext>
+                </a:extLst>
+              </p:cNvPr>
+              <p:cNvSpPr txBox="1"/>
+              <p:nvPr/>
+            </p:nvSpPr>
+            <p:spPr>
+              <a:xfrm>
+                <a:off x="6534783" y="3403645"/>
+                <a:ext cx="1140633" cy="369332"/>
+              </a:xfrm>
+              <a:prstGeom prst="rect">
+                <a:avLst/>
+              </a:prstGeom>
+              <a:noFill/>
+            </p:spPr>
+            <p:txBody>
+              <a:bodyPr wrap="square" rtlCol="0">
+                <a:spAutoFit/>
+              </a:bodyPr>
+              <a:lstStyle/>
+              <a:p>
+                <a:r>
+                  <a:rPr lang="en-US" altLang="ja-JP" dirty="0">
+                    <a:latin typeface="Times New Roman" panose="02020603050405020304" pitchFamily="18" charset="0"/>
+                    <a:cs typeface="Times New Roman" panose="02020603050405020304" pitchFamily="18" charset="0"/>
+                  </a:rPr>
+                  <a:t>100</a:t>
+                </a:r>
+                <a:r>
+                  <a:rPr kumimoji="1" lang="en-US" altLang="ja-JP" dirty="0">
+                    <a:latin typeface="Times New Roman" panose="02020603050405020304" pitchFamily="18" charset="0"/>
+                    <a:cs typeface="Times New Roman" panose="02020603050405020304" pitchFamily="18" charset="0"/>
+                  </a:rPr>
+                  <a:t> </a:t>
+                </a:r>
+                <a14:m>
+                  <m:oMath xmlns:m="http://schemas.openxmlformats.org/officeDocument/2006/math">
+                    <m:r>
+                      <m:rPr>
+                        <m:sty m:val="p"/>
+                      </m:rPr>
+                      <a:rPr kumimoji="1" lang="en-US" altLang="ja-JP" b="0" i="0" smtClean="0">
+                        <a:latin typeface="Cambria Math" panose="02040503050406030204" pitchFamily="18" charset="0"/>
+                      </a:rPr>
+                      <m:t>μm</m:t>
+                    </m:r>
+                  </m:oMath>
+                </a14:m>
+                <a:endParaRPr kumimoji="1" lang="ja-JP" altLang="en-US" dirty="0">
+                  <a:latin typeface="Times New Roman" panose="02020603050405020304" pitchFamily="18" charset="0"/>
+                  <a:cs typeface="Times New Roman" panose="02020603050405020304" pitchFamily="18" charset="0"/>
+                </a:endParaRPr>
+              </a:p>
+            </p:txBody>
+          </p:sp>
+        </mc:Choice>
+        <mc:Fallback>
+          <p:sp>
+            <p:nvSpPr>
+              <p:cNvPr id="25" name="テキスト ボックス 24">
+                <a:extLst>
+                  <a:ext uri="{FF2B5EF4-FFF2-40B4-BE49-F238E27FC236}">
+                    <a16:creationId xmlns:a16="http://schemas.microsoft.com/office/drawing/2014/main" id="{7200C3EA-1040-76BF-1DE0-97D34A4D41ED}"/>
+                  </a:ext>
+                </a:extLst>
+              </p:cNvPr>
+              <p:cNvSpPr txBox="1">
+                <a:spLocks noRot="1" noChangeAspect="1" noMove="1" noResize="1" noEditPoints="1" noAdjustHandles="1" noChangeArrowheads="1" noChangeShapeType="1" noTextEdit="1"/>
+              </p:cNvSpPr>
+              <p:nvPr/>
+            </p:nvSpPr>
+            <p:spPr>
+              <a:xfrm>
+                <a:off x="6534783" y="3403645"/>
+                <a:ext cx="1140633" cy="369332"/>
+              </a:xfrm>
+              <a:prstGeom prst="rect">
+                <a:avLst/>
+              </a:prstGeom>
+              <a:blipFill>
+                <a:blip r:embed="rId5"/>
+                <a:stretch>
+                  <a:fillRect l="-4813" t="-8197" b="-24590"/>
+                </a:stretch>
+              </a:blipFill>
+            </p:spPr>
+            <p:txBody>
+              <a:bodyPr/>
+              <a:lstStyle/>
+              <a:p>
+                <a:r>
+                  <a:rPr lang="ja-JP" altLang="en-US">
+                    <a:noFill/>
+                  </a:rPr>
+                  <a:t> </a:t>
+                </a:r>
+              </a:p>
+            </p:txBody>
+          </p:sp>
+        </mc:Fallback>
+      </mc:AlternateContent>
+      <p:cxnSp>
+        <p:nvCxnSpPr>
+          <p:cNvPr id="26" name="直線矢印コネクタ 25">
+            <a:extLst>
+              <a:ext uri="{FF2B5EF4-FFF2-40B4-BE49-F238E27FC236}">
+                <a16:creationId xmlns:a16="http://schemas.microsoft.com/office/drawing/2014/main" id="{31B7A05C-1E59-EE01-036D-BCEA17644C91}"/>
+              </a:ext>
+            </a:extLst>
+          </p:cNvPr>
+          <p:cNvCxnSpPr>
+            <a:cxnSpLocks/>
+          </p:cNvCxnSpPr>
+          <p:nvPr/>
+        </p:nvCxnSpPr>
+        <p:spPr>
+          <a:xfrm>
+            <a:off x="8334300" y="2847109"/>
+            <a:ext cx="0" cy="1089891"/>
+          </a:xfrm>
+          <a:prstGeom prst="straightConnector1">
+            <a:avLst/>
+          </a:prstGeom>
+          <a:ln w="22225">
+            <a:solidFill>
+              <a:schemeClr val="tx1"/>
+            </a:solidFill>
+            <a:headEnd type="triangle"/>
+            <a:tailEnd type="triangle"/>
+          </a:ln>
+        </p:spPr>
+        <p:style>
+          <a:lnRef idx="1">
+            <a:schemeClr val="accent1"/>
+          </a:lnRef>
+          <a:fillRef idx="0">
+            <a:schemeClr val="accent1"/>
+          </a:fillRef>
+          <a:effectRef idx="0">
+            <a:schemeClr val="accent1"/>
+          </a:effectRef>
+          <a:fontRef idx="minor">
+            <a:schemeClr val="tx1"/>
+          </a:fontRef>
+        </p:style>
+      </p:cxnSp>
+      <mc:AlternateContent xmlns:mc="http://schemas.openxmlformats.org/markup-compatibility/2006">
+        <mc:Choice xmlns:a14="http://schemas.microsoft.com/office/drawing/2010/main" Requires="a14">
+          <p:sp>
+            <p:nvSpPr>
+              <p:cNvPr id="29" name="テキスト ボックス 28">
+                <a:extLst>
+                  <a:ext uri="{FF2B5EF4-FFF2-40B4-BE49-F238E27FC236}">
+                    <a16:creationId xmlns:a16="http://schemas.microsoft.com/office/drawing/2014/main" id="{3C520FA3-487A-26F9-D4E6-C51D363A086E}"/>
+                  </a:ext>
+                </a:extLst>
+              </p:cNvPr>
+              <p:cNvSpPr txBox="1"/>
+              <p:nvPr/>
+            </p:nvSpPr>
+            <p:spPr>
+              <a:xfrm>
+                <a:off x="8325909" y="3269673"/>
+                <a:ext cx="1140633" cy="369332"/>
+              </a:xfrm>
+              <a:prstGeom prst="rect">
+                <a:avLst/>
+              </a:prstGeom>
+              <a:noFill/>
+            </p:spPr>
+            <p:txBody>
+              <a:bodyPr wrap="square" rtlCol="0">
+                <a:spAutoFit/>
+              </a:bodyPr>
+              <a:lstStyle/>
+              <a:p>
+                <a:r>
+                  <a:rPr lang="en-US" altLang="ja-JP" dirty="0">
+                    <a:latin typeface="Times New Roman" panose="02020603050405020304" pitchFamily="18" charset="0"/>
+                    <a:cs typeface="Times New Roman" panose="02020603050405020304" pitchFamily="18" charset="0"/>
+                  </a:rPr>
+                  <a:t>100</a:t>
+                </a:r>
+                <a:r>
+                  <a:rPr kumimoji="1" lang="en-US" altLang="ja-JP" dirty="0">
+                    <a:latin typeface="Times New Roman" panose="02020603050405020304" pitchFamily="18" charset="0"/>
+                    <a:cs typeface="Times New Roman" panose="02020603050405020304" pitchFamily="18" charset="0"/>
+                  </a:rPr>
+                  <a:t> </a:t>
+                </a:r>
+                <a14:m>
+                  <m:oMath xmlns:m="http://schemas.openxmlformats.org/officeDocument/2006/math">
+                    <m:r>
+                      <m:rPr>
+                        <m:sty m:val="p"/>
+                      </m:rPr>
+                      <a:rPr kumimoji="1" lang="en-US" altLang="ja-JP" b="0" i="0" smtClean="0">
+                        <a:latin typeface="Cambria Math" panose="02040503050406030204" pitchFamily="18" charset="0"/>
+                      </a:rPr>
+                      <m:t>μm</m:t>
+                    </m:r>
+                  </m:oMath>
+                </a14:m>
+                <a:endParaRPr kumimoji="1" lang="ja-JP" altLang="en-US" dirty="0">
+                  <a:latin typeface="Times New Roman" panose="02020603050405020304" pitchFamily="18" charset="0"/>
+                  <a:cs typeface="Times New Roman" panose="02020603050405020304" pitchFamily="18" charset="0"/>
+                </a:endParaRPr>
+              </a:p>
+            </p:txBody>
+          </p:sp>
+        </mc:Choice>
+        <mc:Fallback>
+          <p:sp>
+            <p:nvSpPr>
+              <p:cNvPr id="29" name="テキスト ボックス 28">
+                <a:extLst>
+                  <a:ext uri="{FF2B5EF4-FFF2-40B4-BE49-F238E27FC236}">
+                    <a16:creationId xmlns:a16="http://schemas.microsoft.com/office/drawing/2014/main" id="{3C520FA3-487A-26F9-D4E6-C51D363A086E}"/>
+                  </a:ext>
+                </a:extLst>
+              </p:cNvPr>
+              <p:cNvSpPr txBox="1">
+                <a:spLocks noRot="1" noChangeAspect="1" noMove="1" noResize="1" noEditPoints="1" noAdjustHandles="1" noChangeArrowheads="1" noChangeShapeType="1" noTextEdit="1"/>
+              </p:cNvSpPr>
+              <p:nvPr/>
+            </p:nvSpPr>
+            <p:spPr>
+              <a:xfrm>
+                <a:off x="8325909" y="3269673"/>
+                <a:ext cx="1140633" cy="369332"/>
+              </a:xfrm>
+              <a:prstGeom prst="rect">
+                <a:avLst/>
+              </a:prstGeom>
+              <a:blipFill>
+                <a:blip r:embed="rId6"/>
+                <a:stretch>
+                  <a:fillRect l="-4813" t="-8197" b="-24590"/>
+                </a:stretch>
+              </a:blipFill>
+            </p:spPr>
+            <p:txBody>
+              <a:bodyPr/>
+              <a:lstStyle/>
+              <a:p>
+                <a:r>
+                  <a:rPr lang="ja-JP" altLang="en-US">
+                    <a:noFill/>
+                  </a:rPr>
+                  <a:t> </a:t>
+                </a:r>
+              </a:p>
+            </p:txBody>
+          </p:sp>
+        </mc:Fallback>
+      </mc:AlternateContent>
+    </p:spTree>
+    <p:extLst>
+      <p:ext uri="{BB962C8B-B14F-4D97-AF65-F5344CB8AC3E}">
+        <p14:creationId xmlns:p14="http://schemas.microsoft.com/office/powerpoint/2010/main" val="4007432376"/>
+      </p:ext>
+    </p:extLst>
+  </p:cSld>
+  <p:clrMapOvr>
+    <a:masterClrMapping/>
+  </p:clrMapOvr>
+</p:sld>
+</file>
+
+<file path=ppt/slides/slide5.xml><?xml version="1.0" encoding="utf-8"?>
+<p:sld xmlns:a="http://schemas.openxmlformats.org/drawingml/2006/main" xmlns:r="http://schemas.openxmlformats.org/officeDocument/2006/relationships" xmlns:p="http://schemas.openxmlformats.org/presentationml/2006/main">
+  <p:cSld>
+    <p:spTree>
+      <p:nvGrpSpPr>
+        <p:cNvPr id="1" name=""/>
+        <p:cNvGrpSpPr/>
+        <p:nvPr/>
+      </p:nvGrpSpPr>
+      <p:grpSpPr>
+        <a:xfrm>
+          <a:off x="0" y="0"/>
+          <a:ext cx="0" cy="0"/>
+          <a:chOff x="0" y="0"/>
+          <a:chExt cx="0" cy="0"/>
+        </a:xfrm>
+      </p:grpSpPr>
+      <p:sp>
+        <p:nvSpPr>
+          <p:cNvPr id="2" name="タイトル 1">
+            <a:extLst>
+              <a:ext uri="{FF2B5EF4-FFF2-40B4-BE49-F238E27FC236}">
+                <a16:creationId xmlns:a16="http://schemas.microsoft.com/office/drawing/2014/main" id="{5D811D78-71F4-336E-061B-B0A3DDB885E2}"/>
+              </a:ext>
+            </a:extLst>
+          </p:cNvPr>
+          <p:cNvSpPr>
+            <a:spLocks noGrp="1"/>
+          </p:cNvSpPr>
+          <p:nvPr>
+            <p:ph type="title"/>
+          </p:nvPr>
+        </p:nvSpPr>
+        <p:spPr/>
+        <p:txBody>
+          <a:bodyPr/>
+          <a:lstStyle/>
+          <a:p>
+            <a:r>
+              <a:rPr kumimoji="1" lang="ja-JP" altLang="en-US" dirty="0"/>
+              <a:t>乗算器</a:t>
+            </a:r>
+          </a:p>
+        </p:txBody>
+      </p:sp>
+      <p:sp>
+        <p:nvSpPr>
+          <p:cNvPr id="3" name="フッター プレースホルダー 2">
+            <a:extLst>
+              <a:ext uri="{FF2B5EF4-FFF2-40B4-BE49-F238E27FC236}">
+                <a16:creationId xmlns:a16="http://schemas.microsoft.com/office/drawing/2014/main" id="{021C7D7C-9885-0832-D645-3FCE1ED5B77E}"/>
+              </a:ext>
+            </a:extLst>
+          </p:cNvPr>
+          <p:cNvSpPr>
+            <a:spLocks noGrp="1"/>
+          </p:cNvSpPr>
+          <p:nvPr>
+            <p:ph type="ftr" sz="quarter" idx="3"/>
+          </p:nvPr>
+        </p:nvSpPr>
+        <p:spPr/>
+        <p:txBody>
+          <a:bodyPr/>
+          <a:lstStyle/>
+          <a:p>
+            <a:r>
+              <a:rPr lang="en-US" altLang="ja-JP"/>
+              <a:t>Wave Signal Processing Circuit Laboratory,  Meiji University</a:t>
+            </a:r>
+            <a:endParaRPr lang="en-US" altLang="ja-JP" dirty="0"/>
+          </a:p>
+        </p:txBody>
+      </p:sp>
+      <p:pic>
+        <p:nvPicPr>
+          <p:cNvPr id="5" name="図 4" descr="夜の光の線&#10;&#10;自動的に生成された説明">
+            <a:extLst>
+              <a:ext uri="{FF2B5EF4-FFF2-40B4-BE49-F238E27FC236}">
+                <a16:creationId xmlns:a16="http://schemas.microsoft.com/office/drawing/2014/main" id="{92A42345-20E8-A7F6-BDC6-A034D67F21EB}"/>
+              </a:ext>
+            </a:extLst>
+          </p:cNvPr>
+          <p:cNvPicPr>
+            <a:picLocks noChangeAspect="1"/>
+          </p:cNvPicPr>
+          <p:nvPr/>
+        </p:nvPicPr>
+        <p:blipFill>
+          <a:blip r:embed="rId2">
+            <a:extLst>
+              <a:ext uri="{28A0092B-C50C-407E-A947-70E740481C1C}">
+                <a14:useLocalDpi xmlns:a14="http://schemas.microsoft.com/office/drawing/2010/main" val="0"/>
+              </a:ext>
+            </a:extLst>
+          </a:blip>
+          <a:stretch>
+            <a:fillRect/>
+          </a:stretch>
+        </p:blipFill>
+        <p:spPr>
+          <a:xfrm>
+            <a:off x="370853" y="1364635"/>
+            <a:ext cx="7290780" cy="4838961"/>
+          </a:xfrm>
+          <a:prstGeom prst="rect">
+            <a:avLst/>
+          </a:prstGeom>
+        </p:spPr>
+      </p:pic>
+      <p:sp>
+        <p:nvSpPr>
+          <p:cNvPr id="6" name="楕円 5">
+            <a:extLst>
+              <a:ext uri="{FF2B5EF4-FFF2-40B4-BE49-F238E27FC236}">
+                <a16:creationId xmlns:a16="http://schemas.microsoft.com/office/drawing/2014/main" id="{87906C61-7BF2-7172-5165-DBDA99CEBE98}"/>
+              </a:ext>
+            </a:extLst>
+          </p:cNvPr>
+          <p:cNvSpPr/>
+          <p:nvPr/>
+        </p:nvSpPr>
+        <p:spPr>
+          <a:xfrm>
+            <a:off x="766617" y="1619578"/>
+            <a:ext cx="3362037" cy="1526309"/>
+          </a:xfrm>
+          <a:prstGeom prst="ellipse">
+            <a:avLst/>
+          </a:prstGeom>
+          <a:noFill/>
+          <a:ln w="28575">
+            <a:solidFill>
+              <a:srgbClr val="FF0000"/>
+            </a:solidFill>
+          </a:ln>
+        </p:spPr>
+        <p:style>
+          <a:lnRef idx="2">
+            <a:schemeClr val="accent1">
+              <a:shade val="15000"/>
+            </a:schemeClr>
+          </a:lnRef>
+          <a:fillRef idx="1">
+            <a:schemeClr val="accent1"/>
+          </a:fillRef>
+          <a:effectRef idx="0">
+            <a:schemeClr val="accent1"/>
+          </a:effectRef>
+          <a:fontRef idx="minor">
+            <a:schemeClr val="lt1"/>
+          </a:fontRef>
+        </p:style>
+        <p:txBody>
+          <a:bodyPr rtlCol="0" anchor="ctr"/>
+          <a:lstStyle/>
+          <a:p>
+            <a:pPr algn="ctr"/>
+            <a:endParaRPr kumimoji="1" lang="ja-JP" altLang="en-US"/>
+          </a:p>
+        </p:txBody>
+      </p:sp>
+      <p:sp>
+        <p:nvSpPr>
+          <p:cNvPr id="7" name="テキスト ボックス 6">
+            <a:extLst>
+              <a:ext uri="{FF2B5EF4-FFF2-40B4-BE49-F238E27FC236}">
+                <a16:creationId xmlns:a16="http://schemas.microsoft.com/office/drawing/2014/main" id="{A459D918-1C60-9909-AE22-259E17C54A57}"/>
+              </a:ext>
+            </a:extLst>
+          </p:cNvPr>
+          <p:cNvSpPr txBox="1"/>
+          <p:nvPr/>
+        </p:nvSpPr>
+        <p:spPr>
+          <a:xfrm>
+            <a:off x="8386618" y="1524000"/>
+            <a:ext cx="2817091" cy="461665"/>
+          </a:xfrm>
+          <a:prstGeom prst="rect">
+            <a:avLst/>
+          </a:prstGeom>
+          <a:noFill/>
+        </p:spPr>
+        <p:txBody>
+          <a:bodyPr wrap="square" rtlCol="0">
+            <a:spAutoFit/>
+          </a:bodyPr>
+          <a:lstStyle/>
+          <a:p>
+            <a:pPr algn="l"/>
+            <a:r>
+              <a:rPr kumimoji="1" lang="ja-JP" altLang="en-US" sz="2400" dirty="0"/>
+              <a:t>参照電流源を追加。</a:t>
+            </a:r>
+          </a:p>
+        </p:txBody>
+      </p:sp>
+      <p:pic>
+        <p:nvPicPr>
+          <p:cNvPr id="9" name="図 8" descr="黒い背景に白い文字がある&#10;&#10;低い精度で自動的に生成された説明">
+            <a:extLst>
+              <a:ext uri="{FF2B5EF4-FFF2-40B4-BE49-F238E27FC236}">
+                <a16:creationId xmlns:a16="http://schemas.microsoft.com/office/drawing/2014/main" id="{0BDB433C-0DA7-30C9-0FD5-2B5CE37B65CC}"/>
+              </a:ext>
+            </a:extLst>
+          </p:cNvPr>
+          <p:cNvPicPr>
+            <a:picLocks noChangeAspect="1"/>
+          </p:cNvPicPr>
+          <p:nvPr/>
+        </p:nvPicPr>
+        <p:blipFill>
+          <a:blip r:embed="rId3">
+            <a:extLst>
+              <a:ext uri="{28A0092B-C50C-407E-A947-70E740481C1C}">
+                <a14:useLocalDpi xmlns:a14="http://schemas.microsoft.com/office/drawing/2010/main" val="0"/>
+              </a:ext>
+            </a:extLst>
+          </a:blip>
+          <a:stretch>
+            <a:fillRect/>
+          </a:stretch>
+        </p:blipFill>
+        <p:spPr>
+          <a:xfrm>
+            <a:off x="8057397" y="2110305"/>
+            <a:ext cx="3617367" cy="2637389"/>
+          </a:xfrm>
+          <a:prstGeom prst="rect">
+            <a:avLst/>
+          </a:prstGeom>
+        </p:spPr>
+      </p:pic>
+      <mc:AlternateContent xmlns:mc="http://schemas.openxmlformats.org/markup-compatibility/2006">
+        <mc:Choice xmlns:a14="http://schemas.microsoft.com/office/drawing/2010/main" Requires="a14">
+          <p:sp>
+            <p:nvSpPr>
+              <p:cNvPr id="10" name="テキスト ボックス 9">
+                <a:extLst>
+                  <a:ext uri="{FF2B5EF4-FFF2-40B4-BE49-F238E27FC236}">
+                    <a16:creationId xmlns:a16="http://schemas.microsoft.com/office/drawing/2014/main" id="{C15EB3E4-5222-1A39-CCC6-84507B8EC84D}"/>
+                  </a:ext>
+                </a:extLst>
+              </p:cNvPr>
+              <p:cNvSpPr txBox="1"/>
+              <p:nvPr/>
+            </p:nvSpPr>
+            <p:spPr>
+              <a:xfrm>
+                <a:off x="7872669" y="4944020"/>
+                <a:ext cx="4060713" cy="1259576"/>
+              </a:xfrm>
+              <a:prstGeom prst="rect">
+                <a:avLst/>
+              </a:prstGeom>
+              <a:noFill/>
+            </p:spPr>
+            <p:txBody>
+              <a:bodyPr wrap="square" rtlCol="0">
+                <a:spAutoFit/>
+              </a:bodyPr>
+              <a:lstStyle/>
+              <a:p>
+                <a:pPr algn="l"/>
+                <a14:m>
+                  <m:oMathPara xmlns:m="http://schemas.openxmlformats.org/officeDocument/2006/math">
+                    <m:oMathParaPr>
+                      <m:jc m:val="centerGroup"/>
+                    </m:oMathParaPr>
+                    <m:oMath xmlns:m="http://schemas.openxmlformats.org/officeDocument/2006/math">
+                      <m:sSub>
+                        <m:sSubPr>
+                          <m:ctrlPr>
+                            <a:rPr kumimoji="1" lang="en-US" altLang="ja-JP" sz="2400" b="0" i="1" smtClean="0">
+                              <a:latin typeface="Cambria Math" panose="02040503050406030204" pitchFamily="18" charset="0"/>
+                            </a:rPr>
+                          </m:ctrlPr>
+                        </m:sSubPr>
+                        <m:e>
+                          <m:r>
+                            <a:rPr kumimoji="1" lang="en-US" altLang="ja-JP" sz="2400" b="0" i="1" smtClean="0">
+                              <a:latin typeface="Cambria Math" panose="02040503050406030204" pitchFamily="18" charset="0"/>
+                            </a:rPr>
+                            <m:t>𝑅</m:t>
+                          </m:r>
+                        </m:e>
+                        <m:sub>
+                          <m:r>
+                            <a:rPr kumimoji="1" lang="en-US" altLang="ja-JP" sz="2400" b="0" i="1" smtClean="0">
+                              <a:latin typeface="Cambria Math" panose="02040503050406030204" pitchFamily="18" charset="0"/>
+                            </a:rPr>
+                            <m:t>𝑟𝑒𝑓</m:t>
+                          </m:r>
+                        </m:sub>
+                      </m:sSub>
+                      <m:r>
+                        <a:rPr kumimoji="1" lang="en-US" altLang="ja-JP" sz="2400" b="0" i="1" smtClean="0">
+                          <a:latin typeface="Cambria Math" panose="02040503050406030204" pitchFamily="18" charset="0"/>
+                        </a:rPr>
+                        <m:t>=596.6⋯≈600 </m:t>
+                      </m:r>
+                      <m:r>
+                        <m:rPr>
+                          <m:sty m:val="p"/>
+                        </m:rPr>
+                        <a:rPr kumimoji="1" lang="en-US" altLang="ja-JP" sz="2400" b="0" i="0" smtClean="0">
+                          <a:latin typeface="Cambria Math" panose="02040503050406030204" pitchFamily="18" charset="0"/>
+                        </a:rPr>
+                        <m:t>Ω</m:t>
+                      </m:r>
+                    </m:oMath>
+                  </m:oMathPara>
+                </a14:m>
+                <a:endParaRPr kumimoji="1" lang="en-US" altLang="ja-JP" sz="2400" dirty="0"/>
+              </a:p>
+              <a:p>
+                <a:pPr algn="l"/>
+                <a:r>
+                  <a:rPr lang="ja-JP" altLang="en-US" sz="2400" dirty="0"/>
+                  <a:t>の時参照電流源は</a:t>
+                </a:r>
+                <a14:m>
+                  <m:oMath xmlns:m="http://schemas.openxmlformats.org/officeDocument/2006/math">
+                    <m:sSub>
+                      <m:sSubPr>
+                        <m:ctrlPr>
+                          <a:rPr lang="en-US" altLang="ja-JP" sz="2400" b="0" i="1" smtClean="0">
+                            <a:latin typeface="Cambria Math" panose="02040503050406030204" pitchFamily="18" charset="0"/>
+                          </a:rPr>
+                        </m:ctrlPr>
+                      </m:sSubPr>
+                      <m:e>
+                        <m:r>
+                          <a:rPr lang="en-US" altLang="ja-JP" sz="2400" b="0" i="1" smtClean="0">
+                            <a:latin typeface="Cambria Math" panose="02040503050406030204" pitchFamily="18" charset="0"/>
+                          </a:rPr>
+                          <m:t>𝑉</m:t>
+                        </m:r>
+                      </m:e>
+                      <m:sub>
+                        <m:r>
+                          <a:rPr lang="en-US" altLang="ja-JP" sz="2400" b="0" i="1" smtClean="0">
+                            <a:latin typeface="Cambria Math" panose="02040503050406030204" pitchFamily="18" charset="0"/>
+                          </a:rPr>
+                          <m:t>𝑟𝑒𝑓</m:t>
+                        </m:r>
+                      </m:sub>
+                    </m:sSub>
+                    <m:r>
+                      <a:rPr lang="en-US" altLang="ja-JP" sz="2400" b="0" i="1" smtClean="0">
+                        <a:latin typeface="Cambria Math" panose="02040503050406030204" pitchFamily="18" charset="0"/>
+                      </a:rPr>
+                      <m:t>=0 </m:t>
+                    </m:r>
+                    <m:r>
+                      <m:rPr>
+                        <m:sty m:val="p"/>
+                      </m:rPr>
+                      <a:rPr lang="en-US" altLang="ja-JP" sz="2400" b="0" i="0" smtClean="0">
+                        <a:latin typeface="Cambria Math" panose="02040503050406030204" pitchFamily="18" charset="0"/>
+                      </a:rPr>
+                      <m:t>V</m:t>
+                    </m:r>
+                  </m:oMath>
+                </a14:m>
+                <a:r>
+                  <a:rPr kumimoji="1" lang="ja-JP" altLang="en-US" sz="2400" dirty="0"/>
+                  <a:t>で</a:t>
+                </a:r>
+                <a14:m>
+                  <m:oMath xmlns:m="http://schemas.openxmlformats.org/officeDocument/2006/math">
+                    <m:r>
+                      <a:rPr kumimoji="1" lang="en-US" altLang="ja-JP" sz="2400" b="0" i="1" dirty="0" smtClean="0">
+                        <a:latin typeface="Cambria Math" panose="02040503050406030204" pitchFamily="18" charset="0"/>
+                      </a:rPr>
+                      <m:t>0.5 </m:t>
+                    </m:r>
+                    <m:r>
+                      <m:rPr>
+                        <m:sty m:val="p"/>
+                      </m:rPr>
+                      <a:rPr kumimoji="1" lang="en-US" altLang="ja-JP" sz="2400" b="0" i="0" dirty="0" smtClean="0">
+                        <a:latin typeface="Cambria Math" panose="02040503050406030204" pitchFamily="18" charset="0"/>
+                      </a:rPr>
+                      <m:t>V</m:t>
+                    </m:r>
+                    <m:r>
+                      <a:rPr kumimoji="1" lang="en-US" altLang="ja-JP" sz="2400" b="0" i="1" dirty="0" smtClean="0">
+                        <a:latin typeface="Cambria Math" panose="02040503050406030204" pitchFamily="18" charset="0"/>
+                      </a:rPr>
+                      <m:t> / 838</m:t>
+                    </m:r>
+                    <m:r>
+                      <m:rPr>
+                        <m:sty m:val="p"/>
+                      </m:rPr>
+                      <a:rPr kumimoji="1" lang="en-US" altLang="ja-JP" sz="2400" b="0" i="0" dirty="0" smtClean="0">
+                        <a:latin typeface="Cambria Math" panose="02040503050406030204" pitchFamily="18" charset="0"/>
+                      </a:rPr>
+                      <m:t>μA</m:t>
+                    </m:r>
+                  </m:oMath>
+                </a14:m>
+                <a:r>
+                  <a:rPr kumimoji="1" lang="ja-JP" altLang="en-US" sz="2400" dirty="0"/>
+                  <a:t>が流れる。</a:t>
+                </a:r>
+              </a:p>
+            </p:txBody>
+          </p:sp>
+        </mc:Choice>
+        <mc:Fallback>
+          <p:sp>
+            <p:nvSpPr>
+              <p:cNvPr id="10" name="テキスト ボックス 9">
+                <a:extLst>
+                  <a:ext uri="{FF2B5EF4-FFF2-40B4-BE49-F238E27FC236}">
+                    <a16:creationId xmlns:a16="http://schemas.microsoft.com/office/drawing/2014/main" id="{C15EB3E4-5222-1A39-CCC6-84507B8EC84D}"/>
+                  </a:ext>
+                </a:extLst>
+              </p:cNvPr>
+              <p:cNvSpPr txBox="1">
+                <a:spLocks noRot="1" noChangeAspect="1" noMove="1" noResize="1" noEditPoints="1" noAdjustHandles="1" noChangeArrowheads="1" noChangeShapeType="1" noTextEdit="1"/>
+              </p:cNvSpPr>
+              <p:nvPr/>
+            </p:nvSpPr>
+            <p:spPr>
+              <a:xfrm>
+                <a:off x="7872669" y="4944020"/>
+                <a:ext cx="4060713" cy="1259576"/>
+              </a:xfrm>
+              <a:prstGeom prst="rect">
+                <a:avLst/>
+              </a:prstGeom>
+              <a:blipFill>
+                <a:blip r:embed="rId4"/>
+                <a:stretch>
+                  <a:fillRect l="-2249" b="-10145"/>
+                </a:stretch>
+              </a:blipFill>
+            </p:spPr>
+            <p:txBody>
+              <a:bodyPr/>
+              <a:lstStyle/>
+              <a:p>
+                <a:r>
+                  <a:rPr lang="ja-JP" altLang="en-US">
+                    <a:noFill/>
+                  </a:rPr>
+                  <a:t> </a:t>
+                </a:r>
+              </a:p>
+            </p:txBody>
+          </p:sp>
+        </mc:Fallback>
+      </mc:AlternateContent>
+      <p:sp>
+        <p:nvSpPr>
+          <p:cNvPr id="11" name="日付プレースホルダー 10">
+            <a:extLst>
+              <a:ext uri="{FF2B5EF4-FFF2-40B4-BE49-F238E27FC236}">
+                <a16:creationId xmlns:a16="http://schemas.microsoft.com/office/drawing/2014/main" id="{19C3528E-7698-A6A9-1622-A80ABBD4CEE8}"/>
+              </a:ext>
+            </a:extLst>
+          </p:cNvPr>
+          <p:cNvSpPr>
+            <a:spLocks noGrp="1"/>
+          </p:cNvSpPr>
+          <p:nvPr>
+            <p:ph type="dt" sz="half" idx="10"/>
+          </p:nvPr>
+        </p:nvSpPr>
+        <p:spPr/>
+        <p:txBody>
+          <a:bodyPr/>
+          <a:lstStyle/>
+          <a:p>
+            <a:fld id="{79511E3F-D637-4274-A8DC-AD039E21ADA5}" type="datetime1">
+              <a:rPr kumimoji="1" lang="ja-JP" altLang="en-US" smtClean="0"/>
+              <a:t>2024/1/15</a:t>
+            </a:fld>
+            <a:endParaRPr kumimoji="1" lang="ja-JP" altLang="en-US"/>
+          </a:p>
+        </p:txBody>
+      </p:sp>
+      <p:sp>
+        <p:nvSpPr>
+          <p:cNvPr id="12" name="スライド番号プレースホルダー 11">
+            <a:extLst>
+              <a:ext uri="{FF2B5EF4-FFF2-40B4-BE49-F238E27FC236}">
+                <a16:creationId xmlns:a16="http://schemas.microsoft.com/office/drawing/2014/main" id="{A0A2C8AE-9AA2-8A7C-5D17-FF337648C1AB}"/>
+              </a:ext>
+            </a:extLst>
+          </p:cNvPr>
+          <p:cNvSpPr>
+            <a:spLocks noGrp="1"/>
+          </p:cNvSpPr>
+          <p:nvPr>
+            <p:ph type="sldNum" sz="quarter" idx="12"/>
+          </p:nvPr>
+        </p:nvSpPr>
+        <p:spPr/>
+        <p:txBody>
+          <a:bodyPr/>
+          <a:lstStyle/>
+          <a:p>
+            <a:fld id="{6294761A-CFE9-4878-87A7-90ECABD59CE5}" type="slidenum">
+              <a:rPr kumimoji="1" lang="ja-JP" altLang="en-US" smtClean="0"/>
+              <a:t>5</a:t>
+            </a:fld>
+            <a:endParaRPr kumimoji="1" lang="ja-JP" altLang="en-US"/>
+          </a:p>
+        </p:txBody>
+      </p:sp>
+    </p:spTree>
+    <p:extLst>
+      <p:ext uri="{BB962C8B-B14F-4D97-AF65-F5344CB8AC3E}">
+        <p14:creationId xmlns:p14="http://schemas.microsoft.com/office/powerpoint/2010/main" val="3142162566"/>
+      </p:ext>
+    </p:extLst>
+  </p:cSld>
+  <p:clrMapOvr>
+    <a:masterClrMapping/>
+  </p:clrMapOvr>
+</p:sld>
+</file>
+
+<file path=ppt/slides/slide6.xml><?xml version="1.0" encoding="utf-8"?>
+<p:sld xmlns:a="http://schemas.openxmlformats.org/drawingml/2006/main" xmlns:r="http://schemas.openxmlformats.org/officeDocument/2006/relationships" xmlns:p="http://schemas.openxmlformats.org/presentationml/2006/main">
+  <p:cSld>
+    <p:spTree>
+      <p:nvGrpSpPr>
+        <p:cNvPr id="1" name=""/>
+        <p:cNvGrpSpPr/>
+        <p:nvPr/>
+      </p:nvGrpSpPr>
+      <p:grpSpPr>
+        <a:xfrm>
+          <a:off x="0" y="0"/>
+          <a:ext cx="0" cy="0"/>
+          <a:chOff x="0" y="0"/>
+          <a:chExt cx="0" cy="0"/>
+        </a:xfrm>
+      </p:grpSpPr>
+      <p:sp>
+        <p:nvSpPr>
+          <p:cNvPr id="2" name="タイトル 1">
+            <a:extLst>
+              <a:ext uri="{FF2B5EF4-FFF2-40B4-BE49-F238E27FC236}">
+                <a16:creationId xmlns:a16="http://schemas.microsoft.com/office/drawing/2014/main" id="{97133E0F-7C24-5381-2E7F-3EDAEADBFF87}"/>
+              </a:ext>
+            </a:extLst>
+          </p:cNvPr>
+          <p:cNvSpPr>
+            <a:spLocks noGrp="1"/>
+          </p:cNvSpPr>
+          <p:nvPr>
+            <p:ph type="title"/>
+          </p:nvPr>
+        </p:nvSpPr>
+        <p:spPr/>
+        <p:txBody>
+          <a:bodyPr/>
+          <a:lstStyle/>
+          <a:p>
+            <a:r>
+              <a:rPr kumimoji="1" lang="ja-JP" altLang="en-US" dirty="0"/>
+              <a:t>乗算器のパッド配置</a:t>
+            </a:r>
+            <a:r>
+              <a:rPr kumimoji="1" lang="en-US" altLang="ja-JP" dirty="0"/>
+              <a:t>(</a:t>
+            </a:r>
+            <a:r>
+              <a:rPr kumimoji="1" lang="ja-JP" altLang="en-US" dirty="0"/>
+              <a:t>針</a:t>
+            </a:r>
+            <a:r>
+              <a:rPr kumimoji="1" lang="en-US" altLang="ja-JP" dirty="0"/>
+              <a:t>)</a:t>
+            </a:r>
+            <a:endParaRPr kumimoji="1" lang="ja-JP" altLang="en-US" dirty="0"/>
+          </a:p>
+        </p:txBody>
+      </p:sp>
+      <p:sp>
+        <p:nvSpPr>
+          <p:cNvPr id="3" name="フッター プレースホルダー 2">
+            <a:extLst>
+              <a:ext uri="{FF2B5EF4-FFF2-40B4-BE49-F238E27FC236}">
+                <a16:creationId xmlns:a16="http://schemas.microsoft.com/office/drawing/2014/main" id="{B086067F-53DC-E1D2-69B5-E88BF148F217}"/>
+              </a:ext>
+            </a:extLst>
+          </p:cNvPr>
+          <p:cNvSpPr>
+            <a:spLocks noGrp="1"/>
+          </p:cNvSpPr>
+          <p:nvPr>
+            <p:ph type="ftr" sz="quarter" idx="3"/>
+          </p:nvPr>
+        </p:nvSpPr>
+        <p:spPr/>
+        <p:txBody>
+          <a:bodyPr/>
+          <a:lstStyle/>
+          <a:p>
+            <a:r>
+              <a:rPr lang="en-US" altLang="ja-JP"/>
+              <a:t>Wave Signal Processing Circuit Laboratory,  Meiji University</a:t>
+            </a:r>
+            <a:endParaRPr lang="en-US" altLang="ja-JP" dirty="0"/>
+          </a:p>
+        </p:txBody>
+      </p:sp>
+      <p:pic>
+        <p:nvPicPr>
+          <p:cNvPr id="5" name="図 4" descr="グラフィカル ユーザー インターフェイス&#10;&#10;低い精度で自動的に生成された説明">
+            <a:extLst>
+              <a:ext uri="{FF2B5EF4-FFF2-40B4-BE49-F238E27FC236}">
+                <a16:creationId xmlns:a16="http://schemas.microsoft.com/office/drawing/2014/main" id="{AC4AB1FF-47DC-90D0-CC7F-8D293E8B04B4}"/>
+              </a:ext>
+            </a:extLst>
+          </p:cNvPr>
+          <p:cNvPicPr>
+            <a:picLocks noChangeAspect="1"/>
+          </p:cNvPicPr>
+          <p:nvPr/>
+        </p:nvPicPr>
+        <p:blipFill rotWithShape="1">
+          <a:blip r:embed="rId2">
+            <a:extLst>
+              <a:ext uri="{28A0092B-C50C-407E-A947-70E740481C1C}">
+                <a14:useLocalDpi xmlns:a14="http://schemas.microsoft.com/office/drawing/2010/main" val="0"/>
+              </a:ext>
+            </a:extLst>
+          </a:blip>
+          <a:srcRect l="13750" t="3650" r="13712" b="3570"/>
+          <a:stretch/>
+        </p:blipFill>
+        <p:spPr>
+          <a:xfrm>
+            <a:off x="5213927" y="1819217"/>
+            <a:ext cx="6543965" cy="3929796"/>
+          </a:xfrm>
+          <a:prstGeom prst="rect">
+            <a:avLst/>
+          </a:prstGeom>
+        </p:spPr>
+      </p:pic>
+      <mc:AlternateContent xmlns:mc="http://schemas.openxmlformats.org/markup-compatibility/2006">
+        <mc:Choice xmlns:a14="http://schemas.microsoft.com/office/drawing/2010/main" Requires="a14">
+          <p:sp>
+            <p:nvSpPr>
+              <p:cNvPr id="6" name="テキスト ボックス 5">
+                <a:extLst>
+                  <a:ext uri="{FF2B5EF4-FFF2-40B4-BE49-F238E27FC236}">
+                    <a16:creationId xmlns:a16="http://schemas.microsoft.com/office/drawing/2014/main" id="{FF29DC8B-2ABB-32A7-9878-45C296FC6ECC}"/>
+                  </a:ext>
+                </a:extLst>
+              </p:cNvPr>
+              <p:cNvSpPr txBox="1"/>
+              <p:nvPr/>
+            </p:nvSpPr>
+            <p:spPr>
+              <a:xfrm>
+                <a:off x="193963" y="3395131"/>
+                <a:ext cx="4572000" cy="1200329"/>
+              </a:xfrm>
+              <a:prstGeom prst="rect">
+                <a:avLst/>
+              </a:prstGeom>
+              <a:noFill/>
+            </p:spPr>
+            <p:txBody>
+              <a:bodyPr wrap="square" rtlCol="0">
+                <a:spAutoFit/>
+              </a:bodyPr>
+              <a:lstStyle/>
+              <a:p>
+                <a:pPr algn="l"/>
+                <a:r>
+                  <a:rPr kumimoji="1" lang="ja-JP" altLang="en-US" sz="2400" dirty="0"/>
+                  <a:t>南北は</a:t>
+                </a:r>
+                <a:r>
+                  <a:rPr kumimoji="1" lang="en-US" altLang="ja-JP" sz="2400" dirty="0"/>
+                  <a:t>TEG</a:t>
+                </a:r>
+                <a:r>
+                  <a:rPr kumimoji="1" lang="ja-JP" altLang="en-US" sz="2400" dirty="0"/>
+                  <a:t>と同様の</a:t>
+                </a:r>
+                <a:r>
+                  <a:rPr kumimoji="1" lang="en-US" altLang="ja-JP" sz="2400" dirty="0"/>
+                  <a:t>DC 4</a:t>
+                </a:r>
+                <a:r>
+                  <a:rPr kumimoji="1" lang="ja-JP" altLang="en-US" sz="2400" dirty="0"/>
+                  <a:t>本針。</a:t>
+                </a:r>
+                <a:endParaRPr kumimoji="1" lang="en-US" altLang="ja-JP" sz="2400" dirty="0"/>
+              </a:p>
+              <a:p>
+                <a:pPr algn="l"/>
+                <a:r>
+                  <a:rPr lang="ja-JP" altLang="en-US" sz="2400" dirty="0"/>
+                  <a:t>東西は楳田研の</a:t>
+                </a:r>
+                <a:r>
+                  <a:rPr lang="en-US" altLang="ja-JP" sz="2400" dirty="0"/>
+                  <a:t>GSGSG</a:t>
+                </a:r>
+                <a:r>
+                  <a:rPr lang="ja-JP" altLang="en-US" sz="2400" dirty="0"/>
+                  <a:t>。</a:t>
+                </a:r>
+                <a:endParaRPr lang="en-US" altLang="ja-JP" sz="2400" dirty="0"/>
+              </a:p>
+              <a:p>
+                <a:pPr algn="l"/>
+                <a:r>
+                  <a:rPr kumimoji="1" lang="ja-JP" altLang="en-US" sz="2400" dirty="0"/>
+                  <a:t>サイズは約</a:t>
+                </a:r>
+                <a14:m>
+                  <m:oMath xmlns:m="http://schemas.openxmlformats.org/officeDocument/2006/math">
+                    <m:r>
+                      <a:rPr kumimoji="1" lang="en-US" altLang="ja-JP" sz="2400" b="0" i="1" smtClean="0">
+                        <a:latin typeface="Cambria Math" panose="02040503050406030204" pitchFamily="18" charset="0"/>
+                      </a:rPr>
+                      <m:t>900×540 </m:t>
+                    </m:r>
+                    <m:r>
+                      <m:rPr>
+                        <m:sty m:val="p"/>
+                      </m:rPr>
+                      <a:rPr kumimoji="1" lang="en-US" altLang="ja-JP" sz="2400" b="0" i="0" smtClean="0">
+                        <a:latin typeface="Cambria Math" panose="02040503050406030204" pitchFamily="18" charset="0"/>
+                      </a:rPr>
+                      <m:t>μ</m:t>
+                    </m:r>
+                    <m:sSup>
+                      <m:sSupPr>
+                        <m:ctrlPr>
+                          <a:rPr kumimoji="1" lang="en-US" altLang="ja-JP" sz="2400" b="0" smtClean="0">
+                            <a:latin typeface="Cambria Math" panose="02040503050406030204" pitchFamily="18" charset="0"/>
+                          </a:rPr>
+                        </m:ctrlPr>
+                      </m:sSupPr>
+                      <m:e>
+                        <m:r>
+                          <m:rPr>
+                            <m:sty m:val="p"/>
+                          </m:rPr>
+                          <a:rPr kumimoji="1" lang="en-US" altLang="ja-JP" sz="2400" b="0" i="0" smtClean="0">
+                            <a:latin typeface="Cambria Math" panose="02040503050406030204" pitchFamily="18" charset="0"/>
+                          </a:rPr>
+                          <m:t>m</m:t>
+                        </m:r>
+                      </m:e>
+                      <m:sup>
+                        <m:r>
+                          <a:rPr kumimoji="1" lang="en-US" altLang="ja-JP" sz="2400" b="0" i="0" smtClean="0">
+                            <a:latin typeface="Cambria Math" panose="02040503050406030204" pitchFamily="18" charset="0"/>
+                          </a:rPr>
+                          <m:t>2</m:t>
+                        </m:r>
+                      </m:sup>
+                    </m:sSup>
+                  </m:oMath>
+                </a14:m>
+                <a:r>
+                  <a:rPr kumimoji="1" lang="ja-JP" altLang="en-US" sz="2400" dirty="0"/>
+                  <a:t>。</a:t>
+                </a:r>
+              </a:p>
+            </p:txBody>
+          </p:sp>
+        </mc:Choice>
+        <mc:Fallback>
+          <p:sp>
+            <p:nvSpPr>
+              <p:cNvPr id="6" name="テキスト ボックス 5">
+                <a:extLst>
+                  <a:ext uri="{FF2B5EF4-FFF2-40B4-BE49-F238E27FC236}">
+                    <a16:creationId xmlns:a16="http://schemas.microsoft.com/office/drawing/2014/main" id="{FF29DC8B-2ABB-32A7-9878-45C296FC6ECC}"/>
+                  </a:ext>
+                </a:extLst>
+              </p:cNvPr>
+              <p:cNvSpPr txBox="1">
+                <a:spLocks noRot="1" noChangeAspect="1" noMove="1" noResize="1" noEditPoints="1" noAdjustHandles="1" noChangeArrowheads="1" noChangeShapeType="1" noTextEdit="1"/>
+              </p:cNvSpPr>
+              <p:nvPr/>
+            </p:nvSpPr>
+            <p:spPr>
+              <a:xfrm>
+                <a:off x="193963" y="3395131"/>
+                <a:ext cx="4572000" cy="1200329"/>
+              </a:xfrm>
+              <a:prstGeom prst="rect">
+                <a:avLst/>
+              </a:prstGeom>
+              <a:blipFill>
+                <a:blip r:embed="rId3"/>
+                <a:stretch>
+                  <a:fillRect l="-2133" t="-4061" r="-933" b="-11168"/>
+                </a:stretch>
+              </a:blipFill>
+            </p:spPr>
+            <p:txBody>
+              <a:bodyPr/>
+              <a:lstStyle/>
+              <a:p>
+                <a:r>
+                  <a:rPr lang="ja-JP" altLang="en-US">
+                    <a:noFill/>
+                  </a:rPr>
+                  <a:t> </a:t>
+                </a:r>
+              </a:p>
+            </p:txBody>
+          </p:sp>
+        </mc:Fallback>
+      </mc:AlternateContent>
+      <mc:AlternateContent xmlns:mc="http://schemas.openxmlformats.org/markup-compatibility/2006">
+        <mc:Choice xmlns:a14="http://schemas.microsoft.com/office/drawing/2010/main" Requires="a14">
+          <p:sp>
+            <p:nvSpPr>
+              <p:cNvPr id="7" name="テキスト ボックス 6">
+                <a:extLst>
+                  <a:ext uri="{FF2B5EF4-FFF2-40B4-BE49-F238E27FC236}">
+                    <a16:creationId xmlns:a16="http://schemas.microsoft.com/office/drawing/2014/main" id="{7C27ACB8-72D9-7566-288C-955D8F4F490B}"/>
+                  </a:ext>
+                </a:extLst>
+              </p:cNvPr>
+              <p:cNvSpPr txBox="1"/>
+              <p:nvPr/>
+            </p:nvSpPr>
+            <p:spPr>
+              <a:xfrm rot="16200000">
+                <a:off x="4327235" y="2752530"/>
+                <a:ext cx="1043709" cy="461665"/>
+              </a:xfrm>
+              <a:prstGeom prst="rect">
+                <a:avLst/>
+              </a:prstGeom>
+              <a:noFill/>
+            </p:spPr>
+            <p:txBody>
+              <a:bodyPr wrap="square" rtlCol="0">
+                <a:spAutoFit/>
+              </a:bodyPr>
+              <a:lstStyle/>
+              <a:p>
+                <a:pPr algn="l"/>
+                <a14:m>
+                  <m:oMathPara xmlns:m="http://schemas.openxmlformats.org/officeDocument/2006/math">
+                    <m:oMathParaPr>
+                      <m:jc m:val="centerGroup"/>
+                    </m:oMathParaPr>
+                    <m:oMath xmlns:m="http://schemas.openxmlformats.org/officeDocument/2006/math">
+                      <m:sSub>
+                        <m:sSubPr>
+                          <m:ctrlPr>
+                            <a:rPr kumimoji="1" lang="en-US" altLang="ja-JP" sz="2400" b="0" i="1" smtClean="0">
+                              <a:latin typeface="Cambria Math" panose="02040503050406030204" pitchFamily="18" charset="0"/>
+                            </a:rPr>
+                          </m:ctrlPr>
+                        </m:sSubPr>
+                        <m:e>
+                          <m:r>
+                            <a:rPr kumimoji="1" lang="en-US" altLang="ja-JP" sz="2400" b="0" i="1" smtClean="0">
+                              <a:latin typeface="Cambria Math" panose="02040503050406030204" pitchFamily="18" charset="0"/>
+                            </a:rPr>
+                            <m:t>𝑣</m:t>
+                          </m:r>
+                        </m:e>
+                        <m:sub>
+                          <m:r>
+                            <a:rPr kumimoji="1" lang="en-US" altLang="ja-JP" sz="2400" b="0" i="1" smtClean="0">
+                              <a:latin typeface="Cambria Math" panose="02040503050406030204" pitchFamily="18" charset="0"/>
+                            </a:rPr>
+                            <m:t>𝑖𝑛</m:t>
+                          </m:r>
+                        </m:sub>
+                      </m:sSub>
+                      <m:r>
+                        <a:rPr kumimoji="1" lang="en-US" altLang="ja-JP" sz="2400" b="0" i="1" smtClean="0">
+                          <a:latin typeface="Cambria Math" panose="02040503050406030204" pitchFamily="18" charset="0"/>
+                        </a:rPr>
+                        <m:t>+</m:t>
+                      </m:r>
+                    </m:oMath>
+                  </m:oMathPara>
+                </a14:m>
+                <a:endParaRPr kumimoji="1" lang="ja-JP" altLang="en-US" sz="2400" dirty="0"/>
+              </a:p>
+            </p:txBody>
+          </p:sp>
+        </mc:Choice>
+        <mc:Fallback>
+          <p:sp>
+            <p:nvSpPr>
+              <p:cNvPr id="7" name="テキスト ボックス 6">
+                <a:extLst>
+                  <a:ext uri="{FF2B5EF4-FFF2-40B4-BE49-F238E27FC236}">
+                    <a16:creationId xmlns:a16="http://schemas.microsoft.com/office/drawing/2014/main" id="{7C27ACB8-72D9-7566-288C-955D8F4F490B}"/>
+                  </a:ext>
+                </a:extLst>
+              </p:cNvPr>
+              <p:cNvSpPr txBox="1">
+                <a:spLocks noRot="1" noChangeAspect="1" noMove="1" noResize="1" noEditPoints="1" noAdjustHandles="1" noChangeArrowheads="1" noChangeShapeType="1" noTextEdit="1"/>
+              </p:cNvSpPr>
+              <p:nvPr/>
+            </p:nvSpPr>
+            <p:spPr>
+              <a:xfrm rot="16200000">
+                <a:off x="4327235" y="2752530"/>
+                <a:ext cx="1043709" cy="461665"/>
+              </a:xfrm>
+              <a:prstGeom prst="rect">
+                <a:avLst/>
+              </a:prstGeom>
+              <a:blipFill>
+                <a:blip r:embed="rId4"/>
+                <a:stretch>
+                  <a:fillRect r="-1333"/>
+                </a:stretch>
+              </a:blipFill>
+            </p:spPr>
+            <p:txBody>
+              <a:bodyPr/>
+              <a:lstStyle/>
+              <a:p>
+                <a:r>
+                  <a:rPr lang="ja-JP" altLang="en-US">
+                    <a:noFill/>
+                  </a:rPr>
+                  <a:t> </a:t>
+                </a:r>
+              </a:p>
+            </p:txBody>
+          </p:sp>
+        </mc:Fallback>
+      </mc:AlternateContent>
+      <mc:AlternateContent xmlns:mc="http://schemas.openxmlformats.org/markup-compatibility/2006">
+        <mc:Choice xmlns:a14="http://schemas.microsoft.com/office/drawing/2010/main" Requires="a14">
+          <p:sp>
+            <p:nvSpPr>
+              <p:cNvPr id="8" name="テキスト ボックス 7">
+                <a:extLst>
+                  <a:ext uri="{FF2B5EF4-FFF2-40B4-BE49-F238E27FC236}">
+                    <a16:creationId xmlns:a16="http://schemas.microsoft.com/office/drawing/2014/main" id="{7DF65A77-37E1-6AB8-609C-01A8BAA271AA}"/>
+                  </a:ext>
+                </a:extLst>
+              </p:cNvPr>
+              <p:cNvSpPr txBox="1"/>
+              <p:nvPr/>
+            </p:nvSpPr>
+            <p:spPr>
+              <a:xfrm rot="16200000">
+                <a:off x="4327235" y="4286319"/>
+                <a:ext cx="1043709" cy="461665"/>
+              </a:xfrm>
+              <a:prstGeom prst="rect">
+                <a:avLst/>
+              </a:prstGeom>
+              <a:noFill/>
+            </p:spPr>
+            <p:txBody>
+              <a:bodyPr wrap="square" rtlCol="0">
+                <a:spAutoFit/>
+              </a:bodyPr>
+              <a:lstStyle/>
+              <a:p>
+                <a:pPr algn="l"/>
+                <a14:m>
+                  <m:oMathPara xmlns:m="http://schemas.openxmlformats.org/officeDocument/2006/math">
+                    <m:oMathParaPr>
+                      <m:jc m:val="centerGroup"/>
+                    </m:oMathParaPr>
+                    <m:oMath xmlns:m="http://schemas.openxmlformats.org/officeDocument/2006/math">
+                      <m:sSub>
+                        <m:sSubPr>
+                          <m:ctrlPr>
+                            <a:rPr kumimoji="1" lang="en-US" altLang="ja-JP" sz="2400" b="0" i="1" smtClean="0">
+                              <a:latin typeface="Cambria Math" panose="02040503050406030204" pitchFamily="18" charset="0"/>
+                            </a:rPr>
+                          </m:ctrlPr>
+                        </m:sSubPr>
+                        <m:e>
+                          <m:r>
+                            <a:rPr kumimoji="1" lang="en-US" altLang="ja-JP" sz="2400" b="0" i="1" smtClean="0">
+                              <a:latin typeface="Cambria Math" panose="02040503050406030204" pitchFamily="18" charset="0"/>
+                            </a:rPr>
+                            <m:t>𝑣</m:t>
+                          </m:r>
+                        </m:e>
+                        <m:sub>
+                          <m:r>
+                            <a:rPr kumimoji="1" lang="en-US" altLang="ja-JP" sz="2400" b="0" i="1" smtClean="0">
+                              <a:latin typeface="Cambria Math" panose="02040503050406030204" pitchFamily="18" charset="0"/>
+                            </a:rPr>
+                            <m:t>𝑖𝑛</m:t>
+                          </m:r>
+                        </m:sub>
+                      </m:sSub>
+                      <m:r>
+                        <a:rPr kumimoji="1" lang="en-US" altLang="ja-JP" sz="2400" b="0" i="1" smtClean="0">
+                          <a:latin typeface="Cambria Math" panose="02040503050406030204" pitchFamily="18" charset="0"/>
+                        </a:rPr>
+                        <m:t>−</m:t>
+                      </m:r>
+                    </m:oMath>
+                  </m:oMathPara>
+                </a14:m>
+                <a:endParaRPr kumimoji="1" lang="ja-JP" altLang="en-US" sz="2400" dirty="0"/>
+              </a:p>
+            </p:txBody>
+          </p:sp>
+        </mc:Choice>
+        <mc:Fallback>
+          <p:sp>
+            <p:nvSpPr>
+              <p:cNvPr id="8" name="テキスト ボックス 7">
+                <a:extLst>
+                  <a:ext uri="{FF2B5EF4-FFF2-40B4-BE49-F238E27FC236}">
+                    <a16:creationId xmlns:a16="http://schemas.microsoft.com/office/drawing/2014/main" id="{7DF65A77-37E1-6AB8-609C-01A8BAA271AA}"/>
+                  </a:ext>
+                </a:extLst>
+              </p:cNvPr>
+              <p:cNvSpPr txBox="1">
+                <a:spLocks noRot="1" noChangeAspect="1" noMove="1" noResize="1" noEditPoints="1" noAdjustHandles="1" noChangeArrowheads="1" noChangeShapeType="1" noTextEdit="1"/>
+              </p:cNvSpPr>
+              <p:nvPr/>
+            </p:nvSpPr>
+            <p:spPr>
+              <a:xfrm rot="16200000">
+                <a:off x="4327235" y="4286319"/>
+                <a:ext cx="1043709" cy="461665"/>
+              </a:xfrm>
+              <a:prstGeom prst="rect">
+                <a:avLst/>
+              </a:prstGeom>
+              <a:blipFill>
+                <a:blip r:embed="rId5"/>
+                <a:stretch>
+                  <a:fillRect r="-1333"/>
+                </a:stretch>
+              </a:blipFill>
+            </p:spPr>
+            <p:txBody>
+              <a:bodyPr/>
+              <a:lstStyle/>
+              <a:p>
+                <a:r>
+                  <a:rPr lang="ja-JP" altLang="en-US">
+                    <a:noFill/>
+                  </a:rPr>
+                  <a:t> </a:t>
+                </a:r>
+              </a:p>
+            </p:txBody>
+          </p:sp>
+        </mc:Fallback>
+      </mc:AlternateContent>
+      <mc:AlternateContent xmlns:mc="http://schemas.openxmlformats.org/markup-compatibility/2006">
+        <mc:Choice xmlns:a14="http://schemas.microsoft.com/office/drawing/2010/main" Requires="a14">
+          <p:sp>
+            <p:nvSpPr>
+              <p:cNvPr id="9" name="テキスト ボックス 8">
+                <a:extLst>
+                  <a:ext uri="{FF2B5EF4-FFF2-40B4-BE49-F238E27FC236}">
+                    <a16:creationId xmlns:a16="http://schemas.microsoft.com/office/drawing/2014/main" id="{D3ED797A-AA09-B2AA-D72C-BF524BE82EA7}"/>
+                  </a:ext>
+                </a:extLst>
+              </p:cNvPr>
+              <p:cNvSpPr txBox="1"/>
+              <p:nvPr/>
+            </p:nvSpPr>
+            <p:spPr>
+              <a:xfrm rot="5400000">
+                <a:off x="11478752" y="2752530"/>
+                <a:ext cx="1043709" cy="461665"/>
+              </a:xfrm>
+              <a:prstGeom prst="rect">
+                <a:avLst/>
+              </a:prstGeom>
+              <a:noFill/>
+            </p:spPr>
+            <p:txBody>
+              <a:bodyPr wrap="square" rtlCol="0">
+                <a:spAutoFit/>
+              </a:bodyPr>
+              <a:lstStyle/>
+              <a:p>
+                <a:pPr algn="l"/>
+                <a14:m>
+                  <m:oMathPara xmlns:m="http://schemas.openxmlformats.org/officeDocument/2006/math">
+                    <m:oMathParaPr>
+                      <m:jc m:val="centerGroup"/>
+                    </m:oMathParaPr>
+                    <m:oMath xmlns:m="http://schemas.openxmlformats.org/officeDocument/2006/math">
+                      <m:sSub>
+                        <m:sSubPr>
+                          <m:ctrlPr>
+                            <a:rPr kumimoji="1" lang="en-US" altLang="ja-JP" sz="2400" b="0" i="1" smtClean="0">
+                              <a:latin typeface="Cambria Math" panose="02040503050406030204" pitchFamily="18" charset="0"/>
+                            </a:rPr>
+                          </m:ctrlPr>
+                        </m:sSubPr>
+                        <m:e>
+                          <m:r>
+                            <a:rPr kumimoji="1" lang="en-US" altLang="ja-JP" sz="2400" b="0" i="1" smtClean="0">
+                              <a:latin typeface="Cambria Math" panose="02040503050406030204" pitchFamily="18" charset="0"/>
+                            </a:rPr>
+                            <m:t>𝑣</m:t>
+                          </m:r>
+                        </m:e>
+                        <m:sub>
+                          <m:r>
+                            <a:rPr kumimoji="1" lang="en-US" altLang="ja-JP" sz="2400" b="0" i="1" smtClean="0">
+                              <a:latin typeface="Cambria Math" panose="02040503050406030204" pitchFamily="18" charset="0"/>
+                            </a:rPr>
+                            <m:t>𝑜𝑢𝑡</m:t>
+                          </m:r>
+                        </m:sub>
+                      </m:sSub>
+                      <m:r>
+                        <a:rPr kumimoji="1" lang="en-US" altLang="ja-JP" sz="2400" b="0" i="1" smtClean="0">
+                          <a:latin typeface="Cambria Math" panose="02040503050406030204" pitchFamily="18" charset="0"/>
+                        </a:rPr>
+                        <m:t>−</m:t>
+                      </m:r>
+                    </m:oMath>
+                  </m:oMathPara>
+                </a14:m>
+                <a:endParaRPr kumimoji="1" lang="ja-JP" altLang="en-US" sz="2400" dirty="0"/>
+              </a:p>
+            </p:txBody>
+          </p:sp>
+        </mc:Choice>
+        <mc:Fallback>
+          <p:sp>
+            <p:nvSpPr>
+              <p:cNvPr id="9" name="テキスト ボックス 8">
+                <a:extLst>
+                  <a:ext uri="{FF2B5EF4-FFF2-40B4-BE49-F238E27FC236}">
+                    <a16:creationId xmlns:a16="http://schemas.microsoft.com/office/drawing/2014/main" id="{D3ED797A-AA09-B2AA-D72C-BF524BE82EA7}"/>
+                  </a:ext>
+                </a:extLst>
+              </p:cNvPr>
+              <p:cNvSpPr txBox="1">
+                <a:spLocks noRot="1" noChangeAspect="1" noMove="1" noResize="1" noEditPoints="1" noAdjustHandles="1" noChangeArrowheads="1" noChangeShapeType="1" noTextEdit="1"/>
+              </p:cNvSpPr>
+              <p:nvPr/>
+            </p:nvSpPr>
+            <p:spPr>
+              <a:xfrm rot="5400000">
+                <a:off x="11478752" y="2752530"/>
+                <a:ext cx="1043709" cy="461665"/>
+              </a:xfrm>
+              <a:prstGeom prst="rect">
+                <a:avLst/>
+              </a:prstGeom>
+              <a:blipFill>
+                <a:blip r:embed="rId6"/>
+                <a:stretch>
+                  <a:fillRect/>
+                </a:stretch>
+              </a:blipFill>
+            </p:spPr>
+            <p:txBody>
+              <a:bodyPr/>
+              <a:lstStyle/>
+              <a:p>
+                <a:r>
+                  <a:rPr lang="ja-JP" altLang="en-US">
+                    <a:noFill/>
+                  </a:rPr>
+                  <a:t> </a:t>
+                </a:r>
+              </a:p>
+            </p:txBody>
+          </p:sp>
+        </mc:Fallback>
+      </mc:AlternateContent>
+      <mc:AlternateContent xmlns:mc="http://schemas.openxmlformats.org/markup-compatibility/2006">
+        <mc:Choice xmlns:a14="http://schemas.microsoft.com/office/drawing/2010/main" Requires="a14">
+          <p:sp>
+            <p:nvSpPr>
+              <p:cNvPr id="10" name="テキスト ボックス 9">
+                <a:extLst>
+                  <a:ext uri="{FF2B5EF4-FFF2-40B4-BE49-F238E27FC236}">
+                    <a16:creationId xmlns:a16="http://schemas.microsoft.com/office/drawing/2014/main" id="{CEC88492-0154-77EC-E467-37B9C917CDA4}"/>
+                  </a:ext>
+                </a:extLst>
+              </p:cNvPr>
+              <p:cNvSpPr txBox="1"/>
+              <p:nvPr/>
+            </p:nvSpPr>
+            <p:spPr>
+              <a:xfrm rot="5400000">
+                <a:off x="11478751" y="4286318"/>
+                <a:ext cx="1043709" cy="461665"/>
+              </a:xfrm>
+              <a:prstGeom prst="rect">
+                <a:avLst/>
+              </a:prstGeom>
+              <a:noFill/>
+            </p:spPr>
+            <p:txBody>
+              <a:bodyPr wrap="square" rtlCol="0">
+                <a:spAutoFit/>
+              </a:bodyPr>
+              <a:lstStyle/>
+              <a:p>
+                <a:pPr algn="l"/>
+                <a14:m>
+                  <m:oMathPara xmlns:m="http://schemas.openxmlformats.org/officeDocument/2006/math">
+                    <m:oMathParaPr>
+                      <m:jc m:val="centerGroup"/>
+                    </m:oMathParaPr>
+                    <m:oMath xmlns:m="http://schemas.openxmlformats.org/officeDocument/2006/math">
+                      <m:sSub>
+                        <m:sSubPr>
+                          <m:ctrlPr>
+                            <a:rPr kumimoji="1" lang="en-US" altLang="ja-JP" sz="2400" b="0" i="1" smtClean="0">
+                              <a:latin typeface="Cambria Math" panose="02040503050406030204" pitchFamily="18" charset="0"/>
+                            </a:rPr>
+                          </m:ctrlPr>
+                        </m:sSubPr>
+                        <m:e>
+                          <m:r>
+                            <a:rPr kumimoji="1" lang="en-US" altLang="ja-JP" sz="2400" b="0" i="1" smtClean="0">
+                              <a:latin typeface="Cambria Math" panose="02040503050406030204" pitchFamily="18" charset="0"/>
+                            </a:rPr>
+                            <m:t>𝑣</m:t>
+                          </m:r>
+                        </m:e>
+                        <m:sub>
+                          <m:r>
+                            <a:rPr kumimoji="1" lang="en-US" altLang="ja-JP" sz="2400" b="0" i="1" smtClean="0">
+                              <a:latin typeface="Cambria Math" panose="02040503050406030204" pitchFamily="18" charset="0"/>
+                            </a:rPr>
+                            <m:t>𝑜𝑢𝑡</m:t>
+                          </m:r>
+                        </m:sub>
+                      </m:sSub>
+                      <m:r>
+                        <a:rPr kumimoji="1" lang="en-US" altLang="ja-JP" sz="2400" b="0" i="1" smtClean="0">
+                          <a:latin typeface="Cambria Math" panose="02040503050406030204" pitchFamily="18" charset="0"/>
+                        </a:rPr>
+                        <m:t>+</m:t>
+                      </m:r>
+                    </m:oMath>
+                  </m:oMathPara>
+                </a14:m>
+                <a:endParaRPr kumimoji="1" lang="ja-JP" altLang="en-US" sz="2400" dirty="0"/>
+              </a:p>
+            </p:txBody>
+          </p:sp>
+        </mc:Choice>
+        <mc:Fallback>
+          <p:sp>
+            <p:nvSpPr>
+              <p:cNvPr id="10" name="テキスト ボックス 9">
+                <a:extLst>
+                  <a:ext uri="{FF2B5EF4-FFF2-40B4-BE49-F238E27FC236}">
+                    <a16:creationId xmlns:a16="http://schemas.microsoft.com/office/drawing/2014/main" id="{CEC88492-0154-77EC-E467-37B9C917CDA4}"/>
+                  </a:ext>
+                </a:extLst>
+              </p:cNvPr>
+              <p:cNvSpPr txBox="1">
+                <a:spLocks noRot="1" noChangeAspect="1" noMove="1" noResize="1" noEditPoints="1" noAdjustHandles="1" noChangeArrowheads="1" noChangeShapeType="1" noTextEdit="1"/>
+              </p:cNvSpPr>
+              <p:nvPr/>
+            </p:nvSpPr>
+            <p:spPr>
+              <a:xfrm rot="5400000">
+                <a:off x="11478751" y="4286318"/>
+                <a:ext cx="1043709" cy="461665"/>
+              </a:xfrm>
+              <a:prstGeom prst="rect">
+                <a:avLst/>
+              </a:prstGeom>
+              <a:blipFill>
+                <a:blip r:embed="rId7"/>
+                <a:stretch>
+                  <a:fillRect/>
+                </a:stretch>
+              </a:blipFill>
+            </p:spPr>
+            <p:txBody>
+              <a:bodyPr/>
+              <a:lstStyle/>
+              <a:p>
+                <a:r>
+                  <a:rPr lang="ja-JP" altLang="en-US">
+                    <a:noFill/>
+                  </a:rPr>
+                  <a:t> </a:t>
+                </a:r>
+              </a:p>
+            </p:txBody>
+          </p:sp>
+        </mc:Fallback>
+      </mc:AlternateContent>
+      <mc:AlternateContent xmlns:mc="http://schemas.openxmlformats.org/markup-compatibility/2006">
+        <mc:Choice xmlns:a14="http://schemas.microsoft.com/office/drawing/2010/main" Requires="a14">
+          <p:sp>
+            <p:nvSpPr>
+              <p:cNvPr id="11" name="テキスト ボックス 10">
+                <a:extLst>
+                  <a:ext uri="{FF2B5EF4-FFF2-40B4-BE49-F238E27FC236}">
+                    <a16:creationId xmlns:a16="http://schemas.microsoft.com/office/drawing/2014/main" id="{2446230B-A572-1F0C-AF59-8A4491F0C48A}"/>
+                  </a:ext>
+                </a:extLst>
+              </p:cNvPr>
+              <p:cNvSpPr txBox="1"/>
+              <p:nvPr/>
+            </p:nvSpPr>
+            <p:spPr>
+              <a:xfrm>
+                <a:off x="6241885" y="5854532"/>
+                <a:ext cx="1043709" cy="461665"/>
+              </a:xfrm>
+              <a:prstGeom prst="rect">
+                <a:avLst/>
+              </a:prstGeom>
+              <a:noFill/>
+            </p:spPr>
+            <p:txBody>
+              <a:bodyPr wrap="square" rtlCol="0">
+                <a:spAutoFit/>
+              </a:bodyPr>
+              <a:lstStyle/>
+              <a:p>
+                <a:pPr algn="l"/>
+                <a14:m>
+                  <m:oMathPara xmlns:m="http://schemas.openxmlformats.org/officeDocument/2006/math">
+                    <m:oMathParaPr>
+                      <m:jc m:val="centerGroup"/>
+                    </m:oMathParaPr>
+                    <m:oMath xmlns:m="http://schemas.openxmlformats.org/officeDocument/2006/math">
+                      <m:sSub>
+                        <m:sSubPr>
+                          <m:ctrlPr>
+                            <a:rPr kumimoji="1" lang="en-US" altLang="ja-JP" sz="2400" b="0" i="1" smtClean="0">
+                              <a:latin typeface="Cambria Math" panose="02040503050406030204" pitchFamily="18" charset="0"/>
+                            </a:rPr>
+                          </m:ctrlPr>
+                        </m:sSubPr>
+                        <m:e>
+                          <m:r>
+                            <a:rPr kumimoji="1" lang="en-US" altLang="ja-JP" sz="2400" b="0" i="1" smtClean="0">
+                              <a:latin typeface="Cambria Math" panose="02040503050406030204" pitchFamily="18" charset="0"/>
+                            </a:rPr>
+                            <m:t>𝑉</m:t>
+                          </m:r>
+                        </m:e>
+                        <m:sub>
+                          <m:r>
+                            <a:rPr kumimoji="1" lang="en-US" altLang="ja-JP" sz="2400" b="0" i="1" smtClean="0">
+                              <a:latin typeface="Cambria Math" panose="02040503050406030204" pitchFamily="18" charset="0"/>
+                            </a:rPr>
+                            <m:t>𝐿</m:t>
+                          </m:r>
+                        </m:sub>
+                      </m:sSub>
+                    </m:oMath>
+                  </m:oMathPara>
+                </a14:m>
+                <a:endParaRPr kumimoji="1" lang="ja-JP" altLang="en-US" sz="2400" dirty="0"/>
+              </a:p>
+            </p:txBody>
+          </p:sp>
+        </mc:Choice>
+        <mc:Fallback>
+          <p:sp>
+            <p:nvSpPr>
+              <p:cNvPr id="11" name="テキスト ボックス 10">
+                <a:extLst>
+                  <a:ext uri="{FF2B5EF4-FFF2-40B4-BE49-F238E27FC236}">
+                    <a16:creationId xmlns:a16="http://schemas.microsoft.com/office/drawing/2014/main" id="{2446230B-A572-1F0C-AF59-8A4491F0C48A}"/>
+                  </a:ext>
+                </a:extLst>
+              </p:cNvPr>
+              <p:cNvSpPr txBox="1">
+                <a:spLocks noRot="1" noChangeAspect="1" noMove="1" noResize="1" noEditPoints="1" noAdjustHandles="1" noChangeArrowheads="1" noChangeShapeType="1" noTextEdit="1"/>
+              </p:cNvSpPr>
+              <p:nvPr/>
+            </p:nvSpPr>
+            <p:spPr>
+              <a:xfrm>
+                <a:off x="6241885" y="5854532"/>
+                <a:ext cx="1043709" cy="461665"/>
+              </a:xfrm>
+              <a:prstGeom prst="rect">
+                <a:avLst/>
+              </a:prstGeom>
+              <a:blipFill>
+                <a:blip r:embed="rId8"/>
+                <a:stretch>
+                  <a:fillRect/>
+                </a:stretch>
+              </a:blipFill>
+            </p:spPr>
+            <p:txBody>
+              <a:bodyPr/>
+              <a:lstStyle/>
+              <a:p>
+                <a:r>
+                  <a:rPr lang="ja-JP" altLang="en-US">
+                    <a:noFill/>
+                  </a:rPr>
+                  <a:t> </a:t>
+                </a:r>
+              </a:p>
+            </p:txBody>
+          </p:sp>
+        </mc:Fallback>
+      </mc:AlternateContent>
+      <mc:AlternateContent xmlns:mc="http://schemas.openxmlformats.org/markup-compatibility/2006">
+        <mc:Choice xmlns:a14="http://schemas.microsoft.com/office/drawing/2010/main" Requires="a14">
+          <p:sp>
+            <p:nvSpPr>
+              <p:cNvPr id="12" name="テキスト ボックス 11">
+                <a:extLst>
+                  <a:ext uri="{FF2B5EF4-FFF2-40B4-BE49-F238E27FC236}">
+                    <a16:creationId xmlns:a16="http://schemas.microsoft.com/office/drawing/2014/main" id="{0976AE36-E836-3A88-6341-16698B4A6E9A}"/>
+                  </a:ext>
+                </a:extLst>
+              </p:cNvPr>
+              <p:cNvSpPr txBox="1"/>
+              <p:nvPr/>
+            </p:nvSpPr>
+            <p:spPr>
+              <a:xfrm>
+                <a:off x="7350249" y="5854531"/>
+                <a:ext cx="1043709" cy="461665"/>
+              </a:xfrm>
+              <a:prstGeom prst="rect">
+                <a:avLst/>
+              </a:prstGeom>
+              <a:noFill/>
+            </p:spPr>
+            <p:txBody>
+              <a:bodyPr wrap="square" rtlCol="0">
+                <a:spAutoFit/>
+              </a:bodyPr>
+              <a:lstStyle/>
+              <a:p>
+                <a:pPr algn="l"/>
+                <a14:m>
+                  <m:oMathPara xmlns:m="http://schemas.openxmlformats.org/officeDocument/2006/math">
+                    <m:oMathParaPr>
+                      <m:jc m:val="centerGroup"/>
+                    </m:oMathParaPr>
+                    <m:oMath xmlns:m="http://schemas.openxmlformats.org/officeDocument/2006/math">
+                      <m:sSub>
+                        <m:sSubPr>
+                          <m:ctrlPr>
+                            <a:rPr kumimoji="1" lang="en-US" altLang="ja-JP" sz="2400" b="0" i="1" smtClean="0">
+                              <a:latin typeface="Cambria Math" panose="02040503050406030204" pitchFamily="18" charset="0"/>
+                            </a:rPr>
+                          </m:ctrlPr>
+                        </m:sSubPr>
+                        <m:e>
+                          <m:r>
+                            <a:rPr kumimoji="1" lang="en-US" altLang="ja-JP" sz="2400" b="0" i="1" smtClean="0">
+                              <a:latin typeface="Cambria Math" panose="02040503050406030204" pitchFamily="18" charset="0"/>
+                            </a:rPr>
+                            <m:t>𝑉</m:t>
+                          </m:r>
+                        </m:e>
+                        <m:sub>
+                          <m:r>
+                            <a:rPr kumimoji="1" lang="en-US" altLang="ja-JP" sz="2400" b="0" i="1" smtClean="0">
+                              <a:latin typeface="Cambria Math" panose="02040503050406030204" pitchFamily="18" charset="0"/>
+                            </a:rPr>
+                            <m:t>𝑑𝑑</m:t>
+                          </m:r>
+                        </m:sub>
+                      </m:sSub>
+                    </m:oMath>
+                  </m:oMathPara>
+                </a14:m>
+                <a:endParaRPr kumimoji="1" lang="ja-JP" altLang="en-US" sz="2400" dirty="0"/>
+              </a:p>
+            </p:txBody>
+          </p:sp>
+        </mc:Choice>
+        <mc:Fallback>
+          <p:sp>
+            <p:nvSpPr>
+              <p:cNvPr id="12" name="テキスト ボックス 11">
+                <a:extLst>
+                  <a:ext uri="{FF2B5EF4-FFF2-40B4-BE49-F238E27FC236}">
+                    <a16:creationId xmlns:a16="http://schemas.microsoft.com/office/drawing/2014/main" id="{0976AE36-E836-3A88-6341-16698B4A6E9A}"/>
+                  </a:ext>
+                </a:extLst>
+              </p:cNvPr>
+              <p:cNvSpPr txBox="1">
+                <a:spLocks noRot="1" noChangeAspect="1" noMove="1" noResize="1" noEditPoints="1" noAdjustHandles="1" noChangeArrowheads="1" noChangeShapeType="1" noTextEdit="1"/>
+              </p:cNvSpPr>
+              <p:nvPr/>
+            </p:nvSpPr>
+            <p:spPr>
+              <a:xfrm>
+                <a:off x="7350249" y="5854531"/>
+                <a:ext cx="1043709" cy="461665"/>
+              </a:xfrm>
+              <a:prstGeom prst="rect">
+                <a:avLst/>
+              </a:prstGeom>
+              <a:blipFill>
+                <a:blip r:embed="rId9"/>
+                <a:stretch>
+                  <a:fillRect b="-1316"/>
+                </a:stretch>
+              </a:blipFill>
+            </p:spPr>
+            <p:txBody>
+              <a:bodyPr/>
+              <a:lstStyle/>
+              <a:p>
+                <a:r>
+                  <a:rPr lang="ja-JP" altLang="en-US">
+                    <a:noFill/>
+                  </a:rPr>
+                  <a:t> </a:t>
+                </a:r>
+              </a:p>
+            </p:txBody>
+          </p:sp>
+        </mc:Fallback>
+      </mc:AlternateContent>
+      <mc:AlternateContent xmlns:mc="http://schemas.openxmlformats.org/markup-compatibility/2006">
+        <mc:Choice xmlns:a14="http://schemas.microsoft.com/office/drawing/2010/main" Requires="a14">
+          <p:sp>
+            <p:nvSpPr>
+              <p:cNvPr id="13" name="テキスト ボックス 12">
+                <a:extLst>
+                  <a:ext uri="{FF2B5EF4-FFF2-40B4-BE49-F238E27FC236}">
+                    <a16:creationId xmlns:a16="http://schemas.microsoft.com/office/drawing/2014/main" id="{81C4C97A-C474-FC72-6C98-882E692B48D6}"/>
+                  </a:ext>
+                </a:extLst>
+              </p:cNvPr>
+              <p:cNvSpPr txBox="1"/>
+              <p:nvPr/>
+            </p:nvSpPr>
+            <p:spPr>
+              <a:xfrm>
+                <a:off x="8382825" y="5854531"/>
+                <a:ext cx="1433533" cy="461665"/>
+              </a:xfrm>
+              <a:prstGeom prst="rect">
+                <a:avLst/>
+              </a:prstGeom>
+              <a:noFill/>
+            </p:spPr>
+            <p:txBody>
+              <a:bodyPr wrap="square" rtlCol="0">
+                <a:spAutoFit/>
+              </a:bodyPr>
+              <a:lstStyle/>
+              <a:p>
+                <a:pPr algn="l"/>
+                <a14:m>
+                  <m:oMathPara xmlns:m="http://schemas.openxmlformats.org/officeDocument/2006/math">
+                    <m:oMathParaPr>
+                      <m:jc m:val="centerGroup"/>
+                    </m:oMathParaPr>
+                    <m:oMath xmlns:m="http://schemas.openxmlformats.org/officeDocument/2006/math">
+                      <m:sSub>
+                        <m:sSubPr>
+                          <m:ctrlPr>
+                            <a:rPr kumimoji="1" lang="en-US" altLang="ja-JP" sz="2400" b="0" i="1" smtClean="0">
+                              <a:latin typeface="Cambria Math" panose="02040503050406030204" pitchFamily="18" charset="0"/>
+                            </a:rPr>
+                          </m:ctrlPr>
+                        </m:sSubPr>
+                        <m:e>
+                          <m:r>
+                            <a:rPr kumimoji="1" lang="en-US" altLang="ja-JP" sz="2400" b="0" i="1" smtClean="0">
+                              <a:latin typeface="Cambria Math" panose="02040503050406030204" pitchFamily="18" charset="0"/>
+                            </a:rPr>
+                            <m:t>𝑉</m:t>
+                          </m:r>
+                        </m:e>
+                        <m:sub>
+                          <m:r>
+                            <a:rPr kumimoji="1" lang="en-US" altLang="ja-JP" sz="2400" b="0" i="1" smtClean="0">
+                              <a:latin typeface="Cambria Math" panose="02040503050406030204" pitchFamily="18" charset="0"/>
+                            </a:rPr>
+                            <m:t>𝐶𝑇𝑅𝐿</m:t>
+                          </m:r>
+                        </m:sub>
+                      </m:sSub>
+                      <m:r>
+                        <a:rPr kumimoji="1" lang="en-US" altLang="ja-JP" sz="2400" b="0" i="1" smtClean="0">
+                          <a:latin typeface="Cambria Math" panose="02040503050406030204" pitchFamily="18" charset="0"/>
+                        </a:rPr>
+                        <m:t>−</m:t>
+                      </m:r>
+                    </m:oMath>
+                  </m:oMathPara>
+                </a14:m>
+                <a:endParaRPr kumimoji="1" lang="ja-JP" altLang="en-US" sz="2400" dirty="0"/>
+              </a:p>
+            </p:txBody>
+          </p:sp>
+        </mc:Choice>
+        <mc:Fallback>
+          <p:sp>
+            <p:nvSpPr>
+              <p:cNvPr id="13" name="テキスト ボックス 12">
+                <a:extLst>
+                  <a:ext uri="{FF2B5EF4-FFF2-40B4-BE49-F238E27FC236}">
+                    <a16:creationId xmlns:a16="http://schemas.microsoft.com/office/drawing/2014/main" id="{81C4C97A-C474-FC72-6C98-882E692B48D6}"/>
+                  </a:ext>
+                </a:extLst>
+              </p:cNvPr>
+              <p:cNvSpPr txBox="1">
+                <a:spLocks noRot="1" noChangeAspect="1" noMove="1" noResize="1" noEditPoints="1" noAdjustHandles="1" noChangeArrowheads="1" noChangeShapeType="1" noTextEdit="1"/>
+              </p:cNvSpPr>
+              <p:nvPr/>
+            </p:nvSpPr>
+            <p:spPr>
+              <a:xfrm>
+                <a:off x="8382825" y="5854531"/>
+                <a:ext cx="1433533" cy="461665"/>
+              </a:xfrm>
+              <a:prstGeom prst="rect">
+                <a:avLst/>
+              </a:prstGeom>
+              <a:blipFill>
+                <a:blip r:embed="rId10"/>
+                <a:stretch>
+                  <a:fillRect/>
+                </a:stretch>
+              </a:blipFill>
+            </p:spPr>
+            <p:txBody>
+              <a:bodyPr/>
+              <a:lstStyle/>
+              <a:p>
+                <a:r>
+                  <a:rPr lang="ja-JP" altLang="en-US">
+                    <a:noFill/>
+                  </a:rPr>
+                  <a:t> </a:t>
+                </a:r>
+              </a:p>
+            </p:txBody>
+          </p:sp>
+        </mc:Fallback>
+      </mc:AlternateContent>
+      <mc:AlternateContent xmlns:mc="http://schemas.openxmlformats.org/markup-compatibility/2006">
+        <mc:Choice xmlns:a14="http://schemas.microsoft.com/office/drawing/2010/main" Requires="a14">
+          <p:sp>
+            <p:nvSpPr>
+              <p:cNvPr id="14" name="テキスト ボックス 13">
+                <a:extLst>
+                  <a:ext uri="{FF2B5EF4-FFF2-40B4-BE49-F238E27FC236}">
+                    <a16:creationId xmlns:a16="http://schemas.microsoft.com/office/drawing/2014/main" id="{429C5704-F828-34E2-C1B3-46884B33DE99}"/>
+                  </a:ext>
+                </a:extLst>
+              </p:cNvPr>
+              <p:cNvSpPr txBox="1"/>
+              <p:nvPr/>
+            </p:nvSpPr>
+            <p:spPr>
+              <a:xfrm>
+                <a:off x="9743293" y="5854530"/>
+                <a:ext cx="1043709" cy="461665"/>
+              </a:xfrm>
+              <a:prstGeom prst="rect">
+                <a:avLst/>
+              </a:prstGeom>
+              <a:noFill/>
+            </p:spPr>
+            <p:txBody>
+              <a:bodyPr wrap="square" rtlCol="0">
+                <a:spAutoFit/>
+              </a:bodyPr>
+              <a:lstStyle/>
+              <a:p>
+                <a:pPr algn="l"/>
+                <a14:m>
+                  <m:oMathPara xmlns:m="http://schemas.openxmlformats.org/officeDocument/2006/math">
+                    <m:oMathParaPr>
+                      <m:jc m:val="centerGroup"/>
+                    </m:oMathParaPr>
+                    <m:oMath xmlns:m="http://schemas.openxmlformats.org/officeDocument/2006/math">
+                      <m:r>
+                        <a:rPr kumimoji="1" lang="en-US" altLang="ja-JP" sz="2400" b="0" i="1" smtClean="0">
+                          <a:latin typeface="Cambria Math" panose="02040503050406030204" pitchFamily="18" charset="0"/>
+                        </a:rPr>
+                        <m:t>𝐺𝑁𝐷</m:t>
+                      </m:r>
+                    </m:oMath>
+                  </m:oMathPara>
+                </a14:m>
+                <a:endParaRPr kumimoji="1" lang="ja-JP" altLang="en-US" sz="2400" dirty="0"/>
+              </a:p>
+            </p:txBody>
+          </p:sp>
+        </mc:Choice>
+        <mc:Fallback>
+          <p:sp>
+            <p:nvSpPr>
+              <p:cNvPr id="14" name="テキスト ボックス 13">
+                <a:extLst>
+                  <a:ext uri="{FF2B5EF4-FFF2-40B4-BE49-F238E27FC236}">
+                    <a16:creationId xmlns:a16="http://schemas.microsoft.com/office/drawing/2014/main" id="{429C5704-F828-34E2-C1B3-46884B33DE99}"/>
+                  </a:ext>
+                </a:extLst>
+              </p:cNvPr>
+              <p:cNvSpPr txBox="1">
+                <a:spLocks noRot="1" noChangeAspect="1" noMove="1" noResize="1" noEditPoints="1" noAdjustHandles="1" noChangeArrowheads="1" noChangeShapeType="1" noTextEdit="1"/>
+              </p:cNvSpPr>
+              <p:nvPr/>
+            </p:nvSpPr>
+            <p:spPr>
+              <a:xfrm>
+                <a:off x="9743293" y="5854530"/>
+                <a:ext cx="1043709" cy="461665"/>
+              </a:xfrm>
+              <a:prstGeom prst="rect">
+                <a:avLst/>
+              </a:prstGeom>
+              <a:blipFill>
+                <a:blip r:embed="rId11"/>
+                <a:stretch>
+                  <a:fillRect/>
+                </a:stretch>
+              </a:blipFill>
+            </p:spPr>
+            <p:txBody>
+              <a:bodyPr/>
+              <a:lstStyle/>
+              <a:p>
+                <a:r>
+                  <a:rPr lang="ja-JP" altLang="en-US">
+                    <a:noFill/>
+                  </a:rPr>
+                  <a:t> </a:t>
+                </a:r>
+              </a:p>
+            </p:txBody>
+          </p:sp>
+        </mc:Fallback>
+      </mc:AlternateContent>
+      <mc:AlternateContent xmlns:mc="http://schemas.openxmlformats.org/markup-compatibility/2006">
+        <mc:Choice xmlns:a14="http://schemas.microsoft.com/office/drawing/2010/main" Requires="a14">
+          <p:sp>
+            <p:nvSpPr>
+              <p:cNvPr id="15" name="テキスト ボックス 14">
+                <a:extLst>
+                  <a:ext uri="{FF2B5EF4-FFF2-40B4-BE49-F238E27FC236}">
+                    <a16:creationId xmlns:a16="http://schemas.microsoft.com/office/drawing/2014/main" id="{413C5E6C-8B27-2656-98A7-EB0855D26D04}"/>
+                  </a:ext>
+                </a:extLst>
+              </p:cNvPr>
+              <p:cNvSpPr txBox="1"/>
+              <p:nvPr/>
+            </p:nvSpPr>
+            <p:spPr>
+              <a:xfrm>
+                <a:off x="7350249" y="1252034"/>
+                <a:ext cx="1043709" cy="461665"/>
+              </a:xfrm>
+              <a:prstGeom prst="rect">
+                <a:avLst/>
+              </a:prstGeom>
+              <a:noFill/>
+            </p:spPr>
+            <p:txBody>
+              <a:bodyPr wrap="square" rtlCol="0">
+                <a:spAutoFit/>
+              </a:bodyPr>
+              <a:lstStyle/>
+              <a:p>
+                <a:pPr algn="l"/>
+                <a14:m>
+                  <m:oMathPara xmlns:m="http://schemas.openxmlformats.org/officeDocument/2006/math">
+                    <m:oMathParaPr>
+                      <m:jc m:val="centerGroup"/>
+                    </m:oMathParaPr>
+                    <m:oMath xmlns:m="http://schemas.openxmlformats.org/officeDocument/2006/math">
+                      <m:r>
+                        <a:rPr kumimoji="1" lang="en-US" altLang="ja-JP" sz="2400" b="0" i="1" smtClean="0">
+                          <a:latin typeface="Cambria Math" panose="02040503050406030204" pitchFamily="18" charset="0"/>
+                        </a:rPr>
+                        <m:t>𝐺𝑁𝐷</m:t>
+                      </m:r>
+                    </m:oMath>
+                  </m:oMathPara>
+                </a14:m>
+                <a:endParaRPr kumimoji="1" lang="ja-JP" altLang="en-US" sz="2400" dirty="0"/>
+              </a:p>
+            </p:txBody>
+          </p:sp>
+        </mc:Choice>
+        <mc:Fallback>
+          <p:sp>
+            <p:nvSpPr>
+              <p:cNvPr id="15" name="テキスト ボックス 14">
+                <a:extLst>
+                  <a:ext uri="{FF2B5EF4-FFF2-40B4-BE49-F238E27FC236}">
+                    <a16:creationId xmlns:a16="http://schemas.microsoft.com/office/drawing/2014/main" id="{413C5E6C-8B27-2656-98A7-EB0855D26D04}"/>
+                  </a:ext>
+                </a:extLst>
+              </p:cNvPr>
+              <p:cNvSpPr txBox="1">
+                <a:spLocks noRot="1" noChangeAspect="1" noMove="1" noResize="1" noEditPoints="1" noAdjustHandles="1" noChangeArrowheads="1" noChangeShapeType="1" noTextEdit="1"/>
+              </p:cNvSpPr>
+              <p:nvPr/>
+            </p:nvSpPr>
+            <p:spPr>
+              <a:xfrm>
+                <a:off x="7350249" y="1252034"/>
+                <a:ext cx="1043709" cy="461665"/>
+              </a:xfrm>
+              <a:prstGeom prst="rect">
+                <a:avLst/>
+              </a:prstGeom>
+              <a:blipFill>
+                <a:blip r:embed="rId12"/>
+                <a:stretch>
+                  <a:fillRect/>
+                </a:stretch>
+              </a:blipFill>
+            </p:spPr>
+            <p:txBody>
+              <a:bodyPr/>
+              <a:lstStyle/>
+              <a:p>
+                <a:r>
+                  <a:rPr lang="ja-JP" altLang="en-US">
+                    <a:noFill/>
+                  </a:rPr>
+                  <a:t> </a:t>
+                </a:r>
+              </a:p>
+            </p:txBody>
+          </p:sp>
+        </mc:Fallback>
+      </mc:AlternateContent>
+      <mc:AlternateContent xmlns:mc="http://schemas.openxmlformats.org/markup-compatibility/2006">
+        <mc:Choice xmlns:a14="http://schemas.microsoft.com/office/drawing/2010/main" Requires="a14">
+          <p:sp>
+            <p:nvSpPr>
+              <p:cNvPr id="16" name="テキスト ボックス 15">
+                <a:extLst>
+                  <a:ext uri="{FF2B5EF4-FFF2-40B4-BE49-F238E27FC236}">
+                    <a16:creationId xmlns:a16="http://schemas.microsoft.com/office/drawing/2014/main" id="{4CA6C36B-336B-1A3A-A92A-D855F290FAA3}"/>
+                  </a:ext>
+                </a:extLst>
+              </p:cNvPr>
+              <p:cNvSpPr txBox="1"/>
+              <p:nvPr/>
+            </p:nvSpPr>
+            <p:spPr>
+              <a:xfrm>
+                <a:off x="9743292" y="1230089"/>
+                <a:ext cx="1043709" cy="461665"/>
+              </a:xfrm>
+              <a:prstGeom prst="rect">
+                <a:avLst/>
+              </a:prstGeom>
+              <a:noFill/>
+            </p:spPr>
+            <p:txBody>
+              <a:bodyPr wrap="square" rtlCol="0">
+                <a:spAutoFit/>
+              </a:bodyPr>
+              <a:lstStyle/>
+              <a:p>
+                <a:pPr algn="l"/>
+                <a14:m>
+                  <m:oMathPara xmlns:m="http://schemas.openxmlformats.org/officeDocument/2006/math">
+                    <m:oMathParaPr>
+                      <m:jc m:val="centerGroup"/>
+                    </m:oMathParaPr>
+                    <m:oMath xmlns:m="http://schemas.openxmlformats.org/officeDocument/2006/math">
+                      <m:sSub>
+                        <m:sSubPr>
+                          <m:ctrlPr>
+                            <a:rPr kumimoji="1" lang="en-US" altLang="ja-JP" sz="2400" b="0" i="1" smtClean="0">
+                              <a:latin typeface="Cambria Math" panose="02040503050406030204" pitchFamily="18" charset="0"/>
+                            </a:rPr>
+                          </m:ctrlPr>
+                        </m:sSubPr>
+                        <m:e>
+                          <m:r>
+                            <a:rPr kumimoji="1" lang="en-US" altLang="ja-JP" sz="2400" b="0" i="1" smtClean="0">
+                              <a:latin typeface="Cambria Math" panose="02040503050406030204" pitchFamily="18" charset="0"/>
+                            </a:rPr>
+                            <m:t>𝑉</m:t>
+                          </m:r>
+                        </m:e>
+                        <m:sub>
+                          <m:r>
+                            <a:rPr kumimoji="1" lang="en-US" altLang="ja-JP" sz="2400" b="0" i="1" smtClean="0">
+                              <a:latin typeface="Cambria Math" panose="02040503050406030204" pitchFamily="18" charset="0"/>
+                            </a:rPr>
+                            <m:t>𝑑𝑑</m:t>
+                          </m:r>
+                        </m:sub>
+                      </m:sSub>
+                    </m:oMath>
+                  </m:oMathPara>
+                </a14:m>
+                <a:endParaRPr kumimoji="1" lang="ja-JP" altLang="en-US" sz="2400" dirty="0"/>
+              </a:p>
+            </p:txBody>
+          </p:sp>
+        </mc:Choice>
+        <mc:Fallback>
+          <p:sp>
+            <p:nvSpPr>
+              <p:cNvPr id="16" name="テキスト ボックス 15">
+                <a:extLst>
+                  <a:ext uri="{FF2B5EF4-FFF2-40B4-BE49-F238E27FC236}">
+                    <a16:creationId xmlns:a16="http://schemas.microsoft.com/office/drawing/2014/main" id="{4CA6C36B-336B-1A3A-A92A-D855F290FAA3}"/>
+                  </a:ext>
+                </a:extLst>
+              </p:cNvPr>
+              <p:cNvSpPr txBox="1">
+                <a:spLocks noRot="1" noChangeAspect="1" noMove="1" noResize="1" noEditPoints="1" noAdjustHandles="1" noChangeArrowheads="1" noChangeShapeType="1" noTextEdit="1"/>
+              </p:cNvSpPr>
+              <p:nvPr/>
+            </p:nvSpPr>
+            <p:spPr>
+              <a:xfrm>
+                <a:off x="9743292" y="1230089"/>
+                <a:ext cx="1043709" cy="461665"/>
+              </a:xfrm>
+              <a:prstGeom prst="rect">
+                <a:avLst/>
+              </a:prstGeom>
+              <a:blipFill>
+                <a:blip r:embed="rId13"/>
+                <a:stretch>
+                  <a:fillRect/>
+                </a:stretch>
+              </a:blipFill>
+            </p:spPr>
+            <p:txBody>
+              <a:bodyPr/>
+              <a:lstStyle/>
+              <a:p>
+                <a:r>
+                  <a:rPr lang="ja-JP" altLang="en-US">
+                    <a:noFill/>
+                  </a:rPr>
+                  <a:t> </a:t>
+                </a:r>
+              </a:p>
+            </p:txBody>
+          </p:sp>
+        </mc:Fallback>
+      </mc:AlternateContent>
+      <mc:AlternateContent xmlns:mc="http://schemas.openxmlformats.org/markup-compatibility/2006">
+        <mc:Choice xmlns:a14="http://schemas.microsoft.com/office/drawing/2010/main" Requires="a14">
+          <p:sp>
+            <p:nvSpPr>
+              <p:cNvPr id="17" name="テキスト ボックス 16">
+                <a:extLst>
+                  <a:ext uri="{FF2B5EF4-FFF2-40B4-BE49-F238E27FC236}">
+                    <a16:creationId xmlns:a16="http://schemas.microsoft.com/office/drawing/2014/main" id="{7D660250-D45B-9B23-AF4E-7E036DD078B3}"/>
+                  </a:ext>
+                </a:extLst>
+              </p:cNvPr>
+              <p:cNvSpPr txBox="1"/>
+              <p:nvPr/>
+            </p:nvSpPr>
+            <p:spPr>
+              <a:xfrm>
+                <a:off x="8393958" y="1230090"/>
+                <a:ext cx="1433533" cy="461665"/>
+              </a:xfrm>
+              <a:prstGeom prst="rect">
+                <a:avLst/>
+              </a:prstGeom>
+              <a:noFill/>
+            </p:spPr>
+            <p:txBody>
+              <a:bodyPr wrap="square" rtlCol="0">
+                <a:spAutoFit/>
+              </a:bodyPr>
+              <a:lstStyle/>
+              <a:p>
+                <a:pPr algn="l"/>
+                <a14:m>
+                  <m:oMathPara xmlns:m="http://schemas.openxmlformats.org/officeDocument/2006/math">
+                    <m:oMathParaPr>
+                      <m:jc m:val="centerGroup"/>
+                    </m:oMathParaPr>
+                    <m:oMath xmlns:m="http://schemas.openxmlformats.org/officeDocument/2006/math">
+                      <m:sSub>
+                        <m:sSubPr>
+                          <m:ctrlPr>
+                            <a:rPr kumimoji="1" lang="en-US" altLang="ja-JP" sz="2400" b="0" i="1" smtClean="0">
+                              <a:latin typeface="Cambria Math" panose="02040503050406030204" pitchFamily="18" charset="0"/>
+                            </a:rPr>
+                          </m:ctrlPr>
+                        </m:sSubPr>
+                        <m:e>
+                          <m:r>
+                            <a:rPr kumimoji="1" lang="en-US" altLang="ja-JP" sz="2400" b="0" i="1" smtClean="0">
+                              <a:latin typeface="Cambria Math" panose="02040503050406030204" pitchFamily="18" charset="0"/>
+                            </a:rPr>
+                            <m:t>𝑉</m:t>
+                          </m:r>
+                        </m:e>
+                        <m:sub>
+                          <m:r>
+                            <a:rPr kumimoji="1" lang="en-US" altLang="ja-JP" sz="2400" b="0" i="1" smtClean="0">
+                              <a:latin typeface="Cambria Math" panose="02040503050406030204" pitchFamily="18" charset="0"/>
+                            </a:rPr>
+                            <m:t>𝐶𝑇𝑅𝐿</m:t>
+                          </m:r>
+                        </m:sub>
+                      </m:sSub>
+                      <m:r>
+                        <a:rPr kumimoji="1" lang="en-US" altLang="ja-JP" sz="2400" b="0" i="1" smtClean="0">
+                          <a:latin typeface="Cambria Math" panose="02040503050406030204" pitchFamily="18" charset="0"/>
+                        </a:rPr>
+                        <m:t>+</m:t>
+                      </m:r>
+                    </m:oMath>
+                  </m:oMathPara>
+                </a14:m>
+                <a:endParaRPr kumimoji="1" lang="ja-JP" altLang="en-US" sz="2400" dirty="0"/>
+              </a:p>
+            </p:txBody>
+          </p:sp>
+        </mc:Choice>
+        <mc:Fallback>
+          <p:sp>
+            <p:nvSpPr>
+              <p:cNvPr id="17" name="テキスト ボックス 16">
+                <a:extLst>
+                  <a:ext uri="{FF2B5EF4-FFF2-40B4-BE49-F238E27FC236}">
+                    <a16:creationId xmlns:a16="http://schemas.microsoft.com/office/drawing/2014/main" id="{7D660250-D45B-9B23-AF4E-7E036DD078B3}"/>
+                  </a:ext>
+                </a:extLst>
+              </p:cNvPr>
+              <p:cNvSpPr txBox="1">
+                <a:spLocks noRot="1" noChangeAspect="1" noMove="1" noResize="1" noEditPoints="1" noAdjustHandles="1" noChangeArrowheads="1" noChangeShapeType="1" noTextEdit="1"/>
+              </p:cNvSpPr>
+              <p:nvPr/>
+            </p:nvSpPr>
+            <p:spPr>
+              <a:xfrm>
+                <a:off x="8393958" y="1230090"/>
+                <a:ext cx="1433533" cy="461665"/>
+              </a:xfrm>
+              <a:prstGeom prst="rect">
+                <a:avLst/>
+              </a:prstGeom>
+              <a:blipFill>
+                <a:blip r:embed="rId14"/>
+                <a:stretch>
+                  <a:fillRect/>
+                </a:stretch>
+              </a:blipFill>
+            </p:spPr>
+            <p:txBody>
+              <a:bodyPr/>
+              <a:lstStyle/>
+              <a:p>
+                <a:r>
+                  <a:rPr lang="ja-JP" altLang="en-US">
+                    <a:noFill/>
+                  </a:rPr>
+                  <a:t> </a:t>
+                </a:r>
+              </a:p>
+            </p:txBody>
+          </p:sp>
+        </mc:Fallback>
+      </mc:AlternateContent>
+      <mc:AlternateContent xmlns:mc="http://schemas.openxmlformats.org/markup-compatibility/2006">
+        <mc:Choice xmlns:a14="http://schemas.microsoft.com/office/drawing/2010/main" Requires="a14">
+          <p:sp>
+            <p:nvSpPr>
+              <p:cNvPr id="18" name="テキスト ボックス 17">
+                <a:extLst>
+                  <a:ext uri="{FF2B5EF4-FFF2-40B4-BE49-F238E27FC236}">
+                    <a16:creationId xmlns:a16="http://schemas.microsoft.com/office/drawing/2014/main" id="{50BBB37E-4F24-8362-75A4-B2BF8BCAD6A2}"/>
+                  </a:ext>
+                </a:extLst>
+              </p:cNvPr>
+              <p:cNvSpPr txBox="1"/>
+              <p:nvPr/>
+            </p:nvSpPr>
+            <p:spPr>
+              <a:xfrm>
+                <a:off x="6241885" y="1252034"/>
+                <a:ext cx="1043709" cy="461665"/>
+              </a:xfrm>
+              <a:prstGeom prst="rect">
+                <a:avLst/>
+              </a:prstGeom>
+              <a:noFill/>
+            </p:spPr>
+            <p:txBody>
+              <a:bodyPr wrap="square" rtlCol="0">
+                <a:spAutoFit/>
+              </a:bodyPr>
+              <a:lstStyle/>
+              <a:p>
+                <a:pPr algn="l"/>
+                <a14:m>
+                  <m:oMathPara xmlns:m="http://schemas.openxmlformats.org/officeDocument/2006/math">
+                    <m:oMathParaPr>
+                      <m:jc m:val="centerGroup"/>
+                    </m:oMathParaPr>
+                    <m:oMath xmlns:m="http://schemas.openxmlformats.org/officeDocument/2006/math">
+                      <m:sSub>
+                        <m:sSubPr>
+                          <m:ctrlPr>
+                            <a:rPr kumimoji="1" lang="en-US" altLang="ja-JP" sz="2400" b="0" i="1" smtClean="0">
+                              <a:latin typeface="Cambria Math" panose="02040503050406030204" pitchFamily="18" charset="0"/>
+                            </a:rPr>
+                          </m:ctrlPr>
+                        </m:sSubPr>
+                        <m:e>
+                          <m:r>
+                            <a:rPr kumimoji="1" lang="en-US" altLang="ja-JP" sz="2400" b="0" i="1" smtClean="0">
+                              <a:latin typeface="Cambria Math" panose="02040503050406030204" pitchFamily="18" charset="0"/>
+                            </a:rPr>
+                            <m:t>𝑉</m:t>
+                          </m:r>
+                        </m:e>
+                        <m:sub>
+                          <m:r>
+                            <a:rPr kumimoji="1" lang="en-US" altLang="ja-JP" sz="2400" b="0" i="1" smtClean="0">
+                              <a:latin typeface="Cambria Math" panose="02040503050406030204" pitchFamily="18" charset="0"/>
+                            </a:rPr>
+                            <m:t>𝑈</m:t>
+                          </m:r>
+                        </m:sub>
+                      </m:sSub>
+                    </m:oMath>
+                  </m:oMathPara>
+                </a14:m>
+                <a:endParaRPr kumimoji="1" lang="ja-JP" altLang="en-US" sz="2400" dirty="0"/>
+              </a:p>
+            </p:txBody>
+          </p:sp>
+        </mc:Choice>
+        <mc:Fallback>
+          <p:sp>
+            <p:nvSpPr>
+              <p:cNvPr id="18" name="テキスト ボックス 17">
+                <a:extLst>
+                  <a:ext uri="{FF2B5EF4-FFF2-40B4-BE49-F238E27FC236}">
+                    <a16:creationId xmlns:a16="http://schemas.microsoft.com/office/drawing/2014/main" id="{50BBB37E-4F24-8362-75A4-B2BF8BCAD6A2}"/>
+                  </a:ext>
+                </a:extLst>
+              </p:cNvPr>
+              <p:cNvSpPr txBox="1">
+                <a:spLocks noRot="1" noChangeAspect="1" noMove="1" noResize="1" noEditPoints="1" noAdjustHandles="1" noChangeArrowheads="1" noChangeShapeType="1" noTextEdit="1"/>
+              </p:cNvSpPr>
+              <p:nvPr/>
+            </p:nvSpPr>
+            <p:spPr>
+              <a:xfrm>
+                <a:off x="6241885" y="1252034"/>
+                <a:ext cx="1043709" cy="461665"/>
+              </a:xfrm>
+              <a:prstGeom prst="rect">
+                <a:avLst/>
+              </a:prstGeom>
+              <a:blipFill>
+                <a:blip r:embed="rId15"/>
+                <a:stretch>
+                  <a:fillRect/>
+                </a:stretch>
+              </a:blipFill>
+            </p:spPr>
+            <p:txBody>
+              <a:bodyPr/>
+              <a:lstStyle/>
+              <a:p>
+                <a:r>
+                  <a:rPr lang="ja-JP" altLang="en-US">
+                    <a:noFill/>
+                  </a:rPr>
+                  <a:t> </a:t>
+                </a:r>
+              </a:p>
+            </p:txBody>
+          </p:sp>
+        </mc:Fallback>
+      </mc:AlternateContent>
+      <p:sp>
+        <p:nvSpPr>
+          <p:cNvPr id="19" name="日付プレースホルダー 18">
+            <a:extLst>
+              <a:ext uri="{FF2B5EF4-FFF2-40B4-BE49-F238E27FC236}">
+                <a16:creationId xmlns:a16="http://schemas.microsoft.com/office/drawing/2014/main" id="{3D33F294-D1C1-0C0A-0EEC-CA40550A9C0D}"/>
+              </a:ext>
+            </a:extLst>
+          </p:cNvPr>
+          <p:cNvSpPr>
+            <a:spLocks noGrp="1"/>
+          </p:cNvSpPr>
+          <p:nvPr>
+            <p:ph type="dt" sz="half" idx="10"/>
+          </p:nvPr>
+        </p:nvSpPr>
+        <p:spPr/>
+        <p:txBody>
+          <a:bodyPr/>
+          <a:lstStyle/>
+          <a:p>
+            <a:fld id="{FD0D0F75-6B08-44BD-8A50-4B4F7B18D98B}" type="datetime1">
+              <a:rPr kumimoji="1" lang="ja-JP" altLang="en-US" smtClean="0"/>
+              <a:t>2024/1/15</a:t>
+            </a:fld>
+            <a:endParaRPr kumimoji="1" lang="ja-JP" altLang="en-US"/>
+          </a:p>
+        </p:txBody>
+      </p:sp>
+      <p:sp>
+        <p:nvSpPr>
+          <p:cNvPr id="20" name="スライド番号プレースホルダー 19">
+            <a:extLst>
+              <a:ext uri="{FF2B5EF4-FFF2-40B4-BE49-F238E27FC236}">
+                <a16:creationId xmlns:a16="http://schemas.microsoft.com/office/drawing/2014/main" id="{E6D4FE81-A785-E45E-2550-347C5EE964A8}"/>
+              </a:ext>
+            </a:extLst>
+          </p:cNvPr>
+          <p:cNvSpPr>
+            <a:spLocks noGrp="1"/>
+          </p:cNvSpPr>
+          <p:nvPr>
+            <p:ph type="sldNum" sz="quarter" idx="12"/>
+          </p:nvPr>
+        </p:nvSpPr>
+        <p:spPr/>
+        <p:txBody>
+          <a:bodyPr/>
+          <a:lstStyle/>
+          <a:p>
+            <a:fld id="{6294761A-CFE9-4878-87A7-90ECABD59CE5}" type="slidenum">
+              <a:rPr kumimoji="1" lang="ja-JP" altLang="en-US" smtClean="0"/>
+              <a:t>6</a:t>
+            </a:fld>
+            <a:endParaRPr kumimoji="1" lang="ja-JP" altLang="en-US"/>
+          </a:p>
+        </p:txBody>
+      </p:sp>
+    </p:spTree>
+    <p:extLst>
+      <p:ext uri="{BB962C8B-B14F-4D97-AF65-F5344CB8AC3E}">
+        <p14:creationId xmlns:p14="http://schemas.microsoft.com/office/powerpoint/2010/main" val="1522115878"/>
+      </p:ext>
+    </p:extLst>
+  </p:cSld>
+  <p:clrMapOvr>
+    <a:masterClrMapping/>
+  </p:clrMapOvr>
+</p:sld>
+</file>
+
+<file path=ppt/slides/slide7.xml><?xml version="1.0" encoding="utf-8"?>
+<p:sld xmlns:a="http://schemas.openxmlformats.org/drawingml/2006/main" xmlns:r="http://schemas.openxmlformats.org/officeDocument/2006/relationships" xmlns:p="http://schemas.openxmlformats.org/presentationml/2006/main">
+  <p:cSld>
+    <p:spTree>
+      <p:nvGrpSpPr>
+        <p:cNvPr id="1" name=""/>
+        <p:cNvGrpSpPr/>
+        <p:nvPr/>
+      </p:nvGrpSpPr>
+      <p:grpSpPr>
+        <a:xfrm>
+          <a:off x="0" y="0"/>
+          <a:ext cx="0" cy="0"/>
+          <a:chOff x="0" y="0"/>
+          <a:chExt cx="0" cy="0"/>
+        </a:xfrm>
+      </p:grpSpPr>
+      <p:sp>
+        <p:nvSpPr>
+          <p:cNvPr id="2" name="タイトル 1">
+            <a:extLst>
+              <a:ext uri="{FF2B5EF4-FFF2-40B4-BE49-F238E27FC236}">
+                <a16:creationId xmlns:a16="http://schemas.microsoft.com/office/drawing/2014/main" id="{E208DEE2-5723-7CFA-AAFD-A10AFC9080B1}"/>
+              </a:ext>
+            </a:extLst>
+          </p:cNvPr>
+          <p:cNvSpPr>
+            <a:spLocks noGrp="1"/>
+          </p:cNvSpPr>
+          <p:nvPr>
+            <p:ph type="title"/>
+          </p:nvPr>
+        </p:nvSpPr>
+        <p:spPr/>
+        <p:txBody>
+          <a:bodyPr/>
+          <a:lstStyle/>
+          <a:p>
+            <a:r>
+              <a:rPr kumimoji="1" lang="ja-JP" altLang="en-US" dirty="0"/>
+              <a:t>フロアプラン</a:t>
+            </a:r>
+          </a:p>
+        </p:txBody>
+      </p:sp>
+      <p:sp>
+        <p:nvSpPr>
+          <p:cNvPr id="3" name="フッター プレースホルダー 2">
+            <a:extLst>
+              <a:ext uri="{FF2B5EF4-FFF2-40B4-BE49-F238E27FC236}">
+                <a16:creationId xmlns:a16="http://schemas.microsoft.com/office/drawing/2014/main" id="{02371F94-E64B-795A-059A-DFEBD07595AC}"/>
+              </a:ext>
+            </a:extLst>
+          </p:cNvPr>
+          <p:cNvSpPr>
+            <a:spLocks noGrp="1"/>
+          </p:cNvSpPr>
+          <p:nvPr>
+            <p:ph type="ftr" sz="quarter" idx="3"/>
+          </p:nvPr>
+        </p:nvSpPr>
+        <p:spPr/>
+        <p:txBody>
+          <a:bodyPr/>
+          <a:lstStyle/>
+          <a:p>
+            <a:r>
+              <a:rPr lang="en-US" altLang="ja-JP"/>
+              <a:t>Wave Signal Processing Circuit Laboratory,  Meiji University</a:t>
+            </a:r>
+            <a:endParaRPr lang="en-US" altLang="ja-JP" dirty="0"/>
+          </a:p>
+        </p:txBody>
+      </p:sp>
+      <p:sp>
+        <p:nvSpPr>
+          <p:cNvPr id="6" name="テキスト ボックス 5">
+            <a:extLst>
+              <a:ext uri="{FF2B5EF4-FFF2-40B4-BE49-F238E27FC236}">
+                <a16:creationId xmlns:a16="http://schemas.microsoft.com/office/drawing/2014/main" id="{921CD96C-D4CB-BCB4-6219-BDDE99C7F72B}"/>
+              </a:ext>
+            </a:extLst>
+          </p:cNvPr>
+          <p:cNvSpPr txBox="1"/>
+          <p:nvPr/>
+        </p:nvSpPr>
+        <p:spPr>
+          <a:xfrm>
+            <a:off x="6216072" y="2160520"/>
+            <a:ext cx="5172365" cy="3416320"/>
+          </a:xfrm>
+          <a:prstGeom prst="rect">
+            <a:avLst/>
+          </a:prstGeom>
+          <a:noFill/>
+        </p:spPr>
+        <p:txBody>
+          <a:bodyPr wrap="square" rtlCol="0">
+            <a:spAutoFit/>
+          </a:bodyPr>
+          <a:lstStyle/>
+          <a:p>
+            <a:pPr algn="l"/>
+            <a:r>
+              <a:rPr kumimoji="1" lang="ja-JP" altLang="en-US" sz="2400" dirty="0"/>
+              <a:t>信号は</a:t>
+            </a:r>
+            <a:r>
+              <a:rPr kumimoji="1" lang="en-US" altLang="ja-JP" sz="2400" dirty="0"/>
+              <a:t>GND</a:t>
+            </a:r>
+            <a:r>
+              <a:rPr kumimoji="1" lang="ja-JP" altLang="en-US" sz="2400" dirty="0"/>
+              <a:t>と電源で挟む。</a:t>
+            </a:r>
+            <a:endParaRPr kumimoji="1" lang="en-US" altLang="ja-JP" sz="2400" dirty="0"/>
+          </a:p>
+          <a:p>
+            <a:pPr algn="l"/>
+            <a:r>
+              <a:rPr kumimoji="1" lang="ja-JP" altLang="en-US" sz="2400" dirty="0"/>
+              <a:t>信号</a:t>
+            </a:r>
+            <a:r>
+              <a:rPr lang="ja-JP" altLang="en-US" sz="2400" dirty="0"/>
+              <a:t>路長をなるべく揃えるため角の対称的な位置に入出力を配置。</a:t>
+            </a:r>
+            <a:endParaRPr lang="en-US" altLang="ja-JP" sz="2400" dirty="0"/>
+          </a:p>
+          <a:p>
+            <a:pPr algn="l"/>
+            <a:endParaRPr kumimoji="1" lang="en-US" altLang="ja-JP" sz="2400" dirty="0"/>
+          </a:p>
+          <a:p>
+            <a:pPr algn="l"/>
+            <a:r>
+              <a:rPr kumimoji="1" lang="en-US" altLang="ja-JP" sz="2400" dirty="0"/>
+              <a:t>PCB</a:t>
+            </a:r>
+            <a:r>
+              <a:rPr kumimoji="1" lang="ja-JP" altLang="en-US" sz="2400" dirty="0"/>
+              <a:t>測定用乗算器と</a:t>
+            </a:r>
+            <a:r>
+              <a:rPr kumimoji="1" lang="en-US" altLang="ja-JP" sz="2400" dirty="0"/>
+              <a:t>TEG</a:t>
+            </a:r>
+            <a:r>
+              <a:rPr kumimoji="1" lang="ja-JP" altLang="en-US" sz="2400" dirty="0"/>
+              <a:t>では低周波で測定することを想定し、マッチングの取れた線路は使わずに配線。</a:t>
+            </a:r>
+            <a:endParaRPr kumimoji="1" lang="en-US" altLang="ja-JP" sz="2400" dirty="0"/>
+          </a:p>
+          <a:p>
+            <a:pPr algn="l"/>
+            <a:r>
+              <a:rPr kumimoji="1" lang="ja-JP" altLang="en-US" sz="2400" dirty="0"/>
+              <a:t>針測定用乗算器の入出力</a:t>
+            </a:r>
+            <a:r>
+              <a:rPr lang="ja-JP" altLang="en-US" sz="2400" dirty="0"/>
+              <a:t>は線路を使って配線。</a:t>
+            </a:r>
+            <a:endParaRPr kumimoji="1" lang="en-US" altLang="ja-JP" sz="2400" dirty="0"/>
+          </a:p>
+        </p:txBody>
+      </p:sp>
+      <p:sp>
+        <p:nvSpPr>
+          <p:cNvPr id="7" name="日付プレースホルダー 6">
+            <a:extLst>
+              <a:ext uri="{FF2B5EF4-FFF2-40B4-BE49-F238E27FC236}">
+                <a16:creationId xmlns:a16="http://schemas.microsoft.com/office/drawing/2014/main" id="{59023171-F787-48D0-8CBB-6DBEC5930F23}"/>
+              </a:ext>
+            </a:extLst>
+          </p:cNvPr>
+          <p:cNvSpPr>
+            <a:spLocks noGrp="1"/>
+          </p:cNvSpPr>
+          <p:nvPr>
+            <p:ph type="dt" sz="half" idx="10"/>
+          </p:nvPr>
+        </p:nvSpPr>
+        <p:spPr/>
+        <p:txBody>
+          <a:bodyPr/>
+          <a:lstStyle/>
+          <a:p>
+            <a:fld id="{62D53DEB-66E6-4E4C-85F4-CB503B3CA55C}" type="datetime1">
+              <a:rPr kumimoji="1" lang="ja-JP" altLang="en-US" smtClean="0"/>
+              <a:t>2024/1/15</a:t>
+            </a:fld>
+            <a:endParaRPr kumimoji="1" lang="ja-JP" altLang="en-US"/>
+          </a:p>
+        </p:txBody>
+      </p:sp>
+      <p:sp>
+        <p:nvSpPr>
+          <p:cNvPr id="8" name="スライド番号プレースホルダー 7">
+            <a:extLst>
+              <a:ext uri="{FF2B5EF4-FFF2-40B4-BE49-F238E27FC236}">
+                <a16:creationId xmlns:a16="http://schemas.microsoft.com/office/drawing/2014/main" id="{CC647A01-8DD3-3DC6-F66E-072DE6201210}"/>
+              </a:ext>
+            </a:extLst>
+          </p:cNvPr>
+          <p:cNvSpPr>
+            <a:spLocks noGrp="1"/>
+          </p:cNvSpPr>
+          <p:nvPr>
+            <p:ph type="sldNum" sz="quarter" idx="12"/>
+          </p:nvPr>
+        </p:nvSpPr>
+        <p:spPr/>
+        <p:txBody>
+          <a:bodyPr/>
+          <a:lstStyle/>
+          <a:p>
+            <a:fld id="{6294761A-CFE9-4878-87A7-90ECABD59CE5}" type="slidenum">
+              <a:rPr kumimoji="1" lang="ja-JP" altLang="en-US" smtClean="0"/>
+              <a:t>7</a:t>
+            </a:fld>
+            <a:endParaRPr kumimoji="1" lang="ja-JP" altLang="en-US"/>
+          </a:p>
+        </p:txBody>
+      </p:sp>
+      <p:pic>
+        <p:nvPicPr>
+          <p:cNvPr id="10" name="図 9" descr="テキスト が含まれている画像&#10;&#10;自動的に生成された説明">
+            <a:extLst>
+              <a:ext uri="{FF2B5EF4-FFF2-40B4-BE49-F238E27FC236}">
+                <a16:creationId xmlns:a16="http://schemas.microsoft.com/office/drawing/2014/main" id="{3EEBDA8E-7A56-0505-816E-12FA9464E447}"/>
+              </a:ext>
+            </a:extLst>
+          </p:cNvPr>
+          <p:cNvPicPr>
+            <a:picLocks noChangeAspect="1"/>
+          </p:cNvPicPr>
+          <p:nvPr/>
+        </p:nvPicPr>
+        <p:blipFill>
+          <a:blip r:embed="rId2">
+            <a:extLst>
+              <a:ext uri="{28A0092B-C50C-407E-A947-70E740481C1C}">
+                <a14:useLocalDpi xmlns:a14="http://schemas.microsoft.com/office/drawing/2010/main" val="0"/>
+              </a:ext>
+            </a:extLst>
+          </a:blip>
+          <a:stretch>
+            <a:fillRect/>
+          </a:stretch>
+        </p:blipFill>
+        <p:spPr>
+          <a:xfrm>
+            <a:off x="215692" y="1088444"/>
+            <a:ext cx="5578764" cy="5530532"/>
+          </a:xfrm>
+          <a:prstGeom prst="rect">
+            <a:avLst/>
+          </a:prstGeom>
+        </p:spPr>
+      </p:pic>
+    </p:spTree>
+    <p:extLst>
+      <p:ext uri="{BB962C8B-B14F-4D97-AF65-F5344CB8AC3E}">
+        <p14:creationId xmlns:p14="http://schemas.microsoft.com/office/powerpoint/2010/main" val="3296695066"/>
+      </p:ext>
+    </p:extLst>
+  </p:cSld>
+  <p:clrMapOvr>
+    <a:masterClrMapping/>
+  </p:clrMapOvr>
+</p:sld>
+</file>
+
+<file path=ppt/slides/slide8.xml><?xml version="1.0" encoding="utf-8"?>
+<p:sld xmlns:a="http://schemas.openxmlformats.org/drawingml/2006/main" xmlns:r="http://schemas.openxmlformats.org/officeDocument/2006/relationships" xmlns:p="http://schemas.openxmlformats.org/presentationml/2006/main">
+  <p:cSld>
+    <p:spTree>
+      <p:nvGrpSpPr>
+        <p:cNvPr id="1" name=""/>
+        <p:cNvGrpSpPr/>
+        <p:nvPr/>
+      </p:nvGrpSpPr>
+      <p:grpSpPr>
+        <a:xfrm>
+          <a:off x="0" y="0"/>
+          <a:ext cx="0" cy="0"/>
+          <a:chOff x="0" y="0"/>
+          <a:chExt cx="0" cy="0"/>
+        </a:xfrm>
+      </p:grpSpPr>
+      <p:sp>
+        <p:nvSpPr>
+          <p:cNvPr id="2" name="タイトル 1">
+            <a:extLst>
+              <a:ext uri="{FF2B5EF4-FFF2-40B4-BE49-F238E27FC236}">
+                <a16:creationId xmlns:a16="http://schemas.microsoft.com/office/drawing/2014/main" id="{AE48A0E0-9B3F-A7FC-79AF-391DFF1430D7}"/>
+              </a:ext>
+            </a:extLst>
+          </p:cNvPr>
+          <p:cNvSpPr>
+            <a:spLocks noGrp="1"/>
+          </p:cNvSpPr>
+          <p:nvPr>
+            <p:ph type="title"/>
+          </p:nvPr>
+        </p:nvSpPr>
+        <p:spPr/>
+        <p:txBody>
+          <a:bodyPr/>
+          <a:lstStyle/>
+          <a:p>
+            <a:r>
+              <a:rPr kumimoji="1" lang="ja-JP" altLang="en-US" dirty="0"/>
+              <a:t>まとめ</a:t>
+            </a:r>
+          </a:p>
+        </p:txBody>
+      </p:sp>
+      <p:sp>
+        <p:nvSpPr>
+          <p:cNvPr id="3" name="日付プレースホルダー 2">
+            <a:extLst>
+              <a:ext uri="{FF2B5EF4-FFF2-40B4-BE49-F238E27FC236}">
+                <a16:creationId xmlns:a16="http://schemas.microsoft.com/office/drawing/2014/main" id="{0FBFEB34-8D37-DD76-2A87-875C9B563059}"/>
+              </a:ext>
+            </a:extLst>
+          </p:cNvPr>
+          <p:cNvSpPr>
+            <a:spLocks noGrp="1"/>
+          </p:cNvSpPr>
+          <p:nvPr>
+            <p:ph type="dt" sz="half" idx="10"/>
+          </p:nvPr>
+        </p:nvSpPr>
+        <p:spPr/>
+        <p:txBody>
+          <a:bodyPr/>
+          <a:lstStyle/>
+          <a:p>
+            <a:fld id="{8A33F9E7-EB83-4C77-8FC6-29C51AC1DB08}" type="datetime1">
+              <a:rPr kumimoji="1" lang="ja-JP" altLang="en-US" smtClean="0"/>
+              <a:t>2024/1/15</a:t>
+            </a:fld>
+            <a:endParaRPr kumimoji="1" lang="ja-JP" altLang="en-US"/>
+          </a:p>
+        </p:txBody>
+      </p:sp>
+      <p:sp>
+        <p:nvSpPr>
+          <p:cNvPr id="4" name="スライド番号プレースホルダー 3">
+            <a:extLst>
+              <a:ext uri="{FF2B5EF4-FFF2-40B4-BE49-F238E27FC236}">
+                <a16:creationId xmlns:a16="http://schemas.microsoft.com/office/drawing/2014/main" id="{02326A41-632D-5DCA-6060-F87AAEF88F26}"/>
+              </a:ext>
+            </a:extLst>
+          </p:cNvPr>
+          <p:cNvSpPr>
+            <a:spLocks noGrp="1"/>
+          </p:cNvSpPr>
+          <p:nvPr>
+            <p:ph type="sldNum" sz="quarter" idx="12"/>
+          </p:nvPr>
+        </p:nvSpPr>
+        <p:spPr/>
+        <p:txBody>
+          <a:bodyPr/>
+          <a:lstStyle/>
+          <a:p>
+            <a:fld id="{6294761A-CFE9-4878-87A7-90ECABD59CE5}" type="slidenum">
+              <a:rPr kumimoji="1" lang="ja-JP" altLang="en-US" smtClean="0"/>
+              <a:t>8</a:t>
+            </a:fld>
+            <a:endParaRPr kumimoji="1" lang="ja-JP" altLang="en-US"/>
+          </a:p>
+        </p:txBody>
+      </p:sp>
+      <p:sp>
+        <p:nvSpPr>
+          <p:cNvPr id="5" name="フッター プレースホルダー 4">
+            <a:extLst>
+              <a:ext uri="{FF2B5EF4-FFF2-40B4-BE49-F238E27FC236}">
+                <a16:creationId xmlns:a16="http://schemas.microsoft.com/office/drawing/2014/main" id="{98C48C72-ACFE-C037-733C-7F961C397854}"/>
+              </a:ext>
+            </a:extLst>
+          </p:cNvPr>
+          <p:cNvSpPr>
+            <a:spLocks noGrp="1"/>
+          </p:cNvSpPr>
+          <p:nvPr>
+            <p:ph type="ftr" sz="quarter" idx="3"/>
+          </p:nvPr>
+        </p:nvSpPr>
+        <p:spPr/>
+        <p:txBody>
+          <a:bodyPr/>
+          <a:lstStyle/>
+          <a:p>
+            <a:r>
+              <a:rPr lang="en-US" altLang="ja-JP"/>
+              <a:t>Wave Signal Processing Circuit Laboratory,  Meiji University</a:t>
+            </a:r>
+            <a:endParaRPr lang="en-US" altLang="ja-JP" dirty="0"/>
+          </a:p>
+        </p:txBody>
+      </p:sp>
+      <p:sp>
+        <p:nvSpPr>
+          <p:cNvPr id="6" name="テキスト ボックス 5">
+            <a:extLst>
+              <a:ext uri="{FF2B5EF4-FFF2-40B4-BE49-F238E27FC236}">
+                <a16:creationId xmlns:a16="http://schemas.microsoft.com/office/drawing/2014/main" id="{CDDA614C-0FDA-469C-8339-08D475E0F688}"/>
+              </a:ext>
+            </a:extLst>
+          </p:cNvPr>
+          <p:cNvSpPr txBox="1"/>
+          <p:nvPr/>
+        </p:nvSpPr>
+        <p:spPr>
+          <a:xfrm>
+            <a:off x="2641600" y="2445287"/>
+            <a:ext cx="6908800" cy="2677656"/>
+          </a:xfrm>
+          <a:prstGeom prst="rect">
+            <a:avLst/>
+          </a:prstGeom>
+          <a:noFill/>
+        </p:spPr>
+        <p:txBody>
+          <a:bodyPr wrap="square" rtlCol="0">
+            <a:spAutoFit/>
+          </a:bodyPr>
+          <a:lstStyle/>
+          <a:p>
+            <a:pPr marL="342900" indent="-342900" algn="l">
+              <a:buFont typeface="Arial" panose="020B0604020202020204" pitchFamily="34" charset="0"/>
+              <a:buChar char="•"/>
+            </a:pPr>
+            <a:r>
+              <a:rPr kumimoji="1" lang="ja-JP" altLang="en-US" sz="2400" dirty="0"/>
+              <a:t>まずは卒論を進める。</a:t>
+            </a:r>
+            <a:endParaRPr kumimoji="1" lang="en-US" altLang="ja-JP" sz="2400" dirty="0"/>
+          </a:p>
+          <a:p>
+            <a:pPr marL="342900" indent="-342900" algn="l">
+              <a:buFont typeface="Arial" panose="020B0604020202020204" pitchFamily="34" charset="0"/>
+              <a:buChar char="•"/>
+            </a:pPr>
+            <a:endParaRPr lang="en-US" altLang="ja-JP" sz="2400" dirty="0"/>
+          </a:p>
+          <a:p>
+            <a:pPr marL="342900" indent="-342900" algn="l">
+              <a:buFont typeface="Arial" panose="020B0604020202020204" pitchFamily="34" charset="0"/>
+              <a:buChar char="•"/>
+            </a:pPr>
+            <a:r>
+              <a:rPr lang="ja-JP" altLang="en-US" sz="2400" dirty="0"/>
+              <a:t>各回路の面積の見積もりができた。</a:t>
+            </a:r>
+            <a:endParaRPr kumimoji="1" lang="en-US" altLang="ja-JP" sz="2400" dirty="0"/>
+          </a:p>
+          <a:p>
+            <a:pPr marL="342900" indent="-342900" algn="l">
+              <a:buFont typeface="Arial" panose="020B0604020202020204" pitchFamily="34" charset="0"/>
+              <a:buChar char="•"/>
+            </a:pPr>
+            <a:endParaRPr lang="en-US" altLang="ja-JP" sz="2400" dirty="0"/>
+          </a:p>
+          <a:p>
+            <a:pPr marL="342900" indent="-342900" algn="l">
+              <a:buFont typeface="Arial" panose="020B0604020202020204" pitchFamily="34" charset="0"/>
+              <a:buChar char="•"/>
+            </a:pPr>
+            <a:r>
+              <a:rPr lang="ja-JP" altLang="en-US" sz="2400" dirty="0"/>
+              <a:t>面積的に針測定用の回路も乗せる。</a:t>
+            </a:r>
+            <a:endParaRPr lang="en-US" altLang="ja-JP" sz="2400" dirty="0"/>
+          </a:p>
+          <a:p>
+            <a:pPr marL="342900" indent="-342900" algn="l">
+              <a:buFont typeface="Arial" panose="020B0604020202020204" pitchFamily="34" charset="0"/>
+              <a:buChar char="•"/>
+            </a:pPr>
+            <a:endParaRPr lang="en-US" altLang="ja-JP" sz="2400" dirty="0"/>
+          </a:p>
+          <a:p>
+            <a:pPr marL="342900" indent="-342900" algn="l">
+              <a:buFont typeface="Arial" panose="020B0604020202020204" pitchFamily="34" charset="0"/>
+              <a:buChar char="•"/>
+            </a:pPr>
+            <a:r>
+              <a:rPr lang="ja-JP" altLang="en-US" sz="2400" dirty="0"/>
+              <a:t>配置は決まったので少しずつ配線を進める。</a:t>
+            </a:r>
+            <a:endParaRPr kumimoji="1" lang="ja-JP" altLang="en-US" sz="2400" dirty="0"/>
+          </a:p>
+        </p:txBody>
+      </p:sp>
+    </p:spTree>
+    <p:extLst>
+      <p:ext uri="{BB962C8B-B14F-4D97-AF65-F5344CB8AC3E}">
+        <p14:creationId xmlns:p14="http://schemas.microsoft.com/office/powerpoint/2010/main" val="4069261501"/>
       </p:ext>
     </p:extLst>
   </p:cSld>
@@ -5283,7 +9656,7 @@
   <a:extraClrSchemeLst/>
   <a:extLst>
     <a:ext uri="{05A4C25C-085E-4340-85A3-A5531E510DB2}">
-      <thm15:themeFamily xmlns:thm15="http://schemas.microsoft.com/office/thememl/2012/main" name="和田研テンプレ.potx" id="{12B0909F-25CF-4384-9B70-9460FA78848E}" vid="{9B233EA9-D562-4591-82CE-87ECF4177DAA}"/>
+      <thm15:themeFamily xmlns:thm15="http://schemas.microsoft.com/office/thememl/2012/main" name="プレゼンテーション1" id="{43645077-1089-44F8-B16B-D100E45D642F}" vid="{3A16795E-70AB-4064-BDA2-3D42EA22E0D3}"/>
     </a:ext>
   </a:extLst>
 </a:theme>
